--- a/Graduation_Project_Presentation_FinalSeminar.pptx
+++ b/Graduation_Project_Presentation_FinalSeminar.pptx
@@ -15,13 +15,13 @@
     <p:sldId id="258" r:id="rId6"/>
     <p:sldId id="270" r:id="rId7"/>
     <p:sldId id="266" r:id="rId8"/>
-    <p:sldId id="284" r:id="rId9"/>
-    <p:sldId id="263" r:id="rId10"/>
+    <p:sldId id="263" r:id="rId9"/>
+    <p:sldId id="284" r:id="rId10"/>
     <p:sldId id="281" r:id="rId11"/>
     <p:sldId id="286" r:id="rId12"/>
     <p:sldId id="283" r:id="rId13"/>
     <p:sldId id="260" r:id="rId14"/>
-    <p:sldId id="287" r:id="rId15"/>
+    <p:sldId id="288" r:id="rId15"/>
     <p:sldId id="273" r:id="rId16"/>
     <p:sldId id="279" r:id="rId17"/>
     <p:sldId id="265" r:id="rId18"/>
@@ -904,16 +904,12 @@
         <a:lstStyle/>
         <a:p>
           <a:r>
-            <a:rPr lang="en-US" sz="1400">
+            <a:rPr lang="en-US" sz="1400" dirty="0">
               <a:latin typeface="Times New Roman" panose="02020603050405020304" pitchFamily="18" charset="0"/>
               <a:cs typeface="Times New Roman" panose="02020603050405020304" pitchFamily="18" charset="0"/>
             </a:rPr>
             <a:t>NIST</a:t>
           </a:r>
-          <a:endParaRPr lang="en-US" sz="1400" dirty="0">
-            <a:latin typeface="Times New Roman" panose="02020603050405020304" pitchFamily="18" charset="0"/>
-            <a:cs typeface="Times New Roman" panose="02020603050405020304" pitchFamily="18" charset="0"/>
-          </a:endParaRPr>
         </a:p>
       </dgm:t>
     </dgm:pt>
@@ -1260,16 +1256,12 @@
         <a:lstStyle/>
         <a:p>
           <a:r>
-            <a:rPr lang="en-US" sz="1400">
+            <a:rPr lang="en-US" sz="1400" dirty="0">
               <a:latin typeface="Times New Roman" panose="02020603050405020304" pitchFamily="18" charset="0"/>
               <a:cs typeface="Times New Roman" panose="02020603050405020304" pitchFamily="18" charset="0"/>
             </a:rPr>
             <a:t>Achievement</a:t>
           </a:r>
-          <a:endParaRPr lang="en-US" sz="1400" dirty="0">
-            <a:latin typeface="Times New Roman" panose="02020603050405020304" pitchFamily="18" charset="0"/>
-            <a:cs typeface="Times New Roman" panose="02020603050405020304" pitchFamily="18" charset="0"/>
-          </a:endParaRPr>
         </a:p>
       </dgm:t>
     </dgm:pt>
@@ -2447,16 +2439,12 @@
             <a:buNone/>
           </a:pPr>
           <a:r>
-            <a:rPr lang="en-US" sz="1400" kern="1200">
+            <a:rPr lang="en-US" sz="1400" kern="1200" dirty="0">
               <a:latin typeface="Times New Roman" panose="02020603050405020304" pitchFamily="18" charset="0"/>
               <a:cs typeface="Times New Roman" panose="02020603050405020304" pitchFamily="18" charset="0"/>
             </a:rPr>
             <a:t>NIST</a:t>
           </a:r>
-          <a:endParaRPr lang="en-US" sz="1400" kern="1200" dirty="0">
-            <a:latin typeface="Times New Roman" panose="02020603050405020304" pitchFamily="18" charset="0"/>
-            <a:cs typeface="Times New Roman" panose="02020603050405020304" pitchFamily="18" charset="0"/>
-          </a:endParaRPr>
         </a:p>
       </dsp:txBody>
       <dsp:txXfrm>
@@ -3589,16 +3577,12 @@
             <a:buNone/>
           </a:pPr>
           <a:r>
-            <a:rPr lang="en-US" sz="1400" kern="1200">
+            <a:rPr lang="en-US" sz="1400" kern="1200" dirty="0">
               <a:latin typeface="Times New Roman" panose="02020603050405020304" pitchFamily="18" charset="0"/>
               <a:cs typeface="Times New Roman" panose="02020603050405020304" pitchFamily="18" charset="0"/>
             </a:rPr>
             <a:t>Achievement</a:t>
           </a:r>
-          <a:endParaRPr lang="en-US" sz="1400" kern="1200" dirty="0">
-            <a:latin typeface="Times New Roman" panose="02020603050405020304" pitchFamily="18" charset="0"/>
-            <a:cs typeface="Times New Roman" panose="02020603050405020304" pitchFamily="18" charset="0"/>
-          </a:endParaRPr>
         </a:p>
       </dsp:txBody>
       <dsp:txXfrm>
@@ -12667,6 +12651,210 @@
             <p:ph type="title"/>
           </p:nvPr>
         </p:nvSpPr>
+        <p:spPr/>
+        <p:txBody>
+          <a:bodyPr/>
+          <a:lstStyle/>
+          <a:p>
+            <a:pPr algn="l"/>
+            <a:r>
+              <a:rPr lang="en-US" b="1" dirty="0">
+                <a:latin typeface="Times New Roman" panose="02020603050405020304" pitchFamily="18" charset="0"/>
+                <a:cs typeface="Times New Roman" panose="02020603050405020304" pitchFamily="18" charset="0"/>
+              </a:rPr>
+              <a:t>Challenges</a:t>
+            </a:r>
+          </a:p>
+        </p:txBody>
+      </p:sp>
+      <p:sp>
+        <p:nvSpPr>
+          <p:cNvPr id="5" name="Content Placeholder 4">
+            <a:extLst>
+              <a:ext uri="{FF2B5EF4-FFF2-40B4-BE49-F238E27FC236}">
+                <a16:creationId xmlns:a16="http://schemas.microsoft.com/office/drawing/2014/main" id="{F2D0C8FE-5D0A-4EF5-B953-9434B0E10AE4}"/>
+              </a:ext>
+            </a:extLst>
+          </p:cNvPr>
+          <p:cNvSpPr>
+            <a:spLocks noGrp="1"/>
+          </p:cNvSpPr>
+          <p:nvPr>
+            <p:ph sz="half" idx="1"/>
+          </p:nvPr>
+        </p:nvSpPr>
+        <p:spPr/>
+        <p:txBody>
+          <a:bodyPr>
+            <a:normAutofit/>
+          </a:bodyPr>
+          <a:lstStyle/>
+          <a:p>
+            <a:pPr>
+              <a:lnSpc>
+                <a:spcPct val="115000"/>
+              </a:lnSpc>
+            </a:pPr>
+            <a:r>
+              <a:rPr lang="en-US" sz="2600" dirty="0">
+                <a:latin typeface="Times New Roman" panose="02020603050405020304" pitchFamily="18" charset="0"/>
+                <a:cs typeface="Times New Roman" panose="02020603050405020304" pitchFamily="18" charset="0"/>
+              </a:rPr>
+              <a:t>Implementing the objectives was challenging.</a:t>
+            </a:r>
+          </a:p>
+        </p:txBody>
+      </p:sp>
+      <p:sp>
+        <p:nvSpPr>
+          <p:cNvPr id="2" name="Slide Number Placeholder 1">
+            <a:extLst>
+              <a:ext uri="{FF2B5EF4-FFF2-40B4-BE49-F238E27FC236}">
+                <a16:creationId xmlns:a16="http://schemas.microsoft.com/office/drawing/2014/main" id="{EF69167D-CB89-4C05-A6AA-05C9B76A2AFB}"/>
+              </a:ext>
+            </a:extLst>
+          </p:cNvPr>
+          <p:cNvSpPr>
+            <a:spLocks noGrp="1"/>
+          </p:cNvSpPr>
+          <p:nvPr>
+            <p:ph type="sldNum" sz="quarter" idx="12"/>
+          </p:nvPr>
+        </p:nvSpPr>
+        <p:spPr/>
+        <p:txBody>
+          <a:bodyPr/>
+          <a:lstStyle/>
+          <a:p>
+            <a:fld id="{AB265669-9768-4162-B261-757C55BCE5B3}" type="slidenum">
+              <a:rPr lang="en-US" smtClean="0"/>
+              <a:t>12</a:t>
+            </a:fld>
+            <a:endParaRPr lang="en-US" dirty="0"/>
+          </a:p>
+        </p:txBody>
+      </p:sp>
+      <p:pic>
+        <p:nvPicPr>
+          <p:cNvPr id="8196" name="Picture 4">
+            <a:extLst>
+              <a:ext uri="{FF2B5EF4-FFF2-40B4-BE49-F238E27FC236}">
+                <a16:creationId xmlns:a16="http://schemas.microsoft.com/office/drawing/2014/main" id="{BC9EF16D-A816-4F13-9B89-7F98CE8411BE}"/>
+              </a:ext>
+            </a:extLst>
+          </p:cNvPr>
+          <p:cNvPicPr>
+            <a:picLocks noChangeAspect="1" noChangeArrowheads="1"/>
+          </p:cNvPicPr>
+          <p:nvPr/>
+        </p:nvPicPr>
+        <p:blipFill>
+          <a:blip r:embed="rId2">
+            <a:extLst>
+              <a:ext uri="{28A0092B-C50C-407E-A947-70E740481C1C}">
+                <a14:useLocalDpi xmlns:a14="http://schemas.microsoft.com/office/drawing/2010/main" val="0"/>
+              </a:ext>
+            </a:extLst>
+          </a:blip>
+          <a:srcRect/>
+          <a:stretch>
+            <a:fillRect/>
+          </a:stretch>
+        </p:blipFill>
+        <p:spPr bwMode="auto">
+          <a:xfrm>
+            <a:off x="8440646" y="643957"/>
+            <a:ext cx="3062377" cy="1800343"/>
+          </a:xfrm>
+          <a:prstGeom prst="rect">
+            <a:avLst/>
+          </a:prstGeom>
+          <a:noFill/>
+          <a:extLst>
+            <a:ext uri="{909E8E84-426E-40DD-AFC4-6F175D3DCCD1}">
+              <a14:hiddenFill xmlns:a14="http://schemas.microsoft.com/office/drawing/2010/main">
+                <a:solidFill>
+                  <a:srgbClr val="FFFFFF"/>
+                </a:solidFill>
+              </a14:hiddenFill>
+            </a:ext>
+          </a:extLst>
+        </p:spPr>
+      </p:pic>
+      <p:pic>
+        <p:nvPicPr>
+          <p:cNvPr id="7" name="Content Placeholder 10">
+            <a:extLst>
+              <a:ext uri="{FF2B5EF4-FFF2-40B4-BE49-F238E27FC236}">
+                <a16:creationId xmlns:a16="http://schemas.microsoft.com/office/drawing/2014/main" id="{7E688CA7-7C20-3D74-9F87-C809E4CD20C1}"/>
+              </a:ext>
+            </a:extLst>
+          </p:cNvPr>
+          <p:cNvPicPr>
+            <a:picLocks noGrp="1" noChangeAspect="1"/>
+          </p:cNvPicPr>
+          <p:nvPr>
+            <p:ph sz="half" idx="2"/>
+          </p:nvPr>
+        </p:nvPicPr>
+        <p:blipFill rotWithShape="1">
+          <a:blip r:embed="rId3"/>
+          <a:srcRect l="8787" r="8769"/>
+          <a:stretch/>
+        </p:blipFill>
+        <p:spPr>
+          <a:xfrm>
+            <a:off x="6607175" y="2846754"/>
+            <a:ext cx="4895850" cy="2764692"/>
+          </a:xfrm>
+        </p:spPr>
+      </p:pic>
+    </p:spTree>
+    <p:extLst>
+      <p:ext uri="{BB962C8B-B14F-4D97-AF65-F5344CB8AC3E}">
+        <p14:creationId xmlns:p14="http://schemas.microsoft.com/office/powerpoint/2010/main" val="656040859"/>
+      </p:ext>
+    </p:extLst>
+  </p:cSld>
+  <p:clrMapOvr>
+    <a:masterClrMapping/>
+  </p:clrMapOvr>
+</p:sld>
+</file>
+
+<file path=ppt/slides/slide14.xml><?xml version="1.0" encoding="utf-8"?>
+<p:sld xmlns:a="http://schemas.openxmlformats.org/drawingml/2006/main" xmlns:r="http://schemas.openxmlformats.org/officeDocument/2006/relationships" xmlns:p="http://schemas.openxmlformats.org/presentationml/2006/main">
+  <p:cSld>
+    <p:spTree>
+      <p:nvGrpSpPr>
+        <p:cNvPr id="1" name=""/>
+        <p:cNvGrpSpPr/>
+        <p:nvPr/>
+      </p:nvGrpSpPr>
+      <p:grpSpPr>
+        <a:xfrm>
+          <a:off x="0" y="0"/>
+          <a:ext cx="0" cy="0"/>
+          <a:chOff x="0" y="0"/>
+          <a:chExt cx="0" cy="0"/>
+        </a:xfrm>
+      </p:grpSpPr>
+      <p:sp>
+        <p:nvSpPr>
+          <p:cNvPr id="4" name="Title 3">
+            <a:extLst>
+              <a:ext uri="{FF2B5EF4-FFF2-40B4-BE49-F238E27FC236}">
+                <a16:creationId xmlns:a16="http://schemas.microsoft.com/office/drawing/2014/main" id="{D8711200-5F3E-46DD-8D4E-6F6911FD6A0D}"/>
+              </a:ext>
+            </a:extLst>
+          </p:cNvPr>
+          <p:cNvSpPr>
+            <a:spLocks noGrp="1"/>
+          </p:cNvSpPr>
+          <p:nvPr>
+            <p:ph type="title"/>
+          </p:nvPr>
+        </p:nvSpPr>
         <p:spPr>
           <a:xfrm>
             <a:off x="1484311" y="685801"/>
@@ -12715,34 +12903,6 @@
             <a:normAutofit/>
           </a:bodyPr>
           <a:lstStyle/>
-          <a:p>
-            <a:pPr>
-              <a:lnSpc>
-                <a:spcPct val="115000"/>
-              </a:lnSpc>
-            </a:pPr>
-            <a:r>
-              <a:rPr lang="en-US" sz="2600" dirty="0">
-                <a:latin typeface="Times New Roman" panose="02020603050405020304" pitchFamily="18" charset="0"/>
-                <a:cs typeface="Times New Roman" panose="02020603050405020304" pitchFamily="18" charset="0"/>
-              </a:rPr>
-              <a:t>Offering a gamified and enjoyable way for kids to learn about cyber security threats and attacks.</a:t>
-            </a:r>
-          </a:p>
-          <a:p>
-            <a:pPr>
-              <a:lnSpc>
-                <a:spcPct val="115000"/>
-              </a:lnSpc>
-            </a:pPr>
-            <a:r>
-              <a:rPr lang="en-US" sz="2600" dirty="0">
-                <a:latin typeface="Times New Roman" panose="02020603050405020304" pitchFamily="18" charset="0"/>
-                <a:cs typeface="Times New Roman" panose="02020603050405020304" pitchFamily="18" charset="0"/>
-              </a:rPr>
-              <a:t>Providing a simple, yet efficient ways to report security attacks.</a:t>
-            </a:r>
-          </a:p>
           <a:p>
             <a:pPr>
               <a:lnSpc>
@@ -12848,7 +13008,7 @@
           <a:p>
             <a:fld id="{AB265669-9768-4162-B261-757C55BCE5B3}" type="slidenum">
               <a:rPr lang="en-US" smtClean="0"/>
-              <a:t>12</a:t>
+              <a:t>13</a:t>
             </a:fld>
             <a:endParaRPr lang="en-US" dirty="0"/>
           </a:p>
@@ -12857,210 +13017,7 @@
     </p:spTree>
     <p:extLst>
       <p:ext uri="{BB962C8B-B14F-4D97-AF65-F5344CB8AC3E}">
-        <p14:creationId xmlns:p14="http://schemas.microsoft.com/office/powerpoint/2010/main" val="656040859"/>
-      </p:ext>
-    </p:extLst>
-  </p:cSld>
-  <p:clrMapOvr>
-    <a:masterClrMapping/>
-  </p:clrMapOvr>
-</p:sld>
-</file>
-
-<file path=ppt/slides/slide14.xml><?xml version="1.0" encoding="utf-8"?>
-<p:sld xmlns:a="http://schemas.openxmlformats.org/drawingml/2006/main" xmlns:r="http://schemas.openxmlformats.org/officeDocument/2006/relationships" xmlns:p="http://schemas.openxmlformats.org/presentationml/2006/main">
-  <p:cSld>
-    <p:spTree>
-      <p:nvGrpSpPr>
-        <p:cNvPr id="1" name=""/>
-        <p:cNvGrpSpPr/>
-        <p:nvPr/>
-      </p:nvGrpSpPr>
-      <p:grpSpPr>
-        <a:xfrm>
-          <a:off x="0" y="0"/>
-          <a:ext cx="0" cy="0"/>
-          <a:chOff x="0" y="0"/>
-          <a:chExt cx="0" cy="0"/>
-        </a:xfrm>
-      </p:grpSpPr>
-      <p:sp>
-        <p:nvSpPr>
-          <p:cNvPr id="2" name="Slide Number Placeholder 1">
-            <a:extLst>
-              <a:ext uri="{FF2B5EF4-FFF2-40B4-BE49-F238E27FC236}">
-                <a16:creationId xmlns:a16="http://schemas.microsoft.com/office/drawing/2014/main" id="{EF69167D-CB89-4C05-A6AA-05C9B76A2AFB}"/>
-              </a:ext>
-            </a:extLst>
-          </p:cNvPr>
-          <p:cNvSpPr>
-            <a:spLocks noGrp="1"/>
-          </p:cNvSpPr>
-          <p:nvPr>
-            <p:ph type="sldNum" sz="quarter" idx="12"/>
-          </p:nvPr>
-        </p:nvSpPr>
-        <p:spPr/>
-        <p:txBody>
-          <a:bodyPr/>
-          <a:lstStyle/>
-          <a:p>
-            <a:fld id="{AB265669-9768-4162-B261-757C55BCE5B3}" type="slidenum">
-              <a:rPr lang="en-US" smtClean="0"/>
-              <a:t>13</a:t>
-            </a:fld>
-            <a:endParaRPr lang="en-US" dirty="0"/>
-          </a:p>
-        </p:txBody>
-      </p:sp>
-      <p:sp>
-        <p:nvSpPr>
-          <p:cNvPr id="8" name="Title 3">
-            <a:extLst>
-              <a:ext uri="{FF2B5EF4-FFF2-40B4-BE49-F238E27FC236}">
-                <a16:creationId xmlns:a16="http://schemas.microsoft.com/office/drawing/2014/main" id="{7A5A615E-942A-F3CD-454E-65FB5C03F79C}"/>
-              </a:ext>
-            </a:extLst>
-          </p:cNvPr>
-          <p:cNvSpPr txBox="1">
-            <a:spLocks/>
-          </p:cNvSpPr>
-          <p:nvPr/>
-        </p:nvSpPr>
-        <p:spPr>
-          <a:xfrm>
-            <a:off x="1484311" y="685801"/>
-            <a:ext cx="10018713" cy="858328"/>
-          </a:xfrm>
-          <a:prstGeom prst="rect">
-            <a:avLst/>
-          </a:prstGeom>
-          <a:effectLst/>
-        </p:spPr>
-        <p:txBody>
-          <a:bodyPr vert="horz" lIns="91440" tIns="45720" rIns="91440" bIns="45720" rtlCol="0" anchor="ctr">
-            <a:normAutofit/>
-          </a:bodyPr>
-          <a:lstStyle>
-            <a:lvl1pPr algn="ctr" defTabSz="457200" rtl="0" eaLnBrk="1" latinLnBrk="0" hangingPunct="1">
-              <a:spcBef>
-                <a:spcPct val="0"/>
-              </a:spcBef>
-              <a:buNone/>
-              <a:defRPr sz="4000" b="1" kern="1200" cap="none">
-                <a:ln w="3175" cmpd="sng">
-                  <a:noFill/>
-                </a:ln>
-                <a:solidFill>
-                  <a:schemeClr val="tx1">
-                    <a:lumMod val="75000"/>
-                    <a:lumOff val="25000"/>
-                  </a:schemeClr>
-                </a:solidFill>
-                <a:effectLst/>
-                <a:latin typeface="Times New Roman" panose="02020603050405020304" pitchFamily="18" charset="0"/>
-                <a:ea typeface="+mj-ea"/>
-                <a:cs typeface="Times New Roman" panose="02020603050405020304" pitchFamily="18" charset="0"/>
-              </a:defRPr>
-            </a:lvl1pPr>
-            <a:lvl2pPr eaLnBrk="1" hangingPunct="1">
-              <a:defRPr>
-                <a:solidFill>
-                  <a:schemeClr val="tx2"/>
-                </a:solidFill>
-              </a:defRPr>
-            </a:lvl2pPr>
-            <a:lvl3pPr eaLnBrk="1" hangingPunct="1">
-              <a:defRPr>
-                <a:solidFill>
-                  <a:schemeClr val="tx2"/>
-                </a:solidFill>
-              </a:defRPr>
-            </a:lvl3pPr>
-            <a:lvl4pPr eaLnBrk="1" hangingPunct="1">
-              <a:defRPr>
-                <a:solidFill>
-                  <a:schemeClr val="tx2"/>
-                </a:solidFill>
-              </a:defRPr>
-            </a:lvl4pPr>
-            <a:lvl5pPr eaLnBrk="1" hangingPunct="1">
-              <a:defRPr>
-                <a:solidFill>
-                  <a:schemeClr val="tx2"/>
-                </a:solidFill>
-              </a:defRPr>
-            </a:lvl5pPr>
-            <a:lvl6pPr eaLnBrk="1" hangingPunct="1">
-              <a:defRPr>
-                <a:solidFill>
-                  <a:schemeClr val="tx2"/>
-                </a:solidFill>
-              </a:defRPr>
-            </a:lvl6pPr>
-            <a:lvl7pPr eaLnBrk="1" hangingPunct="1">
-              <a:defRPr>
-                <a:solidFill>
-                  <a:schemeClr val="tx2"/>
-                </a:solidFill>
-              </a:defRPr>
-            </a:lvl7pPr>
-            <a:lvl8pPr eaLnBrk="1" hangingPunct="1">
-              <a:defRPr>
-                <a:solidFill>
-                  <a:schemeClr val="tx2"/>
-                </a:solidFill>
-              </a:defRPr>
-            </a:lvl8pPr>
-            <a:lvl9pPr eaLnBrk="1" hangingPunct="1">
-              <a:defRPr>
-                <a:solidFill>
-                  <a:schemeClr val="tx2"/>
-                </a:solidFill>
-              </a:defRPr>
-            </a:lvl9pPr>
-          </a:lstStyle>
-          <a:p>
-            <a:pPr algn="l"/>
-            <a:r>
-              <a:rPr lang="en-US" dirty="0"/>
-              <a:t>Challenges</a:t>
-            </a:r>
-          </a:p>
-        </p:txBody>
-      </p:sp>
-      <p:pic>
-        <p:nvPicPr>
-          <p:cNvPr id="32" name="Content Placeholder 10">
-            <a:extLst>
-              <a:ext uri="{FF2B5EF4-FFF2-40B4-BE49-F238E27FC236}">
-                <a16:creationId xmlns:a16="http://schemas.microsoft.com/office/drawing/2014/main" id="{0D458CD0-7185-0BB7-5E9D-E68CE10A423B}"/>
-              </a:ext>
-            </a:extLst>
-          </p:cNvPr>
-          <p:cNvPicPr>
-            <a:picLocks noGrp="1" noChangeAspect="1"/>
-          </p:cNvPicPr>
-          <p:nvPr>
-            <p:ph idx="1"/>
-          </p:nvPr>
-        </p:nvPicPr>
-        <p:blipFill rotWithShape="1">
-          <a:blip r:embed="rId2"/>
-          <a:srcRect l="8787" r="8769"/>
-          <a:stretch/>
-        </p:blipFill>
-        <p:spPr>
-          <a:xfrm>
-            <a:off x="2733209" y="1544129"/>
-            <a:ext cx="7520915" cy="4247071"/>
-          </a:xfrm>
-        </p:spPr>
-      </p:pic>
-    </p:spTree>
-    <p:extLst>
-      <p:ext uri="{BB962C8B-B14F-4D97-AF65-F5344CB8AC3E}">
-        <p14:creationId xmlns:p14="http://schemas.microsoft.com/office/powerpoint/2010/main" val="1976184098"/>
+        <p14:creationId xmlns:p14="http://schemas.microsoft.com/office/powerpoint/2010/main" val="823752860"/>
       </p:ext>
     </p:extLst>
   </p:cSld>
@@ -16476,270 +16433,6 @@
           <a:p>
             <a:pPr algn="l"/>
             <a:r>
-              <a:rPr lang="en-US" b="1" dirty="0">
-                <a:latin typeface="Times New Roman" panose="02020603050405020304" pitchFamily="18" charset="0"/>
-                <a:cs typeface="Times New Roman" panose="02020603050405020304" pitchFamily="18" charset="0"/>
-              </a:rPr>
-              <a:t>Objectives</a:t>
-            </a:r>
-          </a:p>
-        </p:txBody>
-      </p:sp>
-      <p:sp>
-        <p:nvSpPr>
-          <p:cNvPr id="5" name="Content Placeholder 4">
-            <a:extLst>
-              <a:ext uri="{FF2B5EF4-FFF2-40B4-BE49-F238E27FC236}">
-                <a16:creationId xmlns:a16="http://schemas.microsoft.com/office/drawing/2014/main" id="{F2D0C8FE-5D0A-4EF5-B953-9434B0E10AE4}"/>
-              </a:ext>
-            </a:extLst>
-          </p:cNvPr>
-          <p:cNvSpPr>
-            <a:spLocks noGrp="1"/>
-          </p:cNvSpPr>
-          <p:nvPr>
-            <p:ph idx="1"/>
-          </p:nvPr>
-        </p:nvSpPr>
-        <p:spPr>
-          <a:xfrm>
-            <a:off x="1484310" y="1639019"/>
-            <a:ext cx="10018713" cy="4347713"/>
-          </a:xfrm>
-        </p:spPr>
-        <p:txBody>
-          <a:bodyPr>
-            <a:normAutofit/>
-          </a:bodyPr>
-          <a:lstStyle/>
-          <a:p>
-            <a:pPr algn="just">
-              <a:lnSpc>
-                <a:spcPct val="115000"/>
-              </a:lnSpc>
-              <a:spcBef>
-                <a:spcPts val="0"/>
-              </a:spcBef>
-              <a:spcAft>
-                <a:spcPts val="1000"/>
-              </a:spcAft>
-              <a:buSzPct val="100000"/>
-            </a:pPr>
-            <a:r>
-              <a:rPr lang="en-US" sz="2600" dirty="0">
-                <a:effectLst/>
-                <a:latin typeface="Times New Roman" panose="02020603050405020304" pitchFamily="18" charset="0"/>
-                <a:ea typeface="Times New Roman" panose="02020603050405020304" pitchFamily="18" charset="0"/>
-                <a:cs typeface="Times New Roman" panose="02020603050405020304" pitchFamily="18" charset="0"/>
-              </a:rPr>
-              <a:t>Offering a gamified and enjoyable way for kids to learn about cyber security threats and attacks.</a:t>
-            </a:r>
-            <a:endParaRPr lang="en-US" sz="2600" dirty="0">
-              <a:effectLst/>
-              <a:latin typeface="Times New Roman" panose="02020603050405020304" pitchFamily="18" charset="0"/>
-              <a:ea typeface="Calibri" panose="020F0502020204030204" pitchFamily="34" charset="0"/>
-              <a:cs typeface="Times New Roman" panose="02020603050405020304" pitchFamily="18" charset="0"/>
-            </a:endParaRPr>
-          </a:p>
-          <a:p>
-            <a:pPr algn="just">
-              <a:lnSpc>
-                <a:spcPct val="115000"/>
-              </a:lnSpc>
-              <a:spcBef>
-                <a:spcPts val="0"/>
-              </a:spcBef>
-              <a:spcAft>
-                <a:spcPts val="1000"/>
-              </a:spcAft>
-              <a:buSzPct val="100000"/>
-            </a:pPr>
-            <a:r>
-              <a:rPr lang="en-US" sz="2600" dirty="0">
-                <a:effectLst/>
-                <a:latin typeface="Times New Roman" panose="02020603050405020304" pitchFamily="18" charset="0"/>
-                <a:ea typeface="Times New Roman" panose="02020603050405020304" pitchFamily="18" charset="0"/>
-                <a:cs typeface="Times New Roman" panose="02020603050405020304" pitchFamily="18" charset="0"/>
-              </a:rPr>
-              <a:t>Providing a simple, yet efficient ways to report security attacks.</a:t>
-            </a:r>
-            <a:endParaRPr lang="en-US" sz="2600" dirty="0">
-              <a:effectLst/>
-              <a:latin typeface="Times New Roman" panose="02020603050405020304" pitchFamily="18" charset="0"/>
-              <a:ea typeface="Calibri" panose="020F0502020204030204" pitchFamily="34" charset="0"/>
-              <a:cs typeface="Times New Roman" panose="02020603050405020304" pitchFamily="18" charset="0"/>
-            </a:endParaRPr>
-          </a:p>
-          <a:p>
-            <a:pPr algn="just">
-              <a:lnSpc>
-                <a:spcPct val="115000"/>
-              </a:lnSpc>
-              <a:spcBef>
-                <a:spcPts val="0"/>
-              </a:spcBef>
-              <a:spcAft>
-                <a:spcPts val="1000"/>
-              </a:spcAft>
-              <a:buSzPct val="100000"/>
-            </a:pPr>
-            <a:r>
-              <a:rPr lang="en-US" sz="2600" dirty="0">
-                <a:effectLst/>
-                <a:latin typeface="Times New Roman" panose="02020603050405020304" pitchFamily="18" charset="0"/>
-                <a:ea typeface="Times New Roman" panose="02020603050405020304" pitchFamily="18" charset="0"/>
-                <a:cs typeface="Times New Roman" panose="02020603050405020304" pitchFamily="18" charset="0"/>
-              </a:rPr>
-              <a:t>Implementing practical hands-on experience.</a:t>
-            </a:r>
-            <a:endParaRPr lang="en-US" sz="2600" dirty="0">
-              <a:effectLst/>
-              <a:latin typeface="Times New Roman" panose="02020603050405020304" pitchFamily="18" charset="0"/>
-              <a:ea typeface="Calibri" panose="020F0502020204030204" pitchFamily="34" charset="0"/>
-              <a:cs typeface="Times New Roman" panose="02020603050405020304" pitchFamily="18" charset="0"/>
-            </a:endParaRPr>
-          </a:p>
-        </p:txBody>
-      </p:sp>
-      <p:pic>
-        <p:nvPicPr>
-          <p:cNvPr id="8196" name="Picture 4">
-            <a:extLst>
-              <a:ext uri="{FF2B5EF4-FFF2-40B4-BE49-F238E27FC236}">
-                <a16:creationId xmlns:a16="http://schemas.microsoft.com/office/drawing/2014/main" id="{BC9EF16D-A816-4F13-9B89-7F98CE8411BE}"/>
-              </a:ext>
-            </a:extLst>
-          </p:cNvPr>
-          <p:cNvPicPr>
-            <a:picLocks noChangeAspect="1" noChangeArrowheads="1"/>
-          </p:cNvPicPr>
-          <p:nvPr/>
-        </p:nvPicPr>
-        <p:blipFill>
-          <a:blip r:embed="rId2">
-            <a:extLst>
-              <a:ext uri="{28A0092B-C50C-407E-A947-70E740481C1C}">
-                <a14:useLocalDpi xmlns:a14="http://schemas.microsoft.com/office/drawing/2010/main" val="0"/>
-              </a:ext>
-            </a:extLst>
-          </a:blip>
-          <a:srcRect/>
-          <a:stretch>
-            <a:fillRect/>
-          </a:stretch>
-        </p:blipFill>
-        <p:spPr bwMode="auto">
-          <a:xfrm>
-            <a:off x="8440646" y="643957"/>
-            <a:ext cx="3062377" cy="1800343"/>
-          </a:xfrm>
-          <a:prstGeom prst="rect">
-            <a:avLst/>
-          </a:prstGeom>
-          <a:noFill/>
-          <a:extLst>
-            <a:ext uri="{909E8E84-426E-40DD-AFC4-6F175D3DCCD1}">
-              <a14:hiddenFill xmlns:a14="http://schemas.microsoft.com/office/drawing/2010/main">
-                <a:solidFill>
-                  <a:srgbClr val="FFFFFF"/>
-                </a:solidFill>
-              </a14:hiddenFill>
-            </a:ext>
-          </a:extLst>
-        </p:spPr>
-      </p:pic>
-      <p:sp>
-        <p:nvSpPr>
-          <p:cNvPr id="2" name="Slide Number Placeholder 1">
-            <a:extLst>
-              <a:ext uri="{FF2B5EF4-FFF2-40B4-BE49-F238E27FC236}">
-                <a16:creationId xmlns:a16="http://schemas.microsoft.com/office/drawing/2014/main" id="{EF69167D-CB89-4C05-A6AA-05C9B76A2AFB}"/>
-              </a:ext>
-            </a:extLst>
-          </p:cNvPr>
-          <p:cNvSpPr>
-            <a:spLocks noGrp="1"/>
-          </p:cNvSpPr>
-          <p:nvPr>
-            <p:ph type="sldNum" sz="quarter" idx="12"/>
-          </p:nvPr>
-        </p:nvSpPr>
-        <p:spPr>
-          <a:xfrm>
-            <a:off x="10951856" y="5867131"/>
-            <a:ext cx="551167" cy="365125"/>
-          </a:xfrm>
-        </p:spPr>
-        <p:txBody>
-          <a:bodyPr/>
-          <a:lstStyle/>
-          <a:p>
-            <a:fld id="{AB265669-9768-4162-B261-757C55BCE5B3}" type="slidenum">
-              <a:rPr lang="en-US" smtClean="0"/>
-              <a:t>7</a:t>
-            </a:fld>
-            <a:endParaRPr lang="en-US" dirty="0"/>
-          </a:p>
-        </p:txBody>
-      </p:sp>
-    </p:spTree>
-    <p:extLst>
-      <p:ext uri="{BB962C8B-B14F-4D97-AF65-F5344CB8AC3E}">
-        <p14:creationId xmlns:p14="http://schemas.microsoft.com/office/powerpoint/2010/main" val="2919576866"/>
-      </p:ext>
-    </p:extLst>
-  </p:cSld>
-  <p:clrMapOvr>
-    <a:masterClrMapping/>
-  </p:clrMapOvr>
-</p:sld>
-</file>
-
-<file path=ppt/slides/slide9.xml><?xml version="1.0" encoding="utf-8"?>
-<p:sld xmlns:a="http://schemas.openxmlformats.org/drawingml/2006/main" xmlns:r="http://schemas.openxmlformats.org/officeDocument/2006/relationships" xmlns:p="http://schemas.openxmlformats.org/presentationml/2006/main">
-  <p:cSld>
-    <p:spTree>
-      <p:nvGrpSpPr>
-        <p:cNvPr id="1" name=""/>
-        <p:cNvGrpSpPr/>
-        <p:nvPr/>
-      </p:nvGrpSpPr>
-      <p:grpSpPr>
-        <a:xfrm>
-          <a:off x="0" y="0"/>
-          <a:ext cx="0" cy="0"/>
-          <a:chOff x="0" y="0"/>
-          <a:chExt cx="0" cy="0"/>
-        </a:xfrm>
-      </p:grpSpPr>
-      <p:sp>
-        <p:nvSpPr>
-          <p:cNvPr id="4" name="Title 3">
-            <a:extLst>
-              <a:ext uri="{FF2B5EF4-FFF2-40B4-BE49-F238E27FC236}">
-                <a16:creationId xmlns:a16="http://schemas.microsoft.com/office/drawing/2014/main" id="{D8711200-5F3E-46DD-8D4E-6F6911FD6A0D}"/>
-              </a:ext>
-            </a:extLst>
-          </p:cNvPr>
-          <p:cNvSpPr>
-            <a:spLocks noGrp="1"/>
-          </p:cNvSpPr>
-          <p:nvPr>
-            <p:ph type="title"/>
-          </p:nvPr>
-        </p:nvSpPr>
-        <p:spPr>
-          <a:xfrm>
-            <a:off x="1484311" y="685801"/>
-            <a:ext cx="10018713" cy="858328"/>
-          </a:xfrm>
-        </p:spPr>
-        <p:txBody>
-          <a:bodyPr/>
-          <a:lstStyle/>
-          <a:p>
-            <a:pPr algn="l"/>
-            <a:r>
               <a:rPr lang="en-US" dirty="0"/>
               <a:t>Architecture</a:t>
             </a:r>
@@ -16809,7 +16502,7 @@
           <a:p>
             <a:fld id="{AB265669-9768-4162-B261-757C55BCE5B3}" type="slidenum">
               <a:rPr lang="en-US" smtClean="0"/>
-              <a:t>8</a:t>
+              <a:t>7</a:t>
             </a:fld>
             <a:endParaRPr lang="en-US" dirty="0"/>
           </a:p>
@@ -16927,6 +16620,258 @@
     <p:extLst>
       <p:ext uri="{BB962C8B-B14F-4D97-AF65-F5344CB8AC3E}">
         <p14:creationId xmlns:p14="http://schemas.microsoft.com/office/powerpoint/2010/main" val="236100888"/>
+      </p:ext>
+    </p:extLst>
+  </p:cSld>
+  <p:clrMapOvr>
+    <a:masterClrMapping/>
+  </p:clrMapOvr>
+</p:sld>
+</file>
+
+<file path=ppt/slides/slide9.xml><?xml version="1.0" encoding="utf-8"?>
+<p:sld xmlns:a="http://schemas.openxmlformats.org/drawingml/2006/main" xmlns:r="http://schemas.openxmlformats.org/officeDocument/2006/relationships" xmlns:p="http://schemas.openxmlformats.org/presentationml/2006/main">
+  <p:cSld>
+    <p:spTree>
+      <p:nvGrpSpPr>
+        <p:cNvPr id="1" name=""/>
+        <p:cNvGrpSpPr/>
+        <p:nvPr/>
+      </p:nvGrpSpPr>
+      <p:grpSpPr>
+        <a:xfrm>
+          <a:off x="0" y="0"/>
+          <a:ext cx="0" cy="0"/>
+          <a:chOff x="0" y="0"/>
+          <a:chExt cx="0" cy="0"/>
+        </a:xfrm>
+      </p:grpSpPr>
+      <p:sp>
+        <p:nvSpPr>
+          <p:cNvPr id="4" name="Title 3">
+            <a:extLst>
+              <a:ext uri="{FF2B5EF4-FFF2-40B4-BE49-F238E27FC236}">
+                <a16:creationId xmlns:a16="http://schemas.microsoft.com/office/drawing/2014/main" id="{D8711200-5F3E-46DD-8D4E-6F6911FD6A0D}"/>
+              </a:ext>
+            </a:extLst>
+          </p:cNvPr>
+          <p:cNvSpPr>
+            <a:spLocks noGrp="1"/>
+          </p:cNvSpPr>
+          <p:nvPr>
+            <p:ph type="title"/>
+          </p:nvPr>
+        </p:nvSpPr>
+        <p:spPr>
+          <a:xfrm>
+            <a:off x="1484311" y="685801"/>
+            <a:ext cx="10018713" cy="858328"/>
+          </a:xfrm>
+        </p:spPr>
+        <p:txBody>
+          <a:bodyPr/>
+          <a:lstStyle/>
+          <a:p>
+            <a:pPr algn="l"/>
+            <a:r>
+              <a:rPr lang="en-US" b="1" dirty="0">
+                <a:latin typeface="Times New Roman" panose="02020603050405020304" pitchFamily="18" charset="0"/>
+                <a:cs typeface="Times New Roman" panose="02020603050405020304" pitchFamily="18" charset="0"/>
+              </a:rPr>
+              <a:t>Objectives</a:t>
+            </a:r>
+          </a:p>
+        </p:txBody>
+      </p:sp>
+      <p:sp>
+        <p:nvSpPr>
+          <p:cNvPr id="5" name="Content Placeholder 4">
+            <a:extLst>
+              <a:ext uri="{FF2B5EF4-FFF2-40B4-BE49-F238E27FC236}">
+                <a16:creationId xmlns:a16="http://schemas.microsoft.com/office/drawing/2014/main" id="{F2D0C8FE-5D0A-4EF5-B953-9434B0E10AE4}"/>
+              </a:ext>
+            </a:extLst>
+          </p:cNvPr>
+          <p:cNvSpPr>
+            <a:spLocks noGrp="1"/>
+          </p:cNvSpPr>
+          <p:nvPr>
+            <p:ph idx="1"/>
+          </p:nvPr>
+        </p:nvSpPr>
+        <p:spPr>
+          <a:xfrm>
+            <a:off x="1484310" y="1639019"/>
+            <a:ext cx="10018713" cy="4347713"/>
+          </a:xfrm>
+        </p:spPr>
+        <p:txBody>
+          <a:bodyPr>
+            <a:normAutofit/>
+          </a:bodyPr>
+          <a:lstStyle/>
+          <a:p>
+            <a:pPr algn="just">
+              <a:lnSpc>
+                <a:spcPct val="115000"/>
+              </a:lnSpc>
+              <a:spcBef>
+                <a:spcPts val="0"/>
+              </a:spcBef>
+              <a:spcAft>
+                <a:spcPts val="1000"/>
+              </a:spcAft>
+              <a:buSzPct val="100000"/>
+            </a:pPr>
+            <a:r>
+              <a:rPr lang="en-US" sz="2600" dirty="0">
+                <a:effectLst/>
+                <a:latin typeface="Times New Roman" panose="02020603050405020304" pitchFamily="18" charset="0"/>
+                <a:ea typeface="Times New Roman" panose="02020603050405020304" pitchFamily="18" charset="0"/>
+                <a:cs typeface="Times New Roman" panose="02020603050405020304" pitchFamily="18" charset="0"/>
+              </a:rPr>
+              <a:t>Offering a gamified and enjoyable way for kids to learn about cyber security threats and attacks. </a:t>
+            </a:r>
+          </a:p>
+          <a:p>
+            <a:pPr algn="just">
+              <a:lnSpc>
+                <a:spcPct val="115000"/>
+              </a:lnSpc>
+              <a:spcBef>
+                <a:spcPts val="0"/>
+              </a:spcBef>
+              <a:spcAft>
+                <a:spcPts val="1000"/>
+              </a:spcAft>
+              <a:buSzPct val="100000"/>
+            </a:pPr>
+            <a:r>
+              <a:rPr lang="en-US" sz="2600" dirty="0">
+                <a:effectLst/>
+                <a:latin typeface="Times New Roman" panose="02020603050405020304" pitchFamily="18" charset="0"/>
+                <a:ea typeface="Times New Roman" panose="02020603050405020304" pitchFamily="18" charset="0"/>
+                <a:cs typeface="Times New Roman" panose="02020603050405020304" pitchFamily="18" charset="0"/>
+              </a:rPr>
+              <a:t>Provide a simple yet effective means of reporting security attacks.</a:t>
+            </a:r>
+          </a:p>
+          <a:p>
+            <a:pPr algn="just">
+              <a:lnSpc>
+                <a:spcPct val="115000"/>
+              </a:lnSpc>
+              <a:spcBef>
+                <a:spcPts val="0"/>
+              </a:spcBef>
+              <a:spcAft>
+                <a:spcPts val="1000"/>
+              </a:spcAft>
+              <a:buSzPct val="100000"/>
+            </a:pPr>
+            <a:r>
+              <a:rPr lang="en-US" sz="2600" dirty="0">
+                <a:effectLst/>
+                <a:latin typeface="Times New Roman" panose="02020603050405020304" pitchFamily="18" charset="0"/>
+                <a:ea typeface="Times New Roman" panose="02020603050405020304" pitchFamily="18" charset="0"/>
+                <a:cs typeface="Times New Roman" panose="02020603050405020304" pitchFamily="18" charset="0"/>
+              </a:rPr>
+              <a:t>Implementing practical hands-on experience.</a:t>
+            </a:r>
+            <a:endParaRPr lang="en-US" sz="2600" dirty="0">
+              <a:effectLst/>
+              <a:latin typeface="Times New Roman" panose="02020603050405020304" pitchFamily="18" charset="0"/>
+              <a:ea typeface="Calibri" panose="020F0502020204030204" pitchFamily="34" charset="0"/>
+              <a:cs typeface="Times New Roman" panose="02020603050405020304" pitchFamily="18" charset="0"/>
+            </a:endParaRPr>
+          </a:p>
+        </p:txBody>
+      </p:sp>
+      <p:pic>
+        <p:nvPicPr>
+          <p:cNvPr id="8196" name="Picture 4">
+            <a:extLst>
+              <a:ext uri="{FF2B5EF4-FFF2-40B4-BE49-F238E27FC236}">
+                <a16:creationId xmlns:a16="http://schemas.microsoft.com/office/drawing/2014/main" id="{BC9EF16D-A816-4F13-9B89-7F98CE8411BE}"/>
+              </a:ext>
+            </a:extLst>
+          </p:cNvPr>
+          <p:cNvPicPr>
+            <a:picLocks noChangeAspect="1" noChangeArrowheads="1"/>
+          </p:cNvPicPr>
+          <p:nvPr/>
+        </p:nvPicPr>
+        <p:blipFill>
+          <a:blip r:embed="rId2">
+            <a:extLst>
+              <a:ext uri="{28A0092B-C50C-407E-A947-70E740481C1C}">
+                <a14:useLocalDpi xmlns:a14="http://schemas.microsoft.com/office/drawing/2010/main" val="0"/>
+              </a:ext>
+            </a:extLst>
+          </a:blip>
+          <a:srcRect/>
+          <a:stretch>
+            <a:fillRect/>
+          </a:stretch>
+        </p:blipFill>
+        <p:spPr bwMode="auto">
+          <a:xfrm>
+            <a:off x="8440646" y="643957"/>
+            <a:ext cx="3062377" cy="1800343"/>
+          </a:xfrm>
+          <a:prstGeom prst="rect">
+            <a:avLst/>
+          </a:prstGeom>
+          <a:noFill/>
+          <a:extLst>
+            <a:ext uri="{909E8E84-426E-40DD-AFC4-6F175D3DCCD1}">
+              <a14:hiddenFill xmlns:a14="http://schemas.microsoft.com/office/drawing/2010/main">
+                <a:solidFill>
+                  <a:srgbClr val="FFFFFF"/>
+                </a:solidFill>
+              </a14:hiddenFill>
+            </a:ext>
+          </a:extLst>
+        </p:spPr>
+      </p:pic>
+      <p:sp>
+        <p:nvSpPr>
+          <p:cNvPr id="2" name="Slide Number Placeholder 1">
+            <a:extLst>
+              <a:ext uri="{FF2B5EF4-FFF2-40B4-BE49-F238E27FC236}">
+                <a16:creationId xmlns:a16="http://schemas.microsoft.com/office/drawing/2014/main" id="{EF69167D-CB89-4C05-A6AA-05C9B76A2AFB}"/>
+              </a:ext>
+            </a:extLst>
+          </p:cNvPr>
+          <p:cNvSpPr>
+            <a:spLocks noGrp="1"/>
+          </p:cNvSpPr>
+          <p:nvPr>
+            <p:ph type="sldNum" sz="quarter" idx="12"/>
+          </p:nvPr>
+        </p:nvSpPr>
+        <p:spPr>
+          <a:xfrm>
+            <a:off x="10951856" y="5867131"/>
+            <a:ext cx="551167" cy="365125"/>
+          </a:xfrm>
+        </p:spPr>
+        <p:txBody>
+          <a:bodyPr/>
+          <a:lstStyle/>
+          <a:p>
+            <a:fld id="{AB265669-9768-4162-B261-757C55BCE5B3}" type="slidenum">
+              <a:rPr lang="en-US" smtClean="0"/>
+              <a:t>8</a:t>
+            </a:fld>
+            <a:endParaRPr lang="en-US" dirty="0"/>
+          </a:p>
+        </p:txBody>
+      </p:sp>
+    </p:spTree>
+    <p:extLst>
+      <p:ext uri="{BB962C8B-B14F-4D97-AF65-F5344CB8AC3E}">
+        <p14:creationId xmlns:p14="http://schemas.microsoft.com/office/powerpoint/2010/main" val="2919576866"/>
       </p:ext>
     </p:extLst>
   </p:cSld>

--- a/Graduation_Project_Presentation_FinalSeminar.pptx
+++ b/Graduation_Project_Presentation_FinalSeminar.pptx
@@ -5,7 +5,7 @@
     <p:sldMasterId id="2147483755" r:id="rId1"/>
   </p:sldMasterIdLst>
   <p:notesMasterIdLst>
-    <p:notesMasterId r:id="rId23"/>
+    <p:notesMasterId r:id="rId22"/>
   </p:notesMasterIdLst>
   <p:sldIdLst>
     <p:sldId id="269" r:id="rId2"/>
@@ -26,9 +26,8 @@
     <p:sldId id="279" r:id="rId17"/>
     <p:sldId id="265" r:id="rId18"/>
     <p:sldId id="274" r:id="rId19"/>
-    <p:sldId id="275" r:id="rId20"/>
-    <p:sldId id="280" r:id="rId21"/>
-    <p:sldId id="276" r:id="rId22"/>
+    <p:sldId id="280" r:id="rId20"/>
+    <p:sldId id="276" r:id="rId21"/>
   </p:sldIdLst>
   <p:sldSz cx="12192000" cy="6858000"/>
   <p:notesSz cx="6858000" cy="9144000"/>
@@ -1600,8 +1599,40 @@
       <dgm:prSet presAssocID="{33755AFC-7272-41CF-8A6C-BE1DCF908F24}" presName="hierChild4" presStyleCnt="0"/>
       <dgm:spPr/>
     </dgm:pt>
+    <dgm:pt modelId="{7FCB2E25-D32F-422E-B709-C33691A18532}" type="pres">
+      <dgm:prSet presAssocID="{D581F437-06B6-4379-83D6-DE45430DE09F}" presName="Name17" presStyleLbl="parChTrans1D3" presStyleIdx="5" presStyleCnt="7"/>
+      <dgm:spPr/>
+    </dgm:pt>
+    <dgm:pt modelId="{444749FF-F37F-437F-A127-2445B5DBF82E}" type="pres">
+      <dgm:prSet presAssocID="{5DD09FA9-5AE8-43F0-9944-A3D867027142}" presName="hierRoot3" presStyleCnt="0"/>
+      <dgm:spPr/>
+    </dgm:pt>
+    <dgm:pt modelId="{7F394514-6A51-4CF2-8A81-5E42AD548D94}" type="pres">
+      <dgm:prSet presAssocID="{5DD09FA9-5AE8-43F0-9944-A3D867027142}" presName="composite3" presStyleCnt="0"/>
+      <dgm:spPr/>
+    </dgm:pt>
+    <dgm:pt modelId="{0E971C43-310D-487E-BB3A-2D624BA2BCEF}" type="pres">
+      <dgm:prSet presAssocID="{5DD09FA9-5AE8-43F0-9944-A3D867027142}" presName="background3" presStyleLbl="node3" presStyleIdx="5" presStyleCnt="7"/>
+      <dgm:spPr>
+        <a:solidFill>
+          <a:srgbClr val="00B050"/>
+        </a:solidFill>
+      </dgm:spPr>
+    </dgm:pt>
+    <dgm:pt modelId="{3B569626-D466-4057-8709-82D61A7BC057}" type="pres">
+      <dgm:prSet presAssocID="{5DD09FA9-5AE8-43F0-9944-A3D867027142}" presName="text3" presStyleLbl="fgAcc3" presStyleIdx="5" presStyleCnt="7">
+        <dgm:presLayoutVars>
+          <dgm:chPref val="3"/>
+        </dgm:presLayoutVars>
+      </dgm:prSet>
+      <dgm:spPr/>
+    </dgm:pt>
+    <dgm:pt modelId="{7BB1FD25-D5AB-46C3-8EB0-F71C390C17B5}" type="pres">
+      <dgm:prSet presAssocID="{5DD09FA9-5AE8-43F0-9944-A3D867027142}" presName="hierChild4" presStyleCnt="0"/>
+      <dgm:spPr/>
+    </dgm:pt>
     <dgm:pt modelId="{FD1E1187-91CC-46D4-9E7E-BA7A05BA99AD}" type="pres">
-      <dgm:prSet presAssocID="{EBC2771F-86E1-41F5-AB66-B6FBD56F2AC3}" presName="Name17" presStyleLbl="parChTrans1D3" presStyleIdx="5" presStyleCnt="7"/>
+      <dgm:prSet presAssocID="{EBC2771F-86E1-41F5-AB66-B6FBD56F2AC3}" presName="Name17" presStyleLbl="parChTrans1D3" presStyleIdx="6" presStyleCnt="7"/>
       <dgm:spPr/>
     </dgm:pt>
     <dgm:pt modelId="{8A2733D8-2B6A-4776-908C-E734296C88AA}" type="pres">
@@ -1613,7 +1644,7 @@
       <dgm:spPr/>
     </dgm:pt>
     <dgm:pt modelId="{AA255221-8D46-4FEE-B4B5-2A61B0AA9BF8}" type="pres">
-      <dgm:prSet presAssocID="{40E2A1BD-94A1-4A48-9A3A-5CF9C6C63776}" presName="background3" presStyleLbl="node3" presStyleIdx="5" presStyleCnt="7"/>
+      <dgm:prSet presAssocID="{40E2A1BD-94A1-4A48-9A3A-5CF9C6C63776}" presName="background3" presStyleLbl="node3" presStyleIdx="6" presStyleCnt="7"/>
       <dgm:spPr>
         <a:solidFill>
           <a:srgbClr val="00B050"/>
@@ -1621,7 +1652,7 @@
       </dgm:spPr>
     </dgm:pt>
     <dgm:pt modelId="{CBE71CF0-4E8B-4F27-89B4-A6F9E9DDB867}" type="pres">
-      <dgm:prSet presAssocID="{40E2A1BD-94A1-4A48-9A3A-5CF9C6C63776}" presName="text3" presStyleLbl="fgAcc3" presStyleIdx="5" presStyleCnt="7">
+      <dgm:prSet presAssocID="{40E2A1BD-94A1-4A48-9A3A-5CF9C6C63776}" presName="text3" presStyleLbl="fgAcc3" presStyleIdx="6" presStyleCnt="7">
         <dgm:presLayoutVars>
           <dgm:chPref val="3"/>
         </dgm:presLayoutVars>
@@ -1632,129 +1663,97 @@
       <dgm:prSet presAssocID="{40E2A1BD-94A1-4A48-9A3A-5CF9C6C63776}" presName="hierChild4" presStyleCnt="0"/>
       <dgm:spPr/>
     </dgm:pt>
-    <dgm:pt modelId="{7FCB2E25-D32F-422E-B709-C33691A18532}" type="pres">
-      <dgm:prSet presAssocID="{D581F437-06B6-4379-83D6-DE45430DE09F}" presName="Name17" presStyleLbl="parChTrans1D3" presStyleIdx="6" presStyleCnt="7"/>
-      <dgm:spPr/>
-    </dgm:pt>
-    <dgm:pt modelId="{444749FF-F37F-437F-A127-2445B5DBF82E}" type="pres">
-      <dgm:prSet presAssocID="{5DD09FA9-5AE8-43F0-9944-A3D867027142}" presName="hierRoot3" presStyleCnt="0"/>
-      <dgm:spPr/>
-    </dgm:pt>
-    <dgm:pt modelId="{7F394514-6A51-4CF2-8A81-5E42AD548D94}" type="pres">
-      <dgm:prSet presAssocID="{5DD09FA9-5AE8-43F0-9944-A3D867027142}" presName="composite3" presStyleCnt="0"/>
-      <dgm:spPr/>
-    </dgm:pt>
-    <dgm:pt modelId="{0E971C43-310D-487E-BB3A-2D624BA2BCEF}" type="pres">
-      <dgm:prSet presAssocID="{5DD09FA9-5AE8-43F0-9944-A3D867027142}" presName="background3" presStyleLbl="node3" presStyleIdx="6" presStyleCnt="7"/>
-      <dgm:spPr>
-        <a:solidFill>
-          <a:srgbClr val="00B050"/>
-        </a:solidFill>
-      </dgm:spPr>
-    </dgm:pt>
-    <dgm:pt modelId="{3B569626-D466-4057-8709-82D61A7BC057}" type="pres">
-      <dgm:prSet presAssocID="{5DD09FA9-5AE8-43F0-9944-A3D867027142}" presName="text3" presStyleLbl="fgAcc3" presStyleIdx="6" presStyleCnt="7">
-        <dgm:presLayoutVars>
-          <dgm:chPref val="3"/>
-        </dgm:presLayoutVars>
-      </dgm:prSet>
-      <dgm:spPr/>
-    </dgm:pt>
-    <dgm:pt modelId="{7BB1FD25-D5AB-46C3-8EB0-F71C390C17B5}" type="pres">
-      <dgm:prSet presAssocID="{5DD09FA9-5AE8-43F0-9944-A3D867027142}" presName="hierChild4" presStyleCnt="0"/>
-      <dgm:spPr/>
-    </dgm:pt>
   </dgm:ptLst>
   <dgm:cxnLst>
     <dgm:cxn modelId="{51271C0B-0623-4933-8BDC-A7866CDEF0F2}" srcId="{3FFE7169-CD91-402F-BE7A-D6FC1D576DD1}" destId="{270C762B-1A9C-42A6-B1DF-259E866A6620}" srcOrd="1" destOrd="0" parTransId="{B9CB3E7A-6983-4A03-B004-870A72A387EA}" sibTransId="{5CDD0CC7-FC6D-474E-B344-98621BBCE9ED}"/>
-    <dgm:cxn modelId="{64AD4923-1145-4A64-B2CF-FBF7048A8522}" type="presOf" srcId="{D581F437-06B6-4379-83D6-DE45430DE09F}" destId="{7FCB2E25-D32F-422E-B709-C33691A18532}" srcOrd="0" destOrd="0" presId="urn:microsoft.com/office/officeart/2005/8/layout/hierarchy1"/>
-    <dgm:cxn modelId="{4FCEBA23-47F0-4230-99DF-E7A225010F14}" type="presOf" srcId="{ABDE0313-D180-4DC7-80CB-E064C15AED58}" destId="{DE37F8A9-5D5A-4CD2-8C95-C006B7989C6B}" srcOrd="0" destOrd="0" presId="urn:microsoft.com/office/officeart/2005/8/layout/hierarchy1"/>
+    <dgm:cxn modelId="{234AB30C-44FD-457A-AF2B-07F5E013F251}" type="presOf" srcId="{F222094F-AF64-41D6-863C-3BC921219E66}" destId="{F66FDE7B-A8AB-4F7F-8FCB-63E1E863EF79}" srcOrd="0" destOrd="0" presId="urn:microsoft.com/office/officeart/2005/8/layout/hierarchy1"/>
+    <dgm:cxn modelId="{ADA4E51D-F702-41E8-94D6-2DC93C8C1CAF}" type="presOf" srcId="{40E2A1BD-94A1-4A48-9A3A-5CF9C6C63776}" destId="{CBE71CF0-4E8B-4F27-89B4-A6F9E9DDB867}" srcOrd="0" destOrd="0" presId="urn:microsoft.com/office/officeart/2005/8/layout/hierarchy1"/>
+    <dgm:cxn modelId="{6933A12A-DDE4-435C-8FFD-8C6A46507BC3}" type="presOf" srcId="{B9CB3E7A-6983-4A03-B004-870A72A387EA}" destId="{E20FADEE-B47A-43C5-A48A-C6E900AA35CC}" srcOrd="0" destOrd="0" presId="urn:microsoft.com/office/officeart/2005/8/layout/hierarchy1"/>
     <dgm:cxn modelId="{1291952C-DB4F-48DA-A92C-89F53DFDEC2E}" srcId="{F222094F-AF64-41D6-863C-3BC921219E66}" destId="{C6596820-3535-4754-BCA0-48724E8999A7}" srcOrd="1" destOrd="0" parTransId="{75374B88-0416-4288-B9D3-7DA3C702DF23}" sibTransId="{B9D083A4-3032-4E0F-A593-9385574194FE}"/>
-    <dgm:cxn modelId="{8C8B5730-DD6A-4EFB-B99C-219C948125B3}" type="presOf" srcId="{1DDFACFF-9A79-4B5F-AB8A-8A60A1455D32}" destId="{F54C62D5-383E-414E-822D-FB6F6F0434CB}" srcOrd="0" destOrd="0" presId="urn:microsoft.com/office/officeart/2005/8/layout/hierarchy1"/>
-    <dgm:cxn modelId="{BEA7B538-D0D5-4D57-BA14-733FA82A83BA}" type="presOf" srcId="{270C762B-1A9C-42A6-B1DF-259E866A6620}" destId="{33B76B8E-0EC5-4530-A0B5-1ED86F595A5E}" srcOrd="0" destOrd="0" presId="urn:microsoft.com/office/officeart/2005/8/layout/hierarchy1"/>
-    <dgm:cxn modelId="{B5FEF639-14B0-47CB-B1E3-F40E9F52303B}" type="presOf" srcId="{B9CB3E7A-6983-4A03-B004-870A72A387EA}" destId="{E20FADEE-B47A-43C5-A48A-C6E900AA35CC}" srcOrd="0" destOrd="0" presId="urn:microsoft.com/office/officeart/2005/8/layout/hierarchy1"/>
-    <dgm:cxn modelId="{3085A03D-1842-4132-9EE9-B1BD5D9C4ACE}" type="presOf" srcId="{F222094F-AF64-41D6-863C-3BC921219E66}" destId="{F66FDE7B-A8AB-4F7F-8FCB-63E1E863EF79}" srcOrd="0" destOrd="0" presId="urn:microsoft.com/office/officeart/2005/8/layout/hierarchy1"/>
     <dgm:cxn modelId="{FEAB295C-2307-4E6A-BC31-14CBDA57826A}" srcId="{F222094F-AF64-41D6-863C-3BC921219E66}" destId="{37F80A24-7385-468B-9BBC-DAF939BF2391}" srcOrd="0" destOrd="0" parTransId="{1DDFACFF-9A79-4B5F-AB8A-8A60A1455D32}" sibTransId="{FE0E0775-5C54-42F8-8243-CB45F9FE014E}"/>
-    <dgm:cxn modelId="{49104E45-6BF2-4171-AC48-57EAC21A5B06}" type="presOf" srcId="{0054213D-2048-44D5-98AB-CFB9BE4CDF07}" destId="{A1C73CFB-CA08-41EC-BAFE-AE4F74EDC983}" srcOrd="0" destOrd="0" presId="urn:microsoft.com/office/officeart/2005/8/layout/hierarchy1"/>
-    <dgm:cxn modelId="{24CE5F66-030B-483F-AF26-E1B243B55C15}" type="presOf" srcId="{AD3ADB0D-CC94-451E-95DF-B954EB3AEEEF}" destId="{14020AE1-00D7-4677-89A6-87B81FB0BD23}" srcOrd="0" destOrd="0" presId="urn:microsoft.com/office/officeart/2005/8/layout/hierarchy1"/>
-    <dgm:cxn modelId="{A7A3E848-04FD-48BE-9E77-C31C47E9B401}" type="presOf" srcId="{5DD09FA9-5AE8-43F0-9944-A3D867027142}" destId="{3B569626-D466-4057-8709-82D61A7BC057}" srcOrd="0" destOrd="0" presId="urn:microsoft.com/office/officeart/2005/8/layout/hierarchy1"/>
-    <dgm:cxn modelId="{8C73134A-4012-4186-9466-09FAB656FE84}" type="presOf" srcId="{77910CD9-2D1B-44E2-A5DD-DB79B21E832B}" destId="{0986C77F-660D-4748-B0BD-DE7BD4BB9F09}" srcOrd="0" destOrd="0" presId="urn:microsoft.com/office/officeart/2005/8/layout/hierarchy1"/>
+    <dgm:cxn modelId="{C06F4B66-96CE-41DC-861D-524DA3B8987F}" type="presOf" srcId="{0054213D-2048-44D5-98AB-CFB9BE4CDF07}" destId="{A1C73CFB-CA08-41EC-BAFE-AE4F74EDC983}" srcOrd="0" destOrd="0" presId="urn:microsoft.com/office/officeart/2005/8/layout/hierarchy1"/>
+    <dgm:cxn modelId="{F0A28649-BB37-456C-AE40-621C743029E2}" type="presOf" srcId="{270C762B-1A9C-42A6-B1DF-259E866A6620}" destId="{33B76B8E-0EC5-4530-A0B5-1ED86F595A5E}" srcOrd="0" destOrd="0" presId="urn:microsoft.com/office/officeart/2005/8/layout/hierarchy1"/>
     <dgm:cxn modelId="{34BD806E-3235-4F05-946C-E5481C959167}" srcId="{F222094F-AF64-41D6-863C-3BC921219E66}" destId="{EC326B44-45FA-4D24-8944-4EB903CA0EF0}" srcOrd="3" destOrd="0" parTransId="{F6765C6C-9E5C-4792-81E0-DBA308FD570E}" sibTransId="{23FF9322-F6BC-4FD2-9F69-755D56B1A873}"/>
-    <dgm:cxn modelId="{9A93A44F-1966-4AB1-8F1D-00615C8AD60F}" srcId="{270C762B-1A9C-42A6-B1DF-259E866A6620}" destId="{5DD09FA9-5AE8-43F0-9944-A3D867027142}" srcOrd="2" destOrd="0" parTransId="{D581F437-06B6-4379-83D6-DE45430DE09F}" sibTransId="{76C66656-AC07-4C83-ABB6-C23960D1991C}"/>
-    <dgm:cxn modelId="{A81FD853-F864-41FB-AB94-4A221561C58C}" type="presOf" srcId="{C6596820-3535-4754-BCA0-48724E8999A7}" destId="{C210443A-B378-4123-BD67-F540501C4709}" srcOrd="0" destOrd="0" presId="urn:microsoft.com/office/officeart/2005/8/layout/hierarchy1"/>
-    <dgm:cxn modelId="{9CFF0655-1C87-40C1-B1ED-2F745A3AFC64}" srcId="{270C762B-1A9C-42A6-B1DF-259E866A6620}" destId="{40E2A1BD-94A1-4A48-9A3A-5CF9C6C63776}" srcOrd="1" destOrd="0" parTransId="{EBC2771F-86E1-41F5-AB66-B6FBD56F2AC3}" sibTransId="{68E21B15-5E60-4930-92C6-45D2A281536F}"/>
+    <dgm:cxn modelId="{EA3B9B4F-5038-45EE-A4EF-1A6DF217C0CE}" type="presOf" srcId="{1DDFACFF-9A79-4B5F-AB8A-8A60A1455D32}" destId="{F54C62D5-383E-414E-822D-FB6F6F0434CB}" srcOrd="0" destOrd="0" presId="urn:microsoft.com/office/officeart/2005/8/layout/hierarchy1"/>
+    <dgm:cxn modelId="{9A93A44F-1966-4AB1-8F1D-00615C8AD60F}" srcId="{270C762B-1A9C-42A6-B1DF-259E866A6620}" destId="{5DD09FA9-5AE8-43F0-9944-A3D867027142}" srcOrd="1" destOrd="0" parTransId="{D581F437-06B6-4379-83D6-DE45430DE09F}" sibTransId="{76C66656-AC07-4C83-ABB6-C23960D1991C}"/>
+    <dgm:cxn modelId="{474D5453-FA03-4E8A-8579-3EBD4BFFCFD3}" type="presOf" srcId="{37F80A24-7385-468B-9BBC-DAF939BF2391}" destId="{153B7127-5B8F-472B-9247-D3D097252336}" srcOrd="0" destOrd="0" presId="urn:microsoft.com/office/officeart/2005/8/layout/hierarchy1"/>
+    <dgm:cxn modelId="{9CFF0655-1C87-40C1-B1ED-2F745A3AFC64}" srcId="{270C762B-1A9C-42A6-B1DF-259E866A6620}" destId="{40E2A1BD-94A1-4A48-9A3A-5CF9C6C63776}" srcOrd="2" destOrd="0" parTransId="{EBC2771F-86E1-41F5-AB66-B6FBD56F2AC3}" sibTransId="{68E21B15-5E60-4930-92C6-45D2A281536F}"/>
     <dgm:cxn modelId="{BEB65256-095E-4B32-8078-4DFD3EE80B58}" srcId="{3FFE7169-CD91-402F-BE7A-D6FC1D576DD1}" destId="{F222094F-AF64-41D6-863C-3BC921219E66}" srcOrd="0" destOrd="0" parTransId="{77910CD9-2D1B-44E2-A5DD-DB79B21E832B}" sibTransId="{010DD3B1-DF5B-4C31-983D-CCFD534398A8}"/>
     <dgm:cxn modelId="{85D41277-EA35-4FCD-9DBA-70B479D0C907}" srcId="{F222094F-AF64-41D6-863C-3BC921219E66}" destId="{ABDE0313-D180-4DC7-80CB-E064C15AED58}" srcOrd="2" destOrd="0" parTransId="{AD3ADB0D-CC94-451E-95DF-B954EB3AEEEF}" sibTransId="{9692F237-09D1-4195-883B-00CB298EE490}"/>
-    <dgm:cxn modelId="{70AEE25A-5089-42E8-B442-2F623AB10F41}" type="presOf" srcId="{EBC2771F-86E1-41F5-AB66-B6FBD56F2AC3}" destId="{FD1E1187-91CC-46D4-9E7E-BA7A05BA99AD}" srcOrd="0" destOrd="0" presId="urn:microsoft.com/office/officeart/2005/8/layout/hierarchy1"/>
-    <dgm:cxn modelId="{B6183681-A5AA-4A73-88E3-5602B7C4D43E}" type="presOf" srcId="{75374B88-0416-4288-B9D3-7DA3C702DF23}" destId="{D8D7894C-B290-407B-8493-348188538FE1}" srcOrd="0" destOrd="0" presId="urn:microsoft.com/office/officeart/2005/8/layout/hierarchy1"/>
-    <dgm:cxn modelId="{90A4778C-4A98-44B1-A55D-452226251ACC}" type="presOf" srcId="{EC326B44-45FA-4D24-8944-4EB903CA0EF0}" destId="{7301F7C9-5080-470D-9DE2-9484B59486B2}" srcOrd="0" destOrd="0" presId="urn:microsoft.com/office/officeart/2005/8/layout/hierarchy1"/>
+    <dgm:cxn modelId="{465E1390-8EED-4163-93D1-3E726A83598B}" type="presOf" srcId="{AD3ADB0D-CC94-451E-95DF-B954EB3AEEEF}" destId="{14020AE1-00D7-4677-89A6-87B81FB0BD23}" srcOrd="0" destOrd="0" presId="urn:microsoft.com/office/officeart/2005/8/layout/hierarchy1"/>
+    <dgm:cxn modelId="{FC4A0096-A3B6-474B-BBAF-AD6432338D1D}" type="presOf" srcId="{33755AFC-7272-41CF-8A6C-BE1DCF908F24}" destId="{EEDCE601-A0A2-4FF5-9CA6-647533CC3A06}" srcOrd="0" destOrd="0" presId="urn:microsoft.com/office/officeart/2005/8/layout/hierarchy1"/>
     <dgm:cxn modelId="{9D52839E-BA3D-4C46-A2E6-9C9F55C7BCFA}" srcId="{270C762B-1A9C-42A6-B1DF-259E866A6620}" destId="{33755AFC-7272-41CF-8A6C-BE1DCF908F24}" srcOrd="0" destOrd="0" parTransId="{0054213D-2048-44D5-98AB-CFB9BE4CDF07}" sibTransId="{84B9B871-E082-45C6-9B97-C0DF0876F19C}"/>
-    <dgm:cxn modelId="{2F373EA9-B643-4A87-9795-4B8ABF605DDC}" type="presOf" srcId="{3FFE7169-CD91-402F-BE7A-D6FC1D576DD1}" destId="{01955665-9EC1-43B2-970E-24FB6925829E}" srcOrd="0" destOrd="0" presId="urn:microsoft.com/office/officeart/2005/8/layout/hierarchy1"/>
-    <dgm:cxn modelId="{F183B6AE-6E35-4AC9-AC79-51BC0C1AFAE4}" type="presOf" srcId="{37F80A24-7385-468B-9BBC-DAF939BF2391}" destId="{153B7127-5B8F-472B-9247-D3D097252336}" srcOrd="0" destOrd="0" presId="urn:microsoft.com/office/officeart/2005/8/layout/hierarchy1"/>
-    <dgm:cxn modelId="{4428E8B0-2A0C-4386-AAFE-A7F3D0B57A3B}" type="presOf" srcId="{F6765C6C-9E5C-4792-81E0-DBA308FD570E}" destId="{37542F64-E39A-463B-9B75-4A52F13E4E2D}" srcOrd="0" destOrd="0" presId="urn:microsoft.com/office/officeart/2005/8/layout/hierarchy1"/>
-    <dgm:cxn modelId="{59628DB7-2C5C-4680-A494-9FC29740CA02}" type="presOf" srcId="{33755AFC-7272-41CF-8A6C-BE1DCF908F24}" destId="{EEDCE601-A0A2-4FF5-9CA6-647533CC3A06}" srcOrd="0" destOrd="0" presId="urn:microsoft.com/office/officeart/2005/8/layout/hierarchy1"/>
-    <dgm:cxn modelId="{A2E5C4BE-61CB-4162-BEDC-5971F4ED972A}" type="presOf" srcId="{40E2A1BD-94A1-4A48-9A3A-5CF9C6C63776}" destId="{CBE71CF0-4E8B-4F27-89B4-A6F9E9DDB867}" srcOrd="0" destOrd="0" presId="urn:microsoft.com/office/officeart/2005/8/layout/hierarchy1"/>
+    <dgm:cxn modelId="{2463F2AE-15E9-4762-832F-89A3276210A2}" type="presOf" srcId="{3FFE7169-CD91-402F-BE7A-D6FC1D576DD1}" destId="{01955665-9EC1-43B2-970E-24FB6925829E}" srcOrd="0" destOrd="0" presId="urn:microsoft.com/office/officeart/2005/8/layout/hierarchy1"/>
+    <dgm:cxn modelId="{E44CEDB8-EA09-40EF-8A51-5DA4C315DFF3}" type="presOf" srcId="{EC326B44-45FA-4D24-8944-4EB903CA0EF0}" destId="{7301F7C9-5080-470D-9DE2-9484B59486B2}" srcOrd="0" destOrd="0" presId="urn:microsoft.com/office/officeart/2005/8/layout/hierarchy1"/>
+    <dgm:cxn modelId="{35A515CB-88CE-485E-97B7-E927CA3E9535}" type="presOf" srcId="{75374B88-0416-4288-B9D3-7DA3C702DF23}" destId="{D8D7894C-B290-407B-8493-348188538FE1}" srcOrd="0" destOrd="0" presId="urn:microsoft.com/office/officeart/2005/8/layout/hierarchy1"/>
     <dgm:cxn modelId="{C644A4D1-EC4F-414E-AA26-70E8E5871A57}" type="presOf" srcId="{1B0F67B9-7A5F-4B99-B052-091CD35412B4}" destId="{48CE7121-10D9-427D-BF48-CEA55471A39F}" srcOrd="0" destOrd="0" presId="urn:microsoft.com/office/officeart/2005/8/layout/hierarchy1"/>
+    <dgm:cxn modelId="{E390F2D2-0114-46D4-96E9-039EC909C5A3}" type="presOf" srcId="{D581F437-06B6-4379-83D6-DE45430DE09F}" destId="{7FCB2E25-D32F-422E-B709-C33691A18532}" srcOrd="0" destOrd="0" presId="urn:microsoft.com/office/officeart/2005/8/layout/hierarchy1"/>
+    <dgm:cxn modelId="{BF94F9D3-A721-47F3-A9D9-6EC78E02D393}" type="presOf" srcId="{F6765C6C-9E5C-4792-81E0-DBA308FD570E}" destId="{37542F64-E39A-463B-9B75-4A52F13E4E2D}" srcOrd="0" destOrd="0" presId="urn:microsoft.com/office/officeart/2005/8/layout/hierarchy1"/>
+    <dgm:cxn modelId="{8AECA2D6-AE4C-4976-A0BA-48CE8ABEE999}" type="presOf" srcId="{C6596820-3535-4754-BCA0-48724E8999A7}" destId="{C210443A-B378-4123-BD67-F540501C4709}" srcOrd="0" destOrd="0" presId="urn:microsoft.com/office/officeart/2005/8/layout/hierarchy1"/>
+    <dgm:cxn modelId="{E3B87BD9-BA14-4620-9115-8238A4C31CBB}" type="presOf" srcId="{5DD09FA9-5AE8-43F0-9944-A3D867027142}" destId="{3B569626-D466-4057-8709-82D61A7BC057}" srcOrd="0" destOrd="0" presId="urn:microsoft.com/office/officeart/2005/8/layout/hierarchy1"/>
+    <dgm:cxn modelId="{1C6ADAED-07C9-46A3-98D9-581F0A0C6114}" type="presOf" srcId="{EBC2771F-86E1-41F5-AB66-B6FBD56F2AC3}" destId="{FD1E1187-91CC-46D4-9E7E-BA7A05BA99AD}" srcOrd="0" destOrd="0" presId="urn:microsoft.com/office/officeart/2005/8/layout/hierarchy1"/>
     <dgm:cxn modelId="{A78823F5-6770-44B3-BE2C-514F19F3203E}" srcId="{1B0F67B9-7A5F-4B99-B052-091CD35412B4}" destId="{3FFE7169-CD91-402F-BE7A-D6FC1D576DD1}" srcOrd="0" destOrd="0" parTransId="{E2329A14-DF83-4094-AB7B-A8E189E9892F}" sibTransId="{6F3CDEA9-98C1-4756-840B-9D6DAEC8E20D}"/>
-    <dgm:cxn modelId="{D8702F33-FA90-4DBA-8486-16D94050B213}" type="presParOf" srcId="{48CE7121-10D9-427D-BF48-CEA55471A39F}" destId="{48CE2FE9-C5F3-49AD-B8F8-89380045C020}" srcOrd="0" destOrd="0" presId="urn:microsoft.com/office/officeart/2005/8/layout/hierarchy1"/>
-    <dgm:cxn modelId="{2DF3A0D6-0917-470A-A69B-86F6A70629F1}" type="presParOf" srcId="{48CE2FE9-C5F3-49AD-B8F8-89380045C020}" destId="{84E55391-74E7-4764-B2EB-775281B61CF9}" srcOrd="0" destOrd="0" presId="urn:microsoft.com/office/officeart/2005/8/layout/hierarchy1"/>
-    <dgm:cxn modelId="{2CDD8858-475A-457D-B96C-EB2007E3DC1A}" type="presParOf" srcId="{84E55391-74E7-4764-B2EB-775281B61CF9}" destId="{37426582-C953-4DA8-BFFA-49E2AF4F91A4}" srcOrd="0" destOrd="0" presId="urn:microsoft.com/office/officeart/2005/8/layout/hierarchy1"/>
-    <dgm:cxn modelId="{862EC8CA-D348-483E-B07A-1A67A96A774C}" type="presParOf" srcId="{84E55391-74E7-4764-B2EB-775281B61CF9}" destId="{01955665-9EC1-43B2-970E-24FB6925829E}" srcOrd="1" destOrd="0" presId="urn:microsoft.com/office/officeart/2005/8/layout/hierarchy1"/>
-    <dgm:cxn modelId="{99078A29-8498-4C73-BCA0-8D70873E0D65}" type="presParOf" srcId="{48CE2FE9-C5F3-49AD-B8F8-89380045C020}" destId="{6FE74D31-47E8-42BC-A867-90471B774D1F}" srcOrd="1" destOrd="0" presId="urn:microsoft.com/office/officeart/2005/8/layout/hierarchy1"/>
-    <dgm:cxn modelId="{39B39E47-6E75-4221-AA74-D06B3F1F514D}" type="presParOf" srcId="{6FE74D31-47E8-42BC-A867-90471B774D1F}" destId="{0986C77F-660D-4748-B0BD-DE7BD4BB9F09}" srcOrd="0" destOrd="0" presId="urn:microsoft.com/office/officeart/2005/8/layout/hierarchy1"/>
-    <dgm:cxn modelId="{D068257C-F15E-486C-B0F6-C84CAA81D30E}" type="presParOf" srcId="{6FE74D31-47E8-42BC-A867-90471B774D1F}" destId="{60EFF5FD-9D1B-491C-AA4D-E0574056C4CE}" srcOrd="1" destOrd="0" presId="urn:microsoft.com/office/officeart/2005/8/layout/hierarchy1"/>
-    <dgm:cxn modelId="{62BFF579-C477-4EEC-8E08-2306BA53FA6C}" type="presParOf" srcId="{60EFF5FD-9D1B-491C-AA4D-E0574056C4CE}" destId="{774A3CBB-8EAE-492D-ACD9-50DD994DBDFF}" srcOrd="0" destOrd="0" presId="urn:microsoft.com/office/officeart/2005/8/layout/hierarchy1"/>
-    <dgm:cxn modelId="{D4174E64-A784-4B49-ABF2-2F42021BEB25}" type="presParOf" srcId="{774A3CBB-8EAE-492D-ACD9-50DD994DBDFF}" destId="{9DB39F63-2F9D-410B-A63B-6F35A03D1822}" srcOrd="0" destOrd="0" presId="urn:microsoft.com/office/officeart/2005/8/layout/hierarchy1"/>
-    <dgm:cxn modelId="{17A8210A-A72F-43D6-B4E7-FB1627E3B849}" type="presParOf" srcId="{774A3CBB-8EAE-492D-ACD9-50DD994DBDFF}" destId="{F66FDE7B-A8AB-4F7F-8FCB-63E1E863EF79}" srcOrd="1" destOrd="0" presId="urn:microsoft.com/office/officeart/2005/8/layout/hierarchy1"/>
-    <dgm:cxn modelId="{2F6D4107-0DBA-43BC-B96F-DED4B4FD6833}" type="presParOf" srcId="{60EFF5FD-9D1B-491C-AA4D-E0574056C4CE}" destId="{2AFA937F-8072-471A-B3B5-D955DF8626BF}" srcOrd="1" destOrd="0" presId="urn:microsoft.com/office/officeart/2005/8/layout/hierarchy1"/>
-    <dgm:cxn modelId="{70678EF2-196E-4A1E-8EDB-7B6BB1F04649}" type="presParOf" srcId="{2AFA937F-8072-471A-B3B5-D955DF8626BF}" destId="{F54C62D5-383E-414E-822D-FB6F6F0434CB}" srcOrd="0" destOrd="0" presId="urn:microsoft.com/office/officeart/2005/8/layout/hierarchy1"/>
-    <dgm:cxn modelId="{849261F2-CC25-4F2B-BC26-3A048F1CFB50}" type="presParOf" srcId="{2AFA937F-8072-471A-B3B5-D955DF8626BF}" destId="{74643209-BA24-423E-B898-17AA5BC24166}" srcOrd="1" destOrd="0" presId="urn:microsoft.com/office/officeart/2005/8/layout/hierarchy1"/>
-    <dgm:cxn modelId="{C2E72D21-7A9C-47BD-AF70-D27C083EACBA}" type="presParOf" srcId="{74643209-BA24-423E-B898-17AA5BC24166}" destId="{041DD7E2-F7AD-4ED1-B60B-55A80920EB66}" srcOrd="0" destOrd="0" presId="urn:microsoft.com/office/officeart/2005/8/layout/hierarchy1"/>
-    <dgm:cxn modelId="{D6AA0328-4128-4B5F-B8BF-168F716C59CC}" type="presParOf" srcId="{041DD7E2-F7AD-4ED1-B60B-55A80920EB66}" destId="{0D0FE3B6-D061-421F-B175-74368D305D3D}" srcOrd="0" destOrd="0" presId="urn:microsoft.com/office/officeart/2005/8/layout/hierarchy1"/>
-    <dgm:cxn modelId="{28B29990-F5F8-40CC-BFE0-B9E57954203F}" type="presParOf" srcId="{041DD7E2-F7AD-4ED1-B60B-55A80920EB66}" destId="{153B7127-5B8F-472B-9247-D3D097252336}" srcOrd="1" destOrd="0" presId="urn:microsoft.com/office/officeart/2005/8/layout/hierarchy1"/>
-    <dgm:cxn modelId="{4A812D76-7340-4A8B-80B2-B32306A0ACD0}" type="presParOf" srcId="{74643209-BA24-423E-B898-17AA5BC24166}" destId="{95858472-C15B-4887-B04B-58B8F0D988C4}" srcOrd="1" destOrd="0" presId="urn:microsoft.com/office/officeart/2005/8/layout/hierarchy1"/>
-    <dgm:cxn modelId="{7CBEEF7C-49EB-4327-B8A8-9B6BEF3862DE}" type="presParOf" srcId="{2AFA937F-8072-471A-B3B5-D955DF8626BF}" destId="{D8D7894C-B290-407B-8493-348188538FE1}" srcOrd="2" destOrd="0" presId="urn:microsoft.com/office/officeart/2005/8/layout/hierarchy1"/>
-    <dgm:cxn modelId="{FCCA932F-1323-440F-B64A-FF0BE59C3AB3}" type="presParOf" srcId="{2AFA937F-8072-471A-B3B5-D955DF8626BF}" destId="{BB5121CE-21B5-45C3-A235-CD4F29AF7045}" srcOrd="3" destOrd="0" presId="urn:microsoft.com/office/officeart/2005/8/layout/hierarchy1"/>
-    <dgm:cxn modelId="{32F13F45-8A34-4652-8D74-12010E6DFABC}" type="presParOf" srcId="{BB5121CE-21B5-45C3-A235-CD4F29AF7045}" destId="{7C74A04F-B8F7-422A-A4D5-DA0DBE4EC223}" srcOrd="0" destOrd="0" presId="urn:microsoft.com/office/officeart/2005/8/layout/hierarchy1"/>
-    <dgm:cxn modelId="{94F8AA52-C743-4B8C-B6A3-2B7B39270475}" type="presParOf" srcId="{7C74A04F-B8F7-422A-A4D5-DA0DBE4EC223}" destId="{A2B4D9F1-6CA7-4491-8F55-93B9157D2383}" srcOrd="0" destOrd="0" presId="urn:microsoft.com/office/officeart/2005/8/layout/hierarchy1"/>
-    <dgm:cxn modelId="{216E129E-532D-4148-803F-07F91B8254CC}" type="presParOf" srcId="{7C74A04F-B8F7-422A-A4D5-DA0DBE4EC223}" destId="{C210443A-B378-4123-BD67-F540501C4709}" srcOrd="1" destOrd="0" presId="urn:microsoft.com/office/officeart/2005/8/layout/hierarchy1"/>
-    <dgm:cxn modelId="{004575D7-52B9-4591-AEB1-8A0108D7264B}" type="presParOf" srcId="{BB5121CE-21B5-45C3-A235-CD4F29AF7045}" destId="{4632C118-189C-4A16-AC55-795F8482E813}" srcOrd="1" destOrd="0" presId="urn:microsoft.com/office/officeart/2005/8/layout/hierarchy1"/>
-    <dgm:cxn modelId="{D5B10A78-8663-490E-9199-FA7678FF222D}" type="presParOf" srcId="{2AFA937F-8072-471A-B3B5-D955DF8626BF}" destId="{14020AE1-00D7-4677-89A6-87B81FB0BD23}" srcOrd="4" destOrd="0" presId="urn:microsoft.com/office/officeart/2005/8/layout/hierarchy1"/>
-    <dgm:cxn modelId="{EF4ED0E0-1874-4602-BAAB-132855B398F6}" type="presParOf" srcId="{2AFA937F-8072-471A-B3B5-D955DF8626BF}" destId="{5E62EF59-1F17-4E10-AB62-73029339DE82}" srcOrd="5" destOrd="0" presId="urn:microsoft.com/office/officeart/2005/8/layout/hierarchy1"/>
-    <dgm:cxn modelId="{BE1493E3-D100-4F6B-B6D1-7A347407EC0A}" type="presParOf" srcId="{5E62EF59-1F17-4E10-AB62-73029339DE82}" destId="{D8645129-60E0-43C5-B45A-A1458CC46AD4}" srcOrd="0" destOrd="0" presId="urn:microsoft.com/office/officeart/2005/8/layout/hierarchy1"/>
-    <dgm:cxn modelId="{C3E31CB8-EB4F-4864-A88E-FDF835A67131}" type="presParOf" srcId="{D8645129-60E0-43C5-B45A-A1458CC46AD4}" destId="{22F4BE6C-3F44-4182-A4DA-B7A8132FFE52}" srcOrd="0" destOrd="0" presId="urn:microsoft.com/office/officeart/2005/8/layout/hierarchy1"/>
-    <dgm:cxn modelId="{9BEF27EA-6575-4FAB-9DE8-617358F06A92}" type="presParOf" srcId="{D8645129-60E0-43C5-B45A-A1458CC46AD4}" destId="{DE37F8A9-5D5A-4CD2-8C95-C006B7989C6B}" srcOrd="1" destOrd="0" presId="urn:microsoft.com/office/officeart/2005/8/layout/hierarchy1"/>
-    <dgm:cxn modelId="{387F8CAB-88AE-4105-AF76-EBD20FEFCF28}" type="presParOf" srcId="{5E62EF59-1F17-4E10-AB62-73029339DE82}" destId="{BFFE2DA0-D2A9-48F6-BF6C-791DA5D16991}" srcOrd="1" destOrd="0" presId="urn:microsoft.com/office/officeart/2005/8/layout/hierarchy1"/>
-    <dgm:cxn modelId="{F35E494B-E868-4528-AFB2-2317BB2C0431}" type="presParOf" srcId="{2AFA937F-8072-471A-B3B5-D955DF8626BF}" destId="{37542F64-E39A-463B-9B75-4A52F13E4E2D}" srcOrd="6" destOrd="0" presId="urn:microsoft.com/office/officeart/2005/8/layout/hierarchy1"/>
-    <dgm:cxn modelId="{A47223E1-A0E6-4435-A2D9-01E7BB8D4D6A}" type="presParOf" srcId="{2AFA937F-8072-471A-B3B5-D955DF8626BF}" destId="{17D0EA04-2AE2-4C15-8DF7-759F6AF1C230}" srcOrd="7" destOrd="0" presId="urn:microsoft.com/office/officeart/2005/8/layout/hierarchy1"/>
-    <dgm:cxn modelId="{2A795D26-1457-4311-9287-18D4BB0160E5}" type="presParOf" srcId="{17D0EA04-2AE2-4C15-8DF7-759F6AF1C230}" destId="{87013E9F-9F14-443C-A8AC-976FA6452712}" srcOrd="0" destOrd="0" presId="urn:microsoft.com/office/officeart/2005/8/layout/hierarchy1"/>
-    <dgm:cxn modelId="{4427F37E-5315-4F48-9618-297A307BC0DF}" type="presParOf" srcId="{87013E9F-9F14-443C-A8AC-976FA6452712}" destId="{EDB5C15D-5C00-4E6D-907B-55D0EDE238EA}" srcOrd="0" destOrd="0" presId="urn:microsoft.com/office/officeart/2005/8/layout/hierarchy1"/>
-    <dgm:cxn modelId="{18FE2DE4-201F-4B59-8F09-9FB6D4A6076F}" type="presParOf" srcId="{87013E9F-9F14-443C-A8AC-976FA6452712}" destId="{7301F7C9-5080-470D-9DE2-9484B59486B2}" srcOrd="1" destOrd="0" presId="urn:microsoft.com/office/officeart/2005/8/layout/hierarchy1"/>
-    <dgm:cxn modelId="{533D131D-404E-48F4-8DE8-3EFA8B2DC2C6}" type="presParOf" srcId="{17D0EA04-2AE2-4C15-8DF7-759F6AF1C230}" destId="{D5AA140A-7C0C-4D25-A250-A2C4710ABFF7}" srcOrd="1" destOrd="0" presId="urn:microsoft.com/office/officeart/2005/8/layout/hierarchy1"/>
-    <dgm:cxn modelId="{B819B6C3-6402-416E-9878-D4187374EE73}" type="presParOf" srcId="{6FE74D31-47E8-42BC-A867-90471B774D1F}" destId="{E20FADEE-B47A-43C5-A48A-C6E900AA35CC}" srcOrd="2" destOrd="0" presId="urn:microsoft.com/office/officeart/2005/8/layout/hierarchy1"/>
-    <dgm:cxn modelId="{AAC49D21-E158-438E-BA2A-19D960F6B99D}" type="presParOf" srcId="{6FE74D31-47E8-42BC-A867-90471B774D1F}" destId="{D096B560-FAE3-4E8F-9052-160BBA28A84E}" srcOrd="3" destOrd="0" presId="urn:microsoft.com/office/officeart/2005/8/layout/hierarchy1"/>
-    <dgm:cxn modelId="{AA6E59BC-B9BB-47A0-A656-390C111DC3E3}" type="presParOf" srcId="{D096B560-FAE3-4E8F-9052-160BBA28A84E}" destId="{7F12349F-5A17-4966-A496-D1182E7636B6}" srcOrd="0" destOrd="0" presId="urn:microsoft.com/office/officeart/2005/8/layout/hierarchy1"/>
-    <dgm:cxn modelId="{CBC0DBE2-25EE-4A4E-80DB-D7DA2C9F3F9E}" type="presParOf" srcId="{7F12349F-5A17-4966-A496-D1182E7636B6}" destId="{68B591CA-CAF7-4D64-A3D7-F62DF4983E53}" srcOrd="0" destOrd="0" presId="urn:microsoft.com/office/officeart/2005/8/layout/hierarchy1"/>
-    <dgm:cxn modelId="{41ACEEC8-7D52-4693-8939-2C0AD8A44733}" type="presParOf" srcId="{7F12349F-5A17-4966-A496-D1182E7636B6}" destId="{33B76B8E-0EC5-4530-A0B5-1ED86F595A5E}" srcOrd="1" destOrd="0" presId="urn:microsoft.com/office/officeart/2005/8/layout/hierarchy1"/>
-    <dgm:cxn modelId="{FCEC1899-C013-4F45-9B51-2F116CB91870}" type="presParOf" srcId="{D096B560-FAE3-4E8F-9052-160BBA28A84E}" destId="{9A8625B7-8907-4E93-8AA5-579179B32D57}" srcOrd="1" destOrd="0" presId="urn:microsoft.com/office/officeart/2005/8/layout/hierarchy1"/>
-    <dgm:cxn modelId="{106A457B-91A4-4EC8-8AE6-5A1A19AD9556}" type="presParOf" srcId="{9A8625B7-8907-4E93-8AA5-579179B32D57}" destId="{A1C73CFB-CA08-41EC-BAFE-AE4F74EDC983}" srcOrd="0" destOrd="0" presId="urn:microsoft.com/office/officeart/2005/8/layout/hierarchy1"/>
-    <dgm:cxn modelId="{DC993835-342F-48C1-825E-446AF62399F5}" type="presParOf" srcId="{9A8625B7-8907-4E93-8AA5-579179B32D57}" destId="{0A79994F-90D3-4227-9E2E-174606BDC1E9}" srcOrd="1" destOrd="0" presId="urn:microsoft.com/office/officeart/2005/8/layout/hierarchy1"/>
-    <dgm:cxn modelId="{E9C1411B-A5D8-4899-A8D5-5185C49960A2}" type="presParOf" srcId="{0A79994F-90D3-4227-9E2E-174606BDC1E9}" destId="{E2549F58-8A07-4B98-A234-A3163B3E4019}" srcOrd="0" destOrd="0" presId="urn:microsoft.com/office/officeart/2005/8/layout/hierarchy1"/>
-    <dgm:cxn modelId="{5094B3C0-8359-4866-9268-16B28CD06751}" type="presParOf" srcId="{E2549F58-8A07-4B98-A234-A3163B3E4019}" destId="{35C74D1D-00FC-402F-B117-BA8971D289B4}" srcOrd="0" destOrd="0" presId="urn:microsoft.com/office/officeart/2005/8/layout/hierarchy1"/>
-    <dgm:cxn modelId="{3602F428-BD01-4E82-890E-04049DD1B946}" type="presParOf" srcId="{E2549F58-8A07-4B98-A234-A3163B3E4019}" destId="{EEDCE601-A0A2-4FF5-9CA6-647533CC3A06}" srcOrd="1" destOrd="0" presId="urn:microsoft.com/office/officeart/2005/8/layout/hierarchy1"/>
-    <dgm:cxn modelId="{33C15D5D-12F7-4578-B7DE-A661CBCD8D39}" type="presParOf" srcId="{0A79994F-90D3-4227-9E2E-174606BDC1E9}" destId="{522282FA-5544-4CF0-92A7-23E0ACE1CE72}" srcOrd="1" destOrd="0" presId="urn:microsoft.com/office/officeart/2005/8/layout/hierarchy1"/>
-    <dgm:cxn modelId="{E9783F3F-D7F5-4643-83B9-DAF6F04BBCE9}" type="presParOf" srcId="{9A8625B7-8907-4E93-8AA5-579179B32D57}" destId="{FD1E1187-91CC-46D4-9E7E-BA7A05BA99AD}" srcOrd="2" destOrd="0" presId="urn:microsoft.com/office/officeart/2005/8/layout/hierarchy1"/>
-    <dgm:cxn modelId="{115C1976-31CD-4A51-9B63-E60AC7C73EE0}" type="presParOf" srcId="{9A8625B7-8907-4E93-8AA5-579179B32D57}" destId="{8A2733D8-2B6A-4776-908C-E734296C88AA}" srcOrd="3" destOrd="0" presId="urn:microsoft.com/office/officeart/2005/8/layout/hierarchy1"/>
-    <dgm:cxn modelId="{BC5022E5-85B5-4113-A620-6F38D66EEF34}" type="presParOf" srcId="{8A2733D8-2B6A-4776-908C-E734296C88AA}" destId="{D3013AAB-C482-423B-BF64-C42F10FA90D7}" srcOrd="0" destOrd="0" presId="urn:microsoft.com/office/officeart/2005/8/layout/hierarchy1"/>
-    <dgm:cxn modelId="{D3CAA706-92C4-4922-B5EB-AB533A85C802}" type="presParOf" srcId="{D3013AAB-C482-423B-BF64-C42F10FA90D7}" destId="{AA255221-8D46-4FEE-B4B5-2A61B0AA9BF8}" srcOrd="0" destOrd="0" presId="urn:microsoft.com/office/officeart/2005/8/layout/hierarchy1"/>
-    <dgm:cxn modelId="{70852411-1D34-4621-894D-C9EC60008676}" type="presParOf" srcId="{D3013AAB-C482-423B-BF64-C42F10FA90D7}" destId="{CBE71CF0-4E8B-4F27-89B4-A6F9E9DDB867}" srcOrd="1" destOrd="0" presId="urn:microsoft.com/office/officeart/2005/8/layout/hierarchy1"/>
-    <dgm:cxn modelId="{A4E695AA-6C60-4CF0-840D-AC96ADB17604}" type="presParOf" srcId="{8A2733D8-2B6A-4776-908C-E734296C88AA}" destId="{2EEDEB4F-B810-409B-95A2-FC6474281264}" srcOrd="1" destOrd="0" presId="urn:microsoft.com/office/officeart/2005/8/layout/hierarchy1"/>
-    <dgm:cxn modelId="{BD06D6CE-FDF0-44B5-8559-42DCD35B86C1}" type="presParOf" srcId="{9A8625B7-8907-4E93-8AA5-579179B32D57}" destId="{7FCB2E25-D32F-422E-B709-C33691A18532}" srcOrd="4" destOrd="0" presId="urn:microsoft.com/office/officeart/2005/8/layout/hierarchy1"/>
-    <dgm:cxn modelId="{8ADBC715-D0BB-4E2B-A984-739282323E5C}" type="presParOf" srcId="{9A8625B7-8907-4E93-8AA5-579179B32D57}" destId="{444749FF-F37F-437F-A127-2445B5DBF82E}" srcOrd="5" destOrd="0" presId="urn:microsoft.com/office/officeart/2005/8/layout/hierarchy1"/>
-    <dgm:cxn modelId="{4CE3C8FB-0209-4FD8-BCF5-9C117F5E52ED}" type="presParOf" srcId="{444749FF-F37F-437F-A127-2445B5DBF82E}" destId="{7F394514-6A51-4CF2-8A81-5E42AD548D94}" srcOrd="0" destOrd="0" presId="urn:microsoft.com/office/officeart/2005/8/layout/hierarchy1"/>
-    <dgm:cxn modelId="{BB05ECF0-672E-4563-9A27-D1F1BB3C756B}" type="presParOf" srcId="{7F394514-6A51-4CF2-8A81-5E42AD548D94}" destId="{0E971C43-310D-487E-BB3A-2D624BA2BCEF}" srcOrd="0" destOrd="0" presId="urn:microsoft.com/office/officeart/2005/8/layout/hierarchy1"/>
-    <dgm:cxn modelId="{D7CB1C70-FE35-4306-A6AB-D7E3B86F6C29}" type="presParOf" srcId="{7F394514-6A51-4CF2-8A81-5E42AD548D94}" destId="{3B569626-D466-4057-8709-82D61A7BC057}" srcOrd="1" destOrd="0" presId="urn:microsoft.com/office/officeart/2005/8/layout/hierarchy1"/>
-    <dgm:cxn modelId="{359753DF-16AE-4E6D-B7A0-B31211A97383}" type="presParOf" srcId="{444749FF-F37F-437F-A127-2445B5DBF82E}" destId="{7BB1FD25-D5AB-46C3-8EB0-F71C390C17B5}" srcOrd="1" destOrd="0" presId="urn:microsoft.com/office/officeart/2005/8/layout/hierarchy1"/>
+    <dgm:cxn modelId="{56B0F9FA-87F9-4805-8249-13CACC25088F}" type="presOf" srcId="{77910CD9-2D1B-44E2-A5DD-DB79B21E832B}" destId="{0986C77F-660D-4748-B0BD-DE7BD4BB9F09}" srcOrd="0" destOrd="0" presId="urn:microsoft.com/office/officeart/2005/8/layout/hierarchy1"/>
+    <dgm:cxn modelId="{519FC5FC-3BFC-44BA-BD57-0BD6BF945396}" type="presOf" srcId="{ABDE0313-D180-4DC7-80CB-E064C15AED58}" destId="{DE37F8A9-5D5A-4CD2-8C95-C006B7989C6B}" srcOrd="0" destOrd="0" presId="urn:microsoft.com/office/officeart/2005/8/layout/hierarchy1"/>
+    <dgm:cxn modelId="{2F0068E2-6252-40CA-9CB6-08AE48F4BF51}" type="presParOf" srcId="{48CE7121-10D9-427D-BF48-CEA55471A39F}" destId="{48CE2FE9-C5F3-49AD-B8F8-89380045C020}" srcOrd="0" destOrd="0" presId="urn:microsoft.com/office/officeart/2005/8/layout/hierarchy1"/>
+    <dgm:cxn modelId="{FED5425D-7898-4AE5-9F0F-AA7851E34407}" type="presParOf" srcId="{48CE2FE9-C5F3-49AD-B8F8-89380045C020}" destId="{84E55391-74E7-4764-B2EB-775281B61CF9}" srcOrd="0" destOrd="0" presId="urn:microsoft.com/office/officeart/2005/8/layout/hierarchy1"/>
+    <dgm:cxn modelId="{91CCEE31-7604-4040-A501-CE1C33A091D5}" type="presParOf" srcId="{84E55391-74E7-4764-B2EB-775281B61CF9}" destId="{37426582-C953-4DA8-BFFA-49E2AF4F91A4}" srcOrd="0" destOrd="0" presId="urn:microsoft.com/office/officeart/2005/8/layout/hierarchy1"/>
+    <dgm:cxn modelId="{5A118611-1A51-48DE-B7A1-AD88F7697C70}" type="presParOf" srcId="{84E55391-74E7-4764-B2EB-775281B61CF9}" destId="{01955665-9EC1-43B2-970E-24FB6925829E}" srcOrd="1" destOrd="0" presId="urn:microsoft.com/office/officeart/2005/8/layout/hierarchy1"/>
+    <dgm:cxn modelId="{7B590196-D53F-4FFC-AE1B-11D3C7CCB4E9}" type="presParOf" srcId="{48CE2FE9-C5F3-49AD-B8F8-89380045C020}" destId="{6FE74D31-47E8-42BC-A867-90471B774D1F}" srcOrd="1" destOrd="0" presId="urn:microsoft.com/office/officeart/2005/8/layout/hierarchy1"/>
+    <dgm:cxn modelId="{90A4315C-7B23-4B3C-B7E5-D3FD0DE70542}" type="presParOf" srcId="{6FE74D31-47E8-42BC-A867-90471B774D1F}" destId="{0986C77F-660D-4748-B0BD-DE7BD4BB9F09}" srcOrd="0" destOrd="0" presId="urn:microsoft.com/office/officeart/2005/8/layout/hierarchy1"/>
+    <dgm:cxn modelId="{BDB9A1FD-C7D0-4DEE-833F-5527EC7CAA77}" type="presParOf" srcId="{6FE74D31-47E8-42BC-A867-90471B774D1F}" destId="{60EFF5FD-9D1B-491C-AA4D-E0574056C4CE}" srcOrd="1" destOrd="0" presId="urn:microsoft.com/office/officeart/2005/8/layout/hierarchy1"/>
+    <dgm:cxn modelId="{43EB49F3-FD88-4C23-93F0-31B69FC81969}" type="presParOf" srcId="{60EFF5FD-9D1B-491C-AA4D-E0574056C4CE}" destId="{774A3CBB-8EAE-492D-ACD9-50DD994DBDFF}" srcOrd="0" destOrd="0" presId="urn:microsoft.com/office/officeart/2005/8/layout/hierarchy1"/>
+    <dgm:cxn modelId="{5199C696-8038-41A0-8909-4A5FEFAED831}" type="presParOf" srcId="{774A3CBB-8EAE-492D-ACD9-50DD994DBDFF}" destId="{9DB39F63-2F9D-410B-A63B-6F35A03D1822}" srcOrd="0" destOrd="0" presId="urn:microsoft.com/office/officeart/2005/8/layout/hierarchy1"/>
+    <dgm:cxn modelId="{0041E525-34A7-45C8-A3F5-399D88FE8CE7}" type="presParOf" srcId="{774A3CBB-8EAE-492D-ACD9-50DD994DBDFF}" destId="{F66FDE7B-A8AB-4F7F-8FCB-63E1E863EF79}" srcOrd="1" destOrd="0" presId="urn:microsoft.com/office/officeart/2005/8/layout/hierarchy1"/>
+    <dgm:cxn modelId="{5D7B1EFB-7ACD-49DB-A542-2BF31BEA90A9}" type="presParOf" srcId="{60EFF5FD-9D1B-491C-AA4D-E0574056C4CE}" destId="{2AFA937F-8072-471A-B3B5-D955DF8626BF}" srcOrd="1" destOrd="0" presId="urn:microsoft.com/office/officeart/2005/8/layout/hierarchy1"/>
+    <dgm:cxn modelId="{3659B652-1BAC-47E1-B7EE-F335E10FAD07}" type="presParOf" srcId="{2AFA937F-8072-471A-B3B5-D955DF8626BF}" destId="{F54C62D5-383E-414E-822D-FB6F6F0434CB}" srcOrd="0" destOrd="0" presId="urn:microsoft.com/office/officeart/2005/8/layout/hierarchy1"/>
+    <dgm:cxn modelId="{BE7AB800-53C7-4D49-B6C6-CF8CF986B39A}" type="presParOf" srcId="{2AFA937F-8072-471A-B3B5-D955DF8626BF}" destId="{74643209-BA24-423E-B898-17AA5BC24166}" srcOrd="1" destOrd="0" presId="urn:microsoft.com/office/officeart/2005/8/layout/hierarchy1"/>
+    <dgm:cxn modelId="{8DFA8D00-A3A0-4120-9328-DD333017FD1D}" type="presParOf" srcId="{74643209-BA24-423E-B898-17AA5BC24166}" destId="{041DD7E2-F7AD-4ED1-B60B-55A80920EB66}" srcOrd="0" destOrd="0" presId="urn:microsoft.com/office/officeart/2005/8/layout/hierarchy1"/>
+    <dgm:cxn modelId="{0096888F-FCA8-43D0-8744-F6611ABB56B6}" type="presParOf" srcId="{041DD7E2-F7AD-4ED1-B60B-55A80920EB66}" destId="{0D0FE3B6-D061-421F-B175-74368D305D3D}" srcOrd="0" destOrd="0" presId="urn:microsoft.com/office/officeart/2005/8/layout/hierarchy1"/>
+    <dgm:cxn modelId="{47DE8598-8B90-4DA8-AD9C-9272E6597945}" type="presParOf" srcId="{041DD7E2-F7AD-4ED1-B60B-55A80920EB66}" destId="{153B7127-5B8F-472B-9247-D3D097252336}" srcOrd="1" destOrd="0" presId="urn:microsoft.com/office/officeart/2005/8/layout/hierarchy1"/>
+    <dgm:cxn modelId="{07C875F1-6B63-44FF-B097-D1C9211EC97E}" type="presParOf" srcId="{74643209-BA24-423E-B898-17AA5BC24166}" destId="{95858472-C15B-4887-B04B-58B8F0D988C4}" srcOrd="1" destOrd="0" presId="urn:microsoft.com/office/officeart/2005/8/layout/hierarchy1"/>
+    <dgm:cxn modelId="{6F7ECEAA-9CBF-44EB-B2B4-5D8D3E98AF41}" type="presParOf" srcId="{2AFA937F-8072-471A-B3B5-D955DF8626BF}" destId="{D8D7894C-B290-407B-8493-348188538FE1}" srcOrd="2" destOrd="0" presId="urn:microsoft.com/office/officeart/2005/8/layout/hierarchy1"/>
+    <dgm:cxn modelId="{70D1666A-BA84-4F12-B2C0-BE957F08F3F0}" type="presParOf" srcId="{2AFA937F-8072-471A-B3B5-D955DF8626BF}" destId="{BB5121CE-21B5-45C3-A235-CD4F29AF7045}" srcOrd="3" destOrd="0" presId="urn:microsoft.com/office/officeart/2005/8/layout/hierarchy1"/>
+    <dgm:cxn modelId="{BFAB0D86-8D24-43C4-AAD4-F2E83891CFDC}" type="presParOf" srcId="{BB5121CE-21B5-45C3-A235-CD4F29AF7045}" destId="{7C74A04F-B8F7-422A-A4D5-DA0DBE4EC223}" srcOrd="0" destOrd="0" presId="urn:microsoft.com/office/officeart/2005/8/layout/hierarchy1"/>
+    <dgm:cxn modelId="{44D7BB7D-3A77-4355-A2C6-533F02EDFB0E}" type="presParOf" srcId="{7C74A04F-B8F7-422A-A4D5-DA0DBE4EC223}" destId="{A2B4D9F1-6CA7-4491-8F55-93B9157D2383}" srcOrd="0" destOrd="0" presId="urn:microsoft.com/office/officeart/2005/8/layout/hierarchy1"/>
+    <dgm:cxn modelId="{6A24361A-8534-4981-AEAD-50E463591638}" type="presParOf" srcId="{7C74A04F-B8F7-422A-A4D5-DA0DBE4EC223}" destId="{C210443A-B378-4123-BD67-F540501C4709}" srcOrd="1" destOrd="0" presId="urn:microsoft.com/office/officeart/2005/8/layout/hierarchy1"/>
+    <dgm:cxn modelId="{D9265DF0-E3B4-40AB-ACEA-B9796CE9C276}" type="presParOf" srcId="{BB5121CE-21B5-45C3-A235-CD4F29AF7045}" destId="{4632C118-189C-4A16-AC55-795F8482E813}" srcOrd="1" destOrd="0" presId="urn:microsoft.com/office/officeart/2005/8/layout/hierarchy1"/>
+    <dgm:cxn modelId="{00F5C473-9E5B-4888-A465-BD6E67C107D1}" type="presParOf" srcId="{2AFA937F-8072-471A-B3B5-D955DF8626BF}" destId="{14020AE1-00D7-4677-89A6-87B81FB0BD23}" srcOrd="4" destOrd="0" presId="urn:microsoft.com/office/officeart/2005/8/layout/hierarchy1"/>
+    <dgm:cxn modelId="{FBECC771-29D2-4A5F-BBA4-6FAA6464FBC2}" type="presParOf" srcId="{2AFA937F-8072-471A-B3B5-D955DF8626BF}" destId="{5E62EF59-1F17-4E10-AB62-73029339DE82}" srcOrd="5" destOrd="0" presId="urn:microsoft.com/office/officeart/2005/8/layout/hierarchy1"/>
+    <dgm:cxn modelId="{7FF2DF98-65A6-478B-8D09-CE5AF5FDB5FA}" type="presParOf" srcId="{5E62EF59-1F17-4E10-AB62-73029339DE82}" destId="{D8645129-60E0-43C5-B45A-A1458CC46AD4}" srcOrd="0" destOrd="0" presId="urn:microsoft.com/office/officeart/2005/8/layout/hierarchy1"/>
+    <dgm:cxn modelId="{F094578C-3766-492C-B3A3-7B444CEA5528}" type="presParOf" srcId="{D8645129-60E0-43C5-B45A-A1458CC46AD4}" destId="{22F4BE6C-3F44-4182-A4DA-B7A8132FFE52}" srcOrd="0" destOrd="0" presId="urn:microsoft.com/office/officeart/2005/8/layout/hierarchy1"/>
+    <dgm:cxn modelId="{6C93923A-54F9-4D12-B574-235F53F42E8C}" type="presParOf" srcId="{D8645129-60E0-43C5-B45A-A1458CC46AD4}" destId="{DE37F8A9-5D5A-4CD2-8C95-C006B7989C6B}" srcOrd="1" destOrd="0" presId="urn:microsoft.com/office/officeart/2005/8/layout/hierarchy1"/>
+    <dgm:cxn modelId="{1233328C-B808-4839-8EE2-0DECE00A05D7}" type="presParOf" srcId="{5E62EF59-1F17-4E10-AB62-73029339DE82}" destId="{BFFE2DA0-D2A9-48F6-BF6C-791DA5D16991}" srcOrd="1" destOrd="0" presId="urn:microsoft.com/office/officeart/2005/8/layout/hierarchy1"/>
+    <dgm:cxn modelId="{0AEBCAD4-8B89-4B44-ADEA-B9A731CCF619}" type="presParOf" srcId="{2AFA937F-8072-471A-B3B5-D955DF8626BF}" destId="{37542F64-E39A-463B-9B75-4A52F13E4E2D}" srcOrd="6" destOrd="0" presId="urn:microsoft.com/office/officeart/2005/8/layout/hierarchy1"/>
+    <dgm:cxn modelId="{A24538D7-5E7B-4682-8E9D-F8F5143E33D0}" type="presParOf" srcId="{2AFA937F-8072-471A-B3B5-D955DF8626BF}" destId="{17D0EA04-2AE2-4C15-8DF7-759F6AF1C230}" srcOrd="7" destOrd="0" presId="urn:microsoft.com/office/officeart/2005/8/layout/hierarchy1"/>
+    <dgm:cxn modelId="{94071600-D941-4F06-BB15-BB8F3A473385}" type="presParOf" srcId="{17D0EA04-2AE2-4C15-8DF7-759F6AF1C230}" destId="{87013E9F-9F14-443C-A8AC-976FA6452712}" srcOrd="0" destOrd="0" presId="urn:microsoft.com/office/officeart/2005/8/layout/hierarchy1"/>
+    <dgm:cxn modelId="{691DDA09-5710-4893-846B-D1CEB4F94E73}" type="presParOf" srcId="{87013E9F-9F14-443C-A8AC-976FA6452712}" destId="{EDB5C15D-5C00-4E6D-907B-55D0EDE238EA}" srcOrd="0" destOrd="0" presId="urn:microsoft.com/office/officeart/2005/8/layout/hierarchy1"/>
+    <dgm:cxn modelId="{F79E78D3-6BB0-4437-B982-1431527F023D}" type="presParOf" srcId="{87013E9F-9F14-443C-A8AC-976FA6452712}" destId="{7301F7C9-5080-470D-9DE2-9484B59486B2}" srcOrd="1" destOrd="0" presId="urn:microsoft.com/office/officeart/2005/8/layout/hierarchy1"/>
+    <dgm:cxn modelId="{16FAD2CE-6F7C-4327-A943-BAB71433ACB2}" type="presParOf" srcId="{17D0EA04-2AE2-4C15-8DF7-759F6AF1C230}" destId="{D5AA140A-7C0C-4D25-A250-A2C4710ABFF7}" srcOrd="1" destOrd="0" presId="urn:microsoft.com/office/officeart/2005/8/layout/hierarchy1"/>
+    <dgm:cxn modelId="{06B05DD8-84C4-41F3-8ACC-E4DC280D6449}" type="presParOf" srcId="{6FE74D31-47E8-42BC-A867-90471B774D1F}" destId="{E20FADEE-B47A-43C5-A48A-C6E900AA35CC}" srcOrd="2" destOrd="0" presId="urn:microsoft.com/office/officeart/2005/8/layout/hierarchy1"/>
+    <dgm:cxn modelId="{C03B98BB-0516-4BFB-ABAC-4075502AA719}" type="presParOf" srcId="{6FE74D31-47E8-42BC-A867-90471B774D1F}" destId="{D096B560-FAE3-4E8F-9052-160BBA28A84E}" srcOrd="3" destOrd="0" presId="urn:microsoft.com/office/officeart/2005/8/layout/hierarchy1"/>
+    <dgm:cxn modelId="{39AE0E73-45A2-4803-B751-56B570CAF776}" type="presParOf" srcId="{D096B560-FAE3-4E8F-9052-160BBA28A84E}" destId="{7F12349F-5A17-4966-A496-D1182E7636B6}" srcOrd="0" destOrd="0" presId="urn:microsoft.com/office/officeart/2005/8/layout/hierarchy1"/>
+    <dgm:cxn modelId="{ADD7BBEB-1C4B-41E2-824C-C8E9DE2ECE41}" type="presParOf" srcId="{7F12349F-5A17-4966-A496-D1182E7636B6}" destId="{68B591CA-CAF7-4D64-A3D7-F62DF4983E53}" srcOrd="0" destOrd="0" presId="urn:microsoft.com/office/officeart/2005/8/layout/hierarchy1"/>
+    <dgm:cxn modelId="{A131ACFE-AF04-4C92-8F31-4A60CDE88391}" type="presParOf" srcId="{7F12349F-5A17-4966-A496-D1182E7636B6}" destId="{33B76B8E-0EC5-4530-A0B5-1ED86F595A5E}" srcOrd="1" destOrd="0" presId="urn:microsoft.com/office/officeart/2005/8/layout/hierarchy1"/>
+    <dgm:cxn modelId="{3A2BA0CA-9ABE-453D-8642-BFD1C7152FAD}" type="presParOf" srcId="{D096B560-FAE3-4E8F-9052-160BBA28A84E}" destId="{9A8625B7-8907-4E93-8AA5-579179B32D57}" srcOrd="1" destOrd="0" presId="urn:microsoft.com/office/officeart/2005/8/layout/hierarchy1"/>
+    <dgm:cxn modelId="{0C77B636-F396-4DE1-BDC2-F1C7E4F77A12}" type="presParOf" srcId="{9A8625B7-8907-4E93-8AA5-579179B32D57}" destId="{A1C73CFB-CA08-41EC-BAFE-AE4F74EDC983}" srcOrd="0" destOrd="0" presId="urn:microsoft.com/office/officeart/2005/8/layout/hierarchy1"/>
+    <dgm:cxn modelId="{12499D60-47B5-4445-8BC4-ED33ED1472F6}" type="presParOf" srcId="{9A8625B7-8907-4E93-8AA5-579179B32D57}" destId="{0A79994F-90D3-4227-9E2E-174606BDC1E9}" srcOrd="1" destOrd="0" presId="urn:microsoft.com/office/officeart/2005/8/layout/hierarchy1"/>
+    <dgm:cxn modelId="{A841FC73-4B3A-44AD-8D9F-3E1162AF5BC3}" type="presParOf" srcId="{0A79994F-90D3-4227-9E2E-174606BDC1E9}" destId="{E2549F58-8A07-4B98-A234-A3163B3E4019}" srcOrd="0" destOrd="0" presId="urn:microsoft.com/office/officeart/2005/8/layout/hierarchy1"/>
+    <dgm:cxn modelId="{17847560-A8D6-470B-B973-932626CEE324}" type="presParOf" srcId="{E2549F58-8A07-4B98-A234-A3163B3E4019}" destId="{35C74D1D-00FC-402F-B117-BA8971D289B4}" srcOrd="0" destOrd="0" presId="urn:microsoft.com/office/officeart/2005/8/layout/hierarchy1"/>
+    <dgm:cxn modelId="{AB41B4AA-B6EC-42E4-B3A3-FCF651478A07}" type="presParOf" srcId="{E2549F58-8A07-4B98-A234-A3163B3E4019}" destId="{EEDCE601-A0A2-4FF5-9CA6-647533CC3A06}" srcOrd="1" destOrd="0" presId="urn:microsoft.com/office/officeart/2005/8/layout/hierarchy1"/>
+    <dgm:cxn modelId="{8068FFC4-FF1C-4D97-A2FE-06C807E8E5CB}" type="presParOf" srcId="{0A79994F-90D3-4227-9E2E-174606BDC1E9}" destId="{522282FA-5544-4CF0-92A7-23E0ACE1CE72}" srcOrd="1" destOrd="0" presId="urn:microsoft.com/office/officeart/2005/8/layout/hierarchy1"/>
+    <dgm:cxn modelId="{3426F8CA-375F-42D4-BBA9-1E46FDDDF9BD}" type="presParOf" srcId="{9A8625B7-8907-4E93-8AA5-579179B32D57}" destId="{7FCB2E25-D32F-422E-B709-C33691A18532}" srcOrd="2" destOrd="0" presId="urn:microsoft.com/office/officeart/2005/8/layout/hierarchy1"/>
+    <dgm:cxn modelId="{55847165-20E9-4646-9652-002711C40B5C}" type="presParOf" srcId="{9A8625B7-8907-4E93-8AA5-579179B32D57}" destId="{444749FF-F37F-437F-A127-2445B5DBF82E}" srcOrd="3" destOrd="0" presId="urn:microsoft.com/office/officeart/2005/8/layout/hierarchy1"/>
+    <dgm:cxn modelId="{12C09CE5-6960-4BF1-9823-37FCEC235381}" type="presParOf" srcId="{444749FF-F37F-437F-A127-2445B5DBF82E}" destId="{7F394514-6A51-4CF2-8A81-5E42AD548D94}" srcOrd="0" destOrd="0" presId="urn:microsoft.com/office/officeart/2005/8/layout/hierarchy1"/>
+    <dgm:cxn modelId="{6F35B65D-D6AE-4A11-8525-6C7286225CB7}" type="presParOf" srcId="{7F394514-6A51-4CF2-8A81-5E42AD548D94}" destId="{0E971C43-310D-487E-BB3A-2D624BA2BCEF}" srcOrd="0" destOrd="0" presId="urn:microsoft.com/office/officeart/2005/8/layout/hierarchy1"/>
+    <dgm:cxn modelId="{E450F7B0-61DB-40B0-84AE-0EB03AED9502}" type="presParOf" srcId="{7F394514-6A51-4CF2-8A81-5E42AD548D94}" destId="{3B569626-D466-4057-8709-82D61A7BC057}" srcOrd="1" destOrd="0" presId="urn:microsoft.com/office/officeart/2005/8/layout/hierarchy1"/>
+    <dgm:cxn modelId="{E2DFBC66-F7BA-4657-9D97-17C5F311F928}" type="presParOf" srcId="{444749FF-F37F-437F-A127-2445B5DBF82E}" destId="{7BB1FD25-D5AB-46C3-8EB0-F71C390C17B5}" srcOrd="1" destOrd="0" presId="urn:microsoft.com/office/officeart/2005/8/layout/hierarchy1"/>
+    <dgm:cxn modelId="{50DE4E7D-48E2-4083-9C66-04BE83B6E646}" type="presParOf" srcId="{9A8625B7-8907-4E93-8AA5-579179B32D57}" destId="{FD1E1187-91CC-46D4-9E7E-BA7A05BA99AD}" srcOrd="4" destOrd="0" presId="urn:microsoft.com/office/officeart/2005/8/layout/hierarchy1"/>
+    <dgm:cxn modelId="{BF8C6D5F-FC39-4228-ACA0-69966F8C5FD2}" type="presParOf" srcId="{9A8625B7-8907-4E93-8AA5-579179B32D57}" destId="{8A2733D8-2B6A-4776-908C-E734296C88AA}" srcOrd="5" destOrd="0" presId="urn:microsoft.com/office/officeart/2005/8/layout/hierarchy1"/>
+    <dgm:cxn modelId="{EDC5F6B4-DCBF-44F0-BAE7-19CEC9B3613D}" type="presParOf" srcId="{8A2733D8-2B6A-4776-908C-E734296C88AA}" destId="{D3013AAB-C482-423B-BF64-C42F10FA90D7}" srcOrd="0" destOrd="0" presId="urn:microsoft.com/office/officeart/2005/8/layout/hierarchy1"/>
+    <dgm:cxn modelId="{357BF160-F78D-4C08-AFEC-EFD85353A7CC}" type="presParOf" srcId="{D3013AAB-C482-423B-BF64-C42F10FA90D7}" destId="{AA255221-8D46-4FEE-B4B5-2A61B0AA9BF8}" srcOrd="0" destOrd="0" presId="urn:microsoft.com/office/officeart/2005/8/layout/hierarchy1"/>
+    <dgm:cxn modelId="{FBD43B38-849A-4216-9DF5-0FB6F9662504}" type="presParOf" srcId="{D3013AAB-C482-423B-BF64-C42F10FA90D7}" destId="{CBE71CF0-4E8B-4F27-89B4-A6F9E9DDB867}" srcOrd="1" destOrd="0" presId="urn:microsoft.com/office/officeart/2005/8/layout/hierarchy1"/>
+    <dgm:cxn modelId="{675C8355-3805-4A7B-8757-26B2271E1B2D}" type="presParOf" srcId="{8A2733D8-2B6A-4776-908C-E734296C88AA}" destId="{2EEDEB4F-B810-409B-95A2-FC6474281264}" srcOrd="1" destOrd="0" presId="urn:microsoft.com/office/officeart/2005/8/layout/hierarchy1"/>
   </dgm:cxnLst>
   <dgm:bg/>
   <dgm:whole/>
@@ -1777,7 +1776,7 @@
       <dsp:cNvGrpSpPr/>
     </dsp:nvGrpSpPr>
     <dsp:grpSpPr/>
-    <dsp:sp modelId="{7FCB2E25-D32F-422E-B709-C33691A18532}">
+    <dsp:sp modelId="{FD1E1187-91CC-46D4-9E7E-BA7A05BA99AD}">
       <dsp:nvSpPr>
         <dsp:cNvPr id="0" name=""/>
         <dsp:cNvSpPr/>
@@ -1838,7 +1837,7 @@
         <a:fontRef idx="minor"/>
       </dsp:style>
     </dsp:sp>
-    <dsp:sp modelId="{FD1E1187-91CC-46D4-9E7E-BA7A05BA99AD}">
+    <dsp:sp modelId="{7FCB2E25-D32F-422E-B709-C33691A18532}">
       <dsp:nvSpPr>
         <dsp:cNvPr id="0" name=""/>
         <dsp:cNvSpPr/>
@@ -3346,7 +3345,7 @@
         <a:ext cx="1140286" cy="708002"/>
       </dsp:txXfrm>
     </dsp:sp>
-    <dsp:sp modelId="{AA255221-8D46-4FEE-B4B5-2A61B0AA9BF8}">
+    <dsp:sp modelId="{0E971C43-310D-487E-BB3A-2D624BA2BCEF}">
       <dsp:nvSpPr>
         <dsp:cNvPr id="0" name=""/>
         <dsp:cNvSpPr/>
@@ -3392,7 +3391,7 @@
         </a:fontRef>
       </dsp:style>
     </dsp:sp>
-    <dsp:sp modelId="{CBE71CF0-4E8B-4F27-89B4-A6F9E9DDB867}">
+    <dsp:sp modelId="{3B569626-D466-4057-8709-82D61A7BC057}">
       <dsp:nvSpPr>
         <dsp:cNvPr id="0" name=""/>
         <dsp:cNvSpPr/>
@@ -3459,7 +3458,7 @@
               <a:latin typeface="Times New Roman" panose="02020603050405020304" pitchFamily="18" charset="0"/>
               <a:cs typeface="Times New Roman" panose="02020603050405020304" pitchFamily="18" charset="0"/>
             </a:rPr>
-            <a:t>Reward</a:t>
+            <a:t>Achievement</a:t>
           </a:r>
         </a:p>
       </dsp:txBody>
@@ -3468,7 +3467,7 @@
         <a:ext cx="1140286" cy="708002"/>
       </dsp:txXfrm>
     </dsp:sp>
-    <dsp:sp modelId="{0E971C43-310D-487E-BB3A-2D624BA2BCEF}">
+    <dsp:sp modelId="{AA255221-8D46-4FEE-B4B5-2A61B0AA9BF8}">
       <dsp:nvSpPr>
         <dsp:cNvPr id="0" name=""/>
         <dsp:cNvSpPr/>
@@ -3514,7 +3513,7 @@
         </a:fontRef>
       </dsp:style>
     </dsp:sp>
-    <dsp:sp modelId="{3B569626-D466-4057-8709-82D61A7BC057}">
+    <dsp:sp modelId="{CBE71CF0-4E8B-4F27-89B4-A6F9E9DDB867}">
       <dsp:nvSpPr>
         <dsp:cNvPr id="0" name=""/>
         <dsp:cNvSpPr/>
@@ -3581,7 +3580,7 @@
               <a:latin typeface="Times New Roman" panose="02020603050405020304" pitchFamily="18" charset="0"/>
               <a:cs typeface="Times New Roman" panose="02020603050405020304" pitchFamily="18" charset="0"/>
             </a:rPr>
-            <a:t>Achievement</a:t>
+            <a:t>Reward</a:t>
           </a:r>
         </a:p>
       </dsp:txBody>
@@ -5273,7 +5272,7 @@
           <a:p>
             <a:fld id="{5871CF41-0B09-4798-B670-3C9B0936FF95}" type="datetimeFigureOut">
               <a:rPr lang="en-US" smtClean="0"/>
-              <a:t>7/4/2022</a:t>
+              <a:t>7/5/2022</a:t>
             </a:fld>
             <a:endParaRPr lang="en-US" dirty="0"/>
           </a:p>
@@ -6042,7 +6041,7 @@
           <a:p>
             <a:fld id="{3F9EC432-124E-4E57-A1BA-1FF34FA91096}" type="datetime1">
               <a:rPr lang="en-US" smtClean="0"/>
-              <a:t>7/4/2022</a:t>
+              <a:t>7/5/2022</a:t>
             </a:fld>
             <a:endParaRPr lang="en-US" dirty="0"/>
           </a:p>
@@ -6337,7 +6336,7 @@
           <a:p>
             <a:fld id="{8AE1AB2E-B383-4E1C-85B3-1AD639364138}" type="datetime1">
               <a:rPr lang="en-US" smtClean="0"/>
-              <a:t>7/4/2022</a:t>
+              <a:t>7/5/2022</a:t>
             </a:fld>
             <a:endParaRPr lang="en-US" dirty="0"/>
           </a:p>
@@ -6585,7 +6584,7 @@
           <a:p>
             <a:fld id="{12C14B1C-873F-413B-BCE3-E5BDD569168D}" type="datetime1">
               <a:rPr lang="en-US" smtClean="0"/>
-              <a:t>7/4/2022</a:t>
+              <a:t>7/5/2022</a:t>
             </a:fld>
             <a:endParaRPr lang="en-US" dirty="0"/>
           </a:p>
@@ -7125,7 +7124,7 @@
           <a:p>
             <a:fld id="{50B17BE2-DFC1-4A2A-911F-E8F1D80F3B11}" type="datetime1">
               <a:rPr lang="en-US" smtClean="0"/>
-              <a:t>7/4/2022</a:t>
+              <a:t>7/5/2022</a:t>
             </a:fld>
             <a:endParaRPr lang="en-US" dirty="0"/>
           </a:p>
@@ -7373,7 +7372,7 @@
           <a:p>
             <a:fld id="{CAC41550-8FB4-46C7-AAF8-23E7F1D40B22}" type="datetime1">
               <a:rPr lang="en-US" smtClean="0"/>
-              <a:t>7/4/2022</a:t>
+              <a:t>7/5/2022</a:t>
             </a:fld>
             <a:endParaRPr lang="en-US" dirty="0"/>
           </a:p>
@@ -7905,7 +7904,7 @@
           <a:p>
             <a:fld id="{DB976B7C-60B8-4CCD-BFD2-06D35D5879D9}" type="datetime1">
               <a:rPr lang="en-US" smtClean="0"/>
-              <a:t>7/4/2022</a:t>
+              <a:t>7/5/2022</a:t>
             </a:fld>
             <a:endParaRPr lang="en-US" dirty="0"/>
           </a:p>
@@ -8202,7 +8201,7 @@
           <a:p>
             <a:fld id="{82054E8D-2288-411B-9BC3-005CA583DB74}" type="datetime1">
               <a:rPr lang="en-US" smtClean="0"/>
-              <a:t>7/4/2022</a:t>
+              <a:t>7/5/2022</a:t>
             </a:fld>
             <a:endParaRPr lang="en-US" dirty="0"/>
           </a:p>
@@ -8376,7 +8375,7 @@
           <a:p>
             <a:fld id="{5F457373-DD70-441B-9E2F-88DE6371CD77}" type="datetime1">
               <a:rPr lang="en-US" smtClean="0"/>
-              <a:t>7/4/2022</a:t>
+              <a:t>7/5/2022</a:t>
             </a:fld>
             <a:endParaRPr lang="en-US" dirty="0"/>
           </a:p>
@@ -8556,7 +8555,7 @@
           <a:p>
             <a:fld id="{BFD1DEB6-DB23-4BC3-9FCF-B31A163877D2}" type="datetime1">
               <a:rPr lang="en-US" smtClean="0"/>
-              <a:t>7/4/2022</a:t>
+              <a:t>7/5/2022</a:t>
             </a:fld>
             <a:endParaRPr lang="en-US" dirty="0"/>
           </a:p>
@@ -8732,7 +8731,7 @@
           <a:p>
             <a:fld id="{4B9821F1-7D8F-48C1-B055-DB3751AAC4CB}" type="datetime1">
               <a:rPr lang="en-US" smtClean="0"/>
-              <a:t>7/4/2022</a:t>
+              <a:t>7/5/2022</a:t>
             </a:fld>
             <a:endParaRPr lang="en-US" dirty="0"/>
           </a:p>
@@ -8991,7 +8990,7 @@
           <a:p>
             <a:fld id="{1947C36F-5E70-4F16-B121-879DE5FBE256}" type="datetime1">
               <a:rPr lang="en-US" smtClean="0"/>
-              <a:t>7/4/2022</a:t>
+              <a:t>7/5/2022</a:t>
             </a:fld>
             <a:endParaRPr lang="en-US" dirty="0"/>
           </a:p>
@@ -9288,7 +9287,7 @@
           <a:p>
             <a:fld id="{61C1310E-C23F-4C1A-8D67-DAF9DD6FFE62}" type="datetime1">
               <a:rPr lang="en-US" smtClean="0"/>
-              <a:t>7/4/2022</a:t>
+              <a:t>7/5/2022</a:t>
             </a:fld>
             <a:endParaRPr lang="en-US" dirty="0"/>
           </a:p>
@@ -9730,7 +9729,7 @@
           <a:p>
             <a:fld id="{7948DEBC-3879-41FB-8BC1-90ACAFC0651F}" type="datetime1">
               <a:rPr lang="en-US" smtClean="0"/>
-              <a:t>7/4/2022</a:t>
+              <a:t>7/5/2022</a:t>
             </a:fld>
             <a:endParaRPr lang="en-US" dirty="0"/>
           </a:p>
@@ -9848,7 +9847,7 @@
           <a:p>
             <a:fld id="{9389F1C0-0694-41A5-99DA-D5DF98D6FBFF}" type="datetime1">
               <a:rPr lang="en-US" smtClean="0"/>
-              <a:t>7/4/2022</a:t>
+              <a:t>7/5/2022</a:t>
             </a:fld>
             <a:endParaRPr lang="en-US" dirty="0"/>
           </a:p>
@@ -9943,7 +9942,7 @@
           <a:p>
             <a:fld id="{4E2365FF-69B5-4B93-9F16-9394FA9D8B95}" type="datetime1">
               <a:rPr lang="en-US" smtClean="0"/>
-              <a:t>7/4/2022</a:t>
+              <a:t>7/5/2022</a:t>
             </a:fld>
             <a:endParaRPr lang="en-US" dirty="0"/>
           </a:p>
@@ -10226,7 +10225,7 @@
           <a:p>
             <a:fld id="{91F7361C-386E-49A1-AFF4-BAFAB36ACEF3}" type="datetime1">
               <a:rPr lang="en-US" smtClean="0"/>
-              <a:t>7/4/2022</a:t>
+              <a:t>7/5/2022</a:t>
             </a:fld>
             <a:endParaRPr lang="en-US" dirty="0"/>
           </a:p>
@@ -10516,7 +10515,7 @@
           <a:p>
             <a:fld id="{90D48F58-883B-4E67-A570-4CA142E309DA}" type="datetime1">
               <a:rPr lang="en-US" smtClean="0"/>
-              <a:t>7/4/2022</a:t>
+              <a:t>7/5/2022</a:t>
             </a:fld>
             <a:endParaRPr lang="en-US" dirty="0"/>
           </a:p>
@@ -11046,7 +11045,7 @@
           <a:p>
             <a:fld id="{DB1CFBFD-C8DE-4595-87D7-68481B9BF964}" type="datetime1">
               <a:rPr lang="en-US" smtClean="0"/>
-              <a:t>7/4/2022</a:t>
+              <a:t>7/5/2022</a:t>
             </a:fld>
             <a:endParaRPr lang="en-US" dirty="0"/>
           </a:p>
@@ -12142,8 +12141,19 @@
                 <a:latin typeface="Times New Roman" panose="02020603050405020304" pitchFamily="18" charset="0"/>
                 <a:cs typeface="Times New Roman" panose="02020603050405020304" pitchFamily="18" charset="0"/>
               </a:rPr>
-              <a:t>Restrict commonly used passwords (e.g. p@ssw0rd, etc.) and dictionary words.</a:t>
-            </a:r>
+              <a:t>Restrict commonly used passwords (e.g. p@ssw0rd, </a:t>
+            </a:r>
+            <a:r>
+              <a:rPr lang="en-US" sz="1700">
+                <a:latin typeface="Times New Roman" panose="02020603050405020304" pitchFamily="18" charset="0"/>
+                <a:cs typeface="Times New Roman" panose="02020603050405020304" pitchFamily="18" charset="0"/>
+              </a:rPr>
+              <a:t>etc.).</a:t>
+            </a:r>
+            <a:endParaRPr lang="en-US" sz="1700" dirty="0">
+              <a:latin typeface="Times New Roman" panose="02020603050405020304" pitchFamily="18" charset="0"/>
+              <a:cs typeface="Times New Roman" panose="02020603050405020304" pitchFamily="18" charset="0"/>
+            </a:endParaRPr>
           </a:p>
         </p:txBody>
       </p:sp>
@@ -13664,7 +13674,7 @@
           <a:lstStyle/>
           <a:p>
             <a:r>
-              <a:rPr lang="en-US" sz="2000" dirty="0">
+              <a:rPr lang="en-US" sz="1400" dirty="0">
                 <a:latin typeface="Times New Roman" panose="02020603050405020304" pitchFamily="18" charset="0"/>
                 <a:cs typeface="Times New Roman" panose="02020603050405020304" pitchFamily="18" charset="0"/>
               </a:rPr>
@@ -13673,7 +13683,7 @@
           </a:p>
           <a:p>
             <a:r>
-              <a:rPr lang="en-US" sz="2000" dirty="0">
+              <a:rPr lang="en-US" sz="1400" dirty="0">
                 <a:latin typeface="Times New Roman" panose="02020603050405020304" pitchFamily="18" charset="0"/>
                 <a:cs typeface="Times New Roman" panose="02020603050405020304" pitchFamily="18" charset="0"/>
               </a:rPr>
@@ -13682,34 +13692,34 @@
           </a:p>
           <a:p>
             <a:r>
-              <a:rPr lang="fr-FR" sz="2000" dirty="0">
+              <a:rPr lang="fr-FR" sz="1400" dirty="0">
                 <a:latin typeface="Times New Roman" panose="02020603050405020304" pitchFamily="18" charset="0"/>
                 <a:cs typeface="Times New Roman" panose="02020603050405020304" pitchFamily="18" charset="0"/>
               </a:rPr>
               <a:t>[3]"Cybertalentskids » CyberTalents", CybertalentKids, 2021. [Online]. Available: https://cybertalentskids.com/. [Accessed: </a:t>
             </a:r>
             <a:r>
-              <a:rPr lang="en-US" sz="2000" dirty="0">
+              <a:rPr lang="en-US" sz="1400" dirty="0">
                 <a:latin typeface="Times New Roman" panose="02020603050405020304" pitchFamily="18" charset="0"/>
                 <a:cs typeface="Times New Roman" panose="02020603050405020304" pitchFamily="18" charset="0"/>
               </a:rPr>
               <a:t>06</a:t>
             </a:r>
             <a:r>
-              <a:rPr lang="fr-FR" sz="2000" dirty="0">
+              <a:rPr lang="fr-FR" sz="1400" dirty="0">
                 <a:latin typeface="Times New Roman" panose="02020603050405020304" pitchFamily="18" charset="0"/>
                 <a:cs typeface="Times New Roman" panose="02020603050405020304" pitchFamily="18" charset="0"/>
               </a:rPr>
               <a:t>- Dec- 2021].</a:t>
             </a:r>
-            <a:endParaRPr lang="en-US" sz="2000" dirty="0">
+            <a:endParaRPr lang="en-US" sz="1400" dirty="0">
               <a:latin typeface="Times New Roman" panose="02020603050405020304" pitchFamily="18" charset="0"/>
               <a:cs typeface="Times New Roman" panose="02020603050405020304" pitchFamily="18" charset="0"/>
             </a:endParaRPr>
           </a:p>
           <a:p>
             <a:r>
-              <a:rPr lang="en-US" sz="2000" dirty="0">
+              <a:rPr lang="en-US" sz="1400" dirty="0">
                 <a:latin typeface="Times New Roman" panose="02020603050405020304" pitchFamily="18" charset="0"/>
                 <a:cs typeface="Times New Roman" panose="02020603050405020304" pitchFamily="18" charset="0"/>
               </a:rPr>
@@ -13718,7 +13728,7 @@
           </a:p>
           <a:p>
             <a:r>
-              <a:rPr lang="en-US" sz="2000" dirty="0">
+              <a:rPr lang="en-US" sz="1400" dirty="0">
                 <a:latin typeface="Times New Roman" panose="02020603050405020304" pitchFamily="18" charset="0"/>
                 <a:cs typeface="Times New Roman" panose="02020603050405020304" pitchFamily="18" charset="0"/>
               </a:rPr>
@@ -13727,11 +13737,29 @@
           </a:p>
           <a:p>
             <a:r>
-              <a:rPr lang="en-US" sz="2000" dirty="0">
+              <a:rPr lang="en-US" sz="1400" dirty="0">
                 <a:latin typeface="Times New Roman" panose="02020603050405020304" pitchFamily="18" charset="0"/>
                 <a:cs typeface="Times New Roman" panose="02020603050405020304" pitchFamily="18" charset="0"/>
               </a:rPr>
               <a:t>[6]"Hacking Training For The Best", Hack The Box, 2021. [Online]. Available: https://www.hackthebox.com/. [Accessed: 06- Dec- 2021].</a:t>
+            </a:r>
+          </a:p>
+          <a:p>
+            <a:r>
+              <a:rPr lang="en-US" sz="1400" dirty="0">
+                <a:latin typeface="Times New Roman" panose="02020603050405020304" pitchFamily="18" charset="0"/>
+                <a:cs typeface="Times New Roman" panose="02020603050405020304" pitchFamily="18" charset="0"/>
+              </a:rPr>
+              <a:t>[7]"OWASP Foundation | Open Source Foundation for Application Security", Owasp.org, 2021. [Online]. Available: https://owasp.org/. [Accessed: 06- Dec- 2021].</a:t>
+            </a:r>
+          </a:p>
+          <a:p>
+            <a:r>
+              <a:rPr lang="en-US" sz="1400" dirty="0">
+                <a:latin typeface="Times New Roman" panose="02020603050405020304" pitchFamily="18" charset="0"/>
+                <a:cs typeface="Times New Roman" panose="02020603050405020304" pitchFamily="18" charset="0"/>
+              </a:rPr>
+              <a:t>[8]M. Robb, "Common Sense Media," Common Sense Media, 29 October 2019. [Online]. Available: https://www.commonsensemedia.org/blog/tweens-teens-and-phones-what-our-2019-research-reveals#:~:text=A%20majority%20(53%25)%20of,2019%20from%2011%25%20in%202015.. [Accessed 08 November 2021].</a:t>
             </a:r>
           </a:p>
         </p:txBody>
@@ -13866,25 +13894,7 @@
           <a:lstStyle/>
           <a:p>
             <a:r>
-              <a:rPr lang="en-US" sz="2000" dirty="0">
-                <a:latin typeface="Times New Roman" panose="02020603050405020304" pitchFamily="18" charset="0"/>
-                <a:cs typeface="Times New Roman" panose="02020603050405020304" pitchFamily="18" charset="0"/>
-              </a:rPr>
-              <a:t>[7]"OWASP Foundation | Open Source Foundation for Application Security", Owasp.org, 2021. [Online]. Available: https://owasp.org/. [Accessed: 06- Dec- 2021].</a:t>
-            </a:r>
-          </a:p>
-          <a:p>
-            <a:r>
-              <a:rPr lang="en-US" sz="2000" dirty="0">
-                <a:latin typeface="Times New Roman" panose="02020603050405020304" pitchFamily="18" charset="0"/>
-                <a:cs typeface="Times New Roman" panose="02020603050405020304" pitchFamily="18" charset="0"/>
-              </a:rPr>
-              <a:t>[8]M. Robb, "Common Sense Media," Common Sense Media, 29 October 2019. [Online]. Available: https://www.commonsensemedia.org/blog/tweens-teens-and-phones-what-our-2019-research-reveals#:~:text=A%20majority%20(53%25)%20of,2019%20from%2011%25%20in%202015.. [Accessed 08 November 2021].</a:t>
-            </a:r>
-          </a:p>
-          <a:p>
-            <a:r>
-              <a:rPr lang="en-US" sz="2000" dirty="0">
+              <a:rPr lang="en-US" sz="1400" dirty="0">
                 <a:latin typeface="Times New Roman" panose="02020603050405020304" pitchFamily="18" charset="0"/>
                 <a:cs typeface="Times New Roman" panose="02020603050405020304" pitchFamily="18" charset="0"/>
               </a:rPr>
@@ -13893,7 +13903,7 @@
           </a:p>
           <a:p>
             <a:r>
-              <a:rPr lang="en-US" sz="2000" dirty="0">
+              <a:rPr lang="en-US" sz="1400" dirty="0">
                 <a:latin typeface="Times New Roman" panose="02020603050405020304" pitchFamily="18" charset="0"/>
                 <a:cs typeface="Times New Roman" panose="02020603050405020304" pitchFamily="18" charset="0"/>
               </a:rPr>
@@ -13902,11 +13912,182 @@
           </a:p>
           <a:p>
             <a:r>
-              <a:rPr lang="en-US" sz="2000" dirty="0">
+              <a:rPr lang="en-US" sz="1400" dirty="0">
                 <a:latin typeface="Times New Roman" panose="02020603050405020304" pitchFamily="18" charset="0"/>
                 <a:cs typeface="Times New Roman" panose="02020603050405020304" pitchFamily="18" charset="0"/>
               </a:rPr>
               <a:t>[11]C. Li, "Weforum," World Economic Forum, 29 April 2020. [Online]. Available: https://www.weforum.org/agenda/2020/04/coronavirus-education-global-covid19-online-digital-learning/. [Accessed 08 November 2021].</a:t>
+            </a:r>
+          </a:p>
+          <a:p>
+            <a:r>
+              <a:rPr lang="en-US" sz="1400" dirty="0">
+                <a:latin typeface="Times New Roman" panose="02020603050405020304" pitchFamily="18" charset="0"/>
+                <a:cs typeface="Times New Roman" panose="02020603050405020304" pitchFamily="18" charset="0"/>
+              </a:rPr>
+              <a:t>[12]J. Johnson, "Statista," 06 May 2021. [Online]. Available: https://www.statista.com/statistics/1189204/us-teens-children-screen-time-daily-coronavirus-before-during/. [Accessed 08 November 2021].</a:t>
+            </a:r>
+          </a:p>
+          <a:p>
+            <a:r>
+              <a:rPr lang="en-US" sz="1400" dirty="0">
+                <a:latin typeface="Times New Roman" panose="02020603050405020304" pitchFamily="18" charset="0"/>
+                <a:cs typeface="Times New Roman" panose="02020603050405020304" pitchFamily="18" charset="0"/>
+              </a:rPr>
+              <a:t>[13]</a:t>
+            </a:r>
+            <a:r>
+              <a:rPr lang="en-US" sz="1400" dirty="0" err="1">
+                <a:latin typeface="Times New Roman" panose="02020603050405020304" pitchFamily="18" charset="0"/>
+                <a:cs typeface="Times New Roman" panose="02020603050405020304" pitchFamily="18" charset="0"/>
+              </a:rPr>
+              <a:t>Unicef</a:t>
+            </a:r>
+            <a:r>
+              <a:rPr lang="en-US" sz="1400" dirty="0">
+                <a:latin typeface="Times New Roman" panose="02020603050405020304" pitchFamily="18" charset="0"/>
+                <a:cs typeface="Times New Roman" panose="02020603050405020304" pitchFamily="18" charset="0"/>
+              </a:rPr>
+              <a:t>, "</a:t>
+            </a:r>
+            <a:r>
+              <a:rPr lang="en-US" sz="1400" dirty="0" err="1">
+                <a:latin typeface="Times New Roman" panose="02020603050405020304" pitchFamily="18" charset="0"/>
+                <a:cs typeface="Times New Roman" panose="02020603050405020304" pitchFamily="18" charset="0"/>
+              </a:rPr>
+              <a:t>Unicef</a:t>
+            </a:r>
+            <a:r>
+              <a:rPr lang="en-US" sz="1400" dirty="0">
+                <a:latin typeface="Times New Roman" panose="02020603050405020304" pitchFamily="18" charset="0"/>
+                <a:cs typeface="Times New Roman" panose="02020603050405020304" pitchFamily="18" charset="0"/>
+              </a:rPr>
+              <a:t>," </a:t>
+            </a:r>
+            <a:r>
+              <a:rPr lang="en-US" sz="1400" dirty="0" err="1">
+                <a:latin typeface="Times New Roman" panose="02020603050405020304" pitchFamily="18" charset="0"/>
+                <a:cs typeface="Times New Roman" panose="02020603050405020304" pitchFamily="18" charset="0"/>
+              </a:rPr>
+              <a:t>Unicef</a:t>
+            </a:r>
+            <a:r>
+              <a:rPr lang="en-US" sz="1400" dirty="0">
+                <a:latin typeface="Times New Roman" panose="02020603050405020304" pitchFamily="18" charset="0"/>
+                <a:cs typeface="Times New Roman" panose="02020603050405020304" pitchFamily="18" charset="0"/>
+              </a:rPr>
+              <a:t>, 04 February 2021. [Online]. Available: https://www.unicef.org/coronavirus/keep-your-child-safe-online-at-home-covid-19. [Accessed 10 November 2021].</a:t>
+            </a:r>
+          </a:p>
+          <a:p>
+            <a:r>
+              <a:rPr lang="en-US" sz="1400" dirty="0">
+                <a:latin typeface="Times New Roman" panose="02020603050405020304" pitchFamily="18" charset="0"/>
+                <a:cs typeface="Times New Roman" panose="02020603050405020304" pitchFamily="18" charset="0"/>
+              </a:rPr>
+              <a:t>[14]H. M. Jawad and S. Tout, "IEEE Xplore," in Introducing a Mobile App to Increase Cybersecurity Awareness in MENA, Dubai, 2021. </a:t>
+            </a:r>
+          </a:p>
+          <a:p>
+            <a:r>
+              <a:rPr lang="en-US" sz="1400" dirty="0">
+                <a:latin typeface="Times New Roman" panose="02020603050405020304" pitchFamily="18" charset="0"/>
+                <a:cs typeface="Times New Roman" panose="02020603050405020304" pitchFamily="18" charset="0"/>
+              </a:rPr>
+              <a:t>[15]I. </a:t>
+            </a:r>
+            <a:r>
+              <a:rPr lang="en-US" sz="1400" dirty="0" err="1">
+                <a:latin typeface="Times New Roman" panose="02020603050405020304" pitchFamily="18" charset="0"/>
+                <a:cs typeface="Times New Roman" panose="02020603050405020304" pitchFamily="18" charset="0"/>
+              </a:rPr>
+              <a:t>M.Venter</a:t>
+            </a:r>
+            <a:r>
+              <a:rPr lang="en-US" sz="1400" dirty="0">
+                <a:latin typeface="Times New Roman" panose="02020603050405020304" pitchFamily="18" charset="0"/>
+                <a:cs typeface="Times New Roman" panose="02020603050405020304" pitchFamily="18" charset="0"/>
+              </a:rPr>
+              <a:t>, R. </a:t>
+            </a:r>
+            <a:r>
+              <a:rPr lang="en-US" sz="1400" dirty="0" err="1">
+                <a:latin typeface="Times New Roman" panose="02020603050405020304" pitchFamily="18" charset="0"/>
+                <a:cs typeface="Times New Roman" panose="02020603050405020304" pitchFamily="18" charset="0"/>
+              </a:rPr>
+              <a:t>J.Blignaut</a:t>
+            </a:r>
+            <a:r>
+              <a:rPr lang="en-US" sz="1400" dirty="0">
+                <a:latin typeface="Times New Roman" panose="02020603050405020304" pitchFamily="18" charset="0"/>
+                <a:cs typeface="Times New Roman" panose="02020603050405020304" pitchFamily="18" charset="0"/>
+              </a:rPr>
+              <a:t>, K. Renaud and M. A. Venter, "Cyber security education is as essential as “the three R's”," </a:t>
+            </a:r>
+            <a:r>
+              <a:rPr lang="en-US" sz="1400" dirty="0" err="1">
+                <a:latin typeface="Times New Roman" panose="02020603050405020304" pitchFamily="18" charset="0"/>
+                <a:cs typeface="Times New Roman" panose="02020603050405020304" pitchFamily="18" charset="0"/>
+              </a:rPr>
+              <a:t>Heliyon</a:t>
+            </a:r>
+            <a:r>
+              <a:rPr lang="en-US" sz="1400" dirty="0">
+                <a:latin typeface="Times New Roman" panose="02020603050405020304" pitchFamily="18" charset="0"/>
+                <a:cs typeface="Times New Roman" panose="02020603050405020304" pitchFamily="18" charset="0"/>
+              </a:rPr>
+              <a:t>, vol. 5, no. 12, 2019. </a:t>
+            </a:r>
+          </a:p>
+          <a:p>
+            <a:r>
+              <a:rPr lang="en-US" sz="1400" dirty="0">
+                <a:latin typeface="Times New Roman" panose="02020603050405020304" pitchFamily="18" charset="0"/>
+                <a:cs typeface="Times New Roman" panose="02020603050405020304" pitchFamily="18" charset="0"/>
+              </a:rPr>
+              <a:t>[16]F. </a:t>
+            </a:r>
+            <a:r>
+              <a:rPr lang="en-US" sz="1400" dirty="0" err="1">
+                <a:latin typeface="Times New Roman" panose="02020603050405020304" pitchFamily="18" charset="0"/>
+                <a:cs typeface="Times New Roman" panose="02020603050405020304" pitchFamily="18" charset="0"/>
+              </a:rPr>
+              <a:t>Quayyum</a:t>
+            </a:r>
+            <a:r>
+              <a:rPr lang="en-US" sz="1400" dirty="0">
+                <a:latin typeface="Times New Roman" panose="02020603050405020304" pitchFamily="18" charset="0"/>
+                <a:cs typeface="Times New Roman" panose="02020603050405020304" pitchFamily="18" charset="0"/>
+              </a:rPr>
+              <a:t>, D. </a:t>
+            </a:r>
+            <a:r>
+              <a:rPr lang="en-US" sz="1400" dirty="0" err="1">
+                <a:latin typeface="Times New Roman" panose="02020603050405020304" pitchFamily="18" charset="0"/>
+                <a:cs typeface="Times New Roman" panose="02020603050405020304" pitchFamily="18" charset="0"/>
+              </a:rPr>
+              <a:t>S.Cruzes</a:t>
+            </a:r>
+            <a:r>
+              <a:rPr lang="en-US" sz="1400" dirty="0">
+                <a:latin typeface="Times New Roman" panose="02020603050405020304" pitchFamily="18" charset="0"/>
+                <a:cs typeface="Times New Roman" panose="02020603050405020304" pitchFamily="18" charset="0"/>
+              </a:rPr>
+              <a:t> and L. </a:t>
+            </a:r>
+            <a:r>
+              <a:rPr lang="en-US" sz="1400" dirty="0" err="1">
+                <a:latin typeface="Times New Roman" panose="02020603050405020304" pitchFamily="18" charset="0"/>
+                <a:cs typeface="Times New Roman" panose="02020603050405020304" pitchFamily="18" charset="0"/>
+              </a:rPr>
+              <a:t>Jaccheri</a:t>
+            </a:r>
+            <a:r>
+              <a:rPr lang="en-US" sz="1400" dirty="0">
+                <a:latin typeface="Times New Roman" panose="02020603050405020304" pitchFamily="18" charset="0"/>
+                <a:cs typeface="Times New Roman" panose="02020603050405020304" pitchFamily="18" charset="0"/>
+              </a:rPr>
+              <a:t>, "Cybersecurity awareness for children: A systematic literature review," International Journal of Child-Computer Interaction, vol. 30, 2021.</a:t>
             </a:r>
           </a:p>
         </p:txBody>
@@ -13977,10 +14158,10 @@
       </p:grpSpPr>
       <p:sp>
         <p:nvSpPr>
-          <p:cNvPr id="4" name="Title 3">
+          <p:cNvPr id="2" name="Title 1">
             <a:extLst>
               <a:ext uri="{FF2B5EF4-FFF2-40B4-BE49-F238E27FC236}">
-                <a16:creationId xmlns:a16="http://schemas.microsoft.com/office/drawing/2014/main" id="{D8711200-5F3E-46DD-8D4E-6F6911FD6A0D}"/>
+                <a16:creationId xmlns:a16="http://schemas.microsoft.com/office/drawing/2014/main" id="{9D136932-558C-4230-A3FA-3845F1BFF361}"/>
               </a:ext>
             </a:extLst>
           </p:cNvPr>
@@ -13993,105 +14174,27 @@
         </p:nvSpPr>
         <p:spPr>
           <a:xfrm>
-            <a:off x="1484311" y="685801"/>
-            <a:ext cx="10018713" cy="858328"/>
+            <a:off x="1086643" y="2552700"/>
+            <a:ext cx="10018713" cy="1752599"/>
           </a:xfrm>
         </p:spPr>
         <p:txBody>
           <a:bodyPr/>
           <a:lstStyle/>
           <a:p>
-            <a:pPr algn="l"/>
-            <a:r>
-              <a:rPr lang="en-US" b="1" dirty="0">
-                <a:latin typeface="Times New Roman" panose="02020603050405020304" pitchFamily="18" charset="0"/>
-                <a:cs typeface="Times New Roman" panose="02020603050405020304" pitchFamily="18" charset="0"/>
-              </a:rPr>
-              <a:t>Reference</a:t>
+            <a:r>
+              <a:rPr lang="en-US" dirty="0"/>
+              <a:t>Thank You</a:t>
             </a:r>
           </a:p>
         </p:txBody>
       </p:sp>
       <p:sp>
         <p:nvSpPr>
-          <p:cNvPr id="5" name="Content Placeholder 4">
+          <p:cNvPr id="4" name="Slide Number Placeholder 3">
             <a:extLst>
               <a:ext uri="{FF2B5EF4-FFF2-40B4-BE49-F238E27FC236}">
-                <a16:creationId xmlns:a16="http://schemas.microsoft.com/office/drawing/2014/main" id="{F2D0C8FE-5D0A-4EF5-B953-9434B0E10AE4}"/>
-              </a:ext>
-            </a:extLst>
-          </p:cNvPr>
-          <p:cNvSpPr>
-            <a:spLocks noGrp="1"/>
-          </p:cNvSpPr>
-          <p:nvPr>
-            <p:ph idx="1"/>
-          </p:nvPr>
-        </p:nvSpPr>
-        <p:spPr>
-          <a:xfrm>
-            <a:off x="1484310" y="1544129"/>
-            <a:ext cx="10018713" cy="5072331"/>
-          </a:xfrm>
-        </p:spPr>
-        <p:txBody>
-          <a:bodyPr>
-            <a:noAutofit/>
-          </a:bodyPr>
-          <a:lstStyle/>
-          <a:p>
-            <a:r>
-              <a:rPr lang="en-US" sz="2000" dirty="0">
-                <a:latin typeface="Times New Roman" panose="02020603050405020304" pitchFamily="18" charset="0"/>
-                <a:cs typeface="Times New Roman" panose="02020603050405020304" pitchFamily="18" charset="0"/>
-              </a:rPr>
-              <a:t>[12]J. Johnson, "Statista," 06 May 2021. [Online]. Available: https://www.statista.com/statistics/1189204/us-teens-children-screen-time-daily-coronavirus-before-during/. [Accessed 08 November 2021].</a:t>
-            </a:r>
-          </a:p>
-          <a:p>
-            <a:r>
-              <a:rPr lang="en-US" sz="2000" dirty="0">
-                <a:latin typeface="Times New Roman" panose="02020603050405020304" pitchFamily="18" charset="0"/>
-                <a:cs typeface="Times New Roman" panose="02020603050405020304" pitchFamily="18" charset="0"/>
-              </a:rPr>
-              <a:t>[13]Unicef, "Unicef," Unicef, 04 February 2021. [Online]. Available: https://www.unicef.org/coronavirus/keep-your-child-safe-online-at-home-covid-19. [Accessed 10 November 2021].</a:t>
-            </a:r>
-          </a:p>
-          <a:p>
-            <a:r>
-              <a:rPr lang="en-US" sz="2000" dirty="0">
-                <a:latin typeface="Times New Roman" panose="02020603050405020304" pitchFamily="18" charset="0"/>
-                <a:cs typeface="Times New Roman" panose="02020603050405020304" pitchFamily="18" charset="0"/>
-              </a:rPr>
-              <a:t>[14]H. M. Jawad and S. Tout, "IEEE Xplore," in Introducing a Mobile App to Increase Cybersecurity Awareness in MENA, Dubai, 2021. </a:t>
-            </a:r>
-          </a:p>
-          <a:p>
-            <a:r>
-              <a:rPr lang="en-US" sz="2000" dirty="0">
-                <a:latin typeface="Times New Roman" panose="02020603050405020304" pitchFamily="18" charset="0"/>
-                <a:cs typeface="Times New Roman" panose="02020603050405020304" pitchFamily="18" charset="0"/>
-              </a:rPr>
-              <a:t>[15]I. M.Venter, R. J.Blignaut, K. Renaud and M. A. Venter, "Cyber security education is as essential as “the three R's”," Heliyon, vol. 5, no. 12, 2019. </a:t>
-            </a:r>
-          </a:p>
-          <a:p>
-            <a:r>
-              <a:rPr lang="en-US" sz="2000" dirty="0">
-                <a:latin typeface="Times New Roman" panose="02020603050405020304" pitchFamily="18" charset="0"/>
-                <a:cs typeface="Times New Roman" panose="02020603050405020304" pitchFamily="18" charset="0"/>
-              </a:rPr>
-              <a:t>[16]F. Quayyum, D. S.Cruzes and L. Jaccheri, "Cybersecurity awareness for children: A systematic literature review," International Journal of Child-Computer Interaction, vol. 30, 2021.</a:t>
-            </a:r>
-          </a:p>
-        </p:txBody>
-      </p:sp>
-      <p:sp>
-        <p:nvSpPr>
-          <p:cNvPr id="2" name="Slide Number Placeholder 1">
-            <a:extLst>
-              <a:ext uri="{FF2B5EF4-FFF2-40B4-BE49-F238E27FC236}">
-                <a16:creationId xmlns:a16="http://schemas.microsoft.com/office/drawing/2014/main" id="{5C26B243-A9BC-47C7-AD94-14CAC59D52FC}"/>
+                <a16:creationId xmlns:a16="http://schemas.microsoft.com/office/drawing/2014/main" id="{74534D26-702E-49FB-B00A-DDAB2E8BB0E2}"/>
               </a:ext>
             </a:extLst>
           </p:cNvPr>
@@ -14123,7 +14226,7 @@
     </p:spTree>
     <p:extLst>
       <p:ext uri="{BB962C8B-B14F-4D97-AF65-F5344CB8AC3E}">
-        <p14:creationId xmlns:p14="http://schemas.microsoft.com/office/powerpoint/2010/main" val="3680470133"/>
+        <p14:creationId xmlns:p14="http://schemas.microsoft.com/office/powerpoint/2010/main" val="2196280238"/>
       </p:ext>
     </p:extLst>
   </p:cSld>
@@ -15369,7 +15472,7 @@
           <a:p>
             <a:r>
               <a:rPr lang="en-US" dirty="0"/>
-              <a:t>Thank You</a:t>
+              <a:t>Questions ?</a:t>
             </a:r>
           </a:p>
         </p:txBody>
@@ -15403,103 +15506,6 @@
             <a:fld id="{AB265669-9768-4162-B261-757C55BCE5B3}" type="slidenum">
               <a:rPr lang="en-US" smtClean="0"/>
               <a:t>19</a:t>
-            </a:fld>
-            <a:endParaRPr lang="en-US" dirty="0"/>
-          </a:p>
-        </p:txBody>
-      </p:sp>
-    </p:spTree>
-    <p:extLst>
-      <p:ext uri="{BB962C8B-B14F-4D97-AF65-F5344CB8AC3E}">
-        <p14:creationId xmlns:p14="http://schemas.microsoft.com/office/powerpoint/2010/main" val="2196280238"/>
-      </p:ext>
-    </p:extLst>
-  </p:cSld>
-  <p:clrMapOvr>
-    <a:masterClrMapping/>
-  </p:clrMapOvr>
-</p:sld>
-</file>
-
-<file path=ppt/slides/slide21.xml><?xml version="1.0" encoding="utf-8"?>
-<p:sld xmlns:a="http://schemas.openxmlformats.org/drawingml/2006/main" xmlns:r="http://schemas.openxmlformats.org/officeDocument/2006/relationships" xmlns:p="http://schemas.openxmlformats.org/presentationml/2006/main">
-  <p:cSld>
-    <p:spTree>
-      <p:nvGrpSpPr>
-        <p:cNvPr id="1" name=""/>
-        <p:cNvGrpSpPr/>
-        <p:nvPr/>
-      </p:nvGrpSpPr>
-      <p:grpSpPr>
-        <a:xfrm>
-          <a:off x="0" y="0"/>
-          <a:ext cx="0" cy="0"/>
-          <a:chOff x="0" y="0"/>
-          <a:chExt cx="0" cy="0"/>
-        </a:xfrm>
-      </p:grpSpPr>
-      <p:sp>
-        <p:nvSpPr>
-          <p:cNvPr id="2" name="Title 1">
-            <a:extLst>
-              <a:ext uri="{FF2B5EF4-FFF2-40B4-BE49-F238E27FC236}">
-                <a16:creationId xmlns:a16="http://schemas.microsoft.com/office/drawing/2014/main" id="{9D136932-558C-4230-A3FA-3845F1BFF361}"/>
-              </a:ext>
-            </a:extLst>
-          </p:cNvPr>
-          <p:cNvSpPr>
-            <a:spLocks noGrp="1"/>
-          </p:cNvSpPr>
-          <p:nvPr>
-            <p:ph type="title"/>
-          </p:nvPr>
-        </p:nvSpPr>
-        <p:spPr>
-          <a:xfrm>
-            <a:off x="1086643" y="2552700"/>
-            <a:ext cx="10018713" cy="1752599"/>
-          </a:xfrm>
-        </p:spPr>
-        <p:txBody>
-          <a:bodyPr/>
-          <a:lstStyle/>
-          <a:p>
-            <a:r>
-              <a:rPr lang="en-US" dirty="0"/>
-              <a:t>Questions ?</a:t>
-            </a:r>
-          </a:p>
-        </p:txBody>
-      </p:sp>
-      <p:sp>
-        <p:nvSpPr>
-          <p:cNvPr id="4" name="Slide Number Placeholder 3">
-            <a:extLst>
-              <a:ext uri="{FF2B5EF4-FFF2-40B4-BE49-F238E27FC236}">
-                <a16:creationId xmlns:a16="http://schemas.microsoft.com/office/drawing/2014/main" id="{74534D26-702E-49FB-B00A-DDAB2E8BB0E2}"/>
-              </a:ext>
-            </a:extLst>
-          </p:cNvPr>
-          <p:cNvSpPr>
-            <a:spLocks noGrp="1"/>
-          </p:cNvSpPr>
-          <p:nvPr>
-            <p:ph type="sldNum" sz="quarter" idx="12"/>
-          </p:nvPr>
-        </p:nvSpPr>
-        <p:spPr>
-          <a:xfrm>
-            <a:off x="10951856" y="5867131"/>
-            <a:ext cx="551167" cy="365125"/>
-          </a:xfrm>
-        </p:spPr>
-        <p:txBody>
-          <a:bodyPr/>
-          <a:lstStyle/>
-          <a:p>
-            <a:fld id="{AB265669-9768-4162-B261-757C55BCE5B3}" type="slidenum">
-              <a:rPr lang="en-US" smtClean="0"/>
-              <a:t>20</a:t>
             </a:fld>
             <a:endParaRPr lang="en-US" dirty="0"/>
           </a:p>
@@ -15629,7 +15635,7 @@
                 <a:latin typeface="Times New Roman" panose="02020603050405020304" pitchFamily="18" charset="0"/>
                 <a:cs typeface="Times New Roman" panose="02020603050405020304" pitchFamily="18" charset="0"/>
               </a:rPr>
-              <a:t>Architecture</a:t>
+              <a:t>Block Diagram</a:t>
             </a:r>
           </a:p>
           <a:p>
@@ -16434,7 +16440,7 @@
             <a:pPr algn="l"/>
             <a:r>
               <a:rPr lang="en-US" dirty="0"/>
-              <a:t>Architecture</a:t>
+              <a:t>Block Diagram</a:t>
             </a:r>
             <a:endParaRPr lang="en-US" b="1" dirty="0">
               <a:latin typeface="Times New Roman" panose="02020603050405020304" pitchFamily="18" charset="0"/>
@@ -16459,7 +16465,7 @@
             <p:ph idx="1"/>
             <p:extLst>
               <p:ext uri="{D42A27DB-BD31-4B8C-83A1-F6EECF244321}">
-                <p14:modId xmlns:p14="http://schemas.microsoft.com/office/powerpoint/2010/main" val="4218983991"/>
+                <p14:modId xmlns:p14="http://schemas.microsoft.com/office/powerpoint/2010/main" val="1198063928"/>
               </p:ext>
             </p:extLst>
           </p:nvPr>

--- a/Graduation_Project_Presentation_FinalSeminar.pptx
+++ b/Graduation_Project_Presentation_FinalSeminar.pptx
@@ -5,7 +5,7 @@
     <p:sldMasterId id="2147483755" r:id="rId1"/>
   </p:sldMasterIdLst>
   <p:notesMasterIdLst>
-    <p:notesMasterId r:id="rId22"/>
+    <p:notesMasterId r:id="rId23"/>
   </p:notesMasterIdLst>
   <p:sldIdLst>
     <p:sldId id="269" r:id="rId2"/>
@@ -16,18 +16,19 @@
     <p:sldId id="270" r:id="rId7"/>
     <p:sldId id="266" r:id="rId8"/>
     <p:sldId id="263" r:id="rId9"/>
-    <p:sldId id="284" r:id="rId10"/>
-    <p:sldId id="281" r:id="rId11"/>
-    <p:sldId id="286" r:id="rId12"/>
-    <p:sldId id="283" r:id="rId13"/>
-    <p:sldId id="260" r:id="rId14"/>
-    <p:sldId id="288" r:id="rId15"/>
-    <p:sldId id="273" r:id="rId16"/>
-    <p:sldId id="279" r:id="rId17"/>
-    <p:sldId id="265" r:id="rId18"/>
-    <p:sldId id="274" r:id="rId19"/>
-    <p:sldId id="280" r:id="rId20"/>
-    <p:sldId id="276" r:id="rId21"/>
+    <p:sldId id="268" r:id="rId10"/>
+    <p:sldId id="284" r:id="rId11"/>
+    <p:sldId id="281" r:id="rId12"/>
+    <p:sldId id="286" r:id="rId13"/>
+    <p:sldId id="283" r:id="rId14"/>
+    <p:sldId id="260" r:id="rId15"/>
+    <p:sldId id="288" r:id="rId16"/>
+    <p:sldId id="273" r:id="rId17"/>
+    <p:sldId id="279" r:id="rId18"/>
+    <p:sldId id="265" r:id="rId19"/>
+    <p:sldId id="274" r:id="rId20"/>
+    <p:sldId id="280" r:id="rId21"/>
+    <p:sldId id="276" r:id="rId22"/>
   </p:sldIdLst>
   <p:sldSz cx="12192000" cy="6858000"/>
   <p:notesSz cx="6858000" cy="9144000"/>
@@ -1077,16 +1078,12 @@
         <a:lstStyle/>
         <a:p>
           <a:r>
-            <a:rPr lang="en-US" sz="1400">
+            <a:rPr lang="en-US" sz="1400" dirty="0">
               <a:latin typeface="Times New Roman" panose="02020603050405020304" pitchFamily="18" charset="0"/>
               <a:cs typeface="Times New Roman" panose="02020603050405020304" pitchFamily="18" charset="0"/>
             </a:rPr>
             <a:t>Goal</a:t>
           </a:r>
-          <a:endParaRPr lang="en-US" sz="1400" dirty="0">
-            <a:latin typeface="Times New Roman" panose="02020603050405020304" pitchFamily="18" charset="0"/>
-            <a:cs typeface="Times New Roman" panose="02020603050405020304" pitchFamily="18" charset="0"/>
-          </a:endParaRPr>
         </a:p>
       </dgm:t>
     </dgm:pt>
@@ -1290,17 +1287,9 @@
       <dgm:prSet phldrT="[Text]" custT="1"/>
       <dgm:spPr>
         <a:ln>
-          <a:gradFill>
-            <a:gsLst>
-              <a:gs pos="0">
-                <a:srgbClr val="00B050"/>
-              </a:gs>
-              <a:gs pos="100000">
-                <a:srgbClr val="FF0000"/>
-              </a:gs>
-            </a:gsLst>
-            <a:lin ang="5400000" scaled="1"/>
-          </a:gradFill>
+          <a:solidFill>
+            <a:srgbClr val="00B050"/>
+          </a:solidFill>
         </a:ln>
       </dgm:spPr>
       <dgm:t>
@@ -1418,17 +1407,9 @@
     <dgm:pt modelId="{0D0FE3B6-D061-421F-B175-74368D305D3D}" type="pres">
       <dgm:prSet presAssocID="{37F80A24-7385-468B-9BBC-DAF939BF2391}" presName="background3" presStyleLbl="node3" presStyleIdx="0" presStyleCnt="7"/>
       <dgm:spPr>
-        <a:gradFill rotWithShape="0">
-          <a:gsLst>
-            <a:gs pos="0">
-              <a:srgbClr val="00B050"/>
-            </a:gs>
-            <a:gs pos="100000">
-              <a:srgbClr val="FF0000"/>
-            </a:gs>
-          </a:gsLst>
-          <a:lin ang="5400000" scaled="1"/>
-        </a:gradFill>
+        <a:solidFill>
+          <a:srgbClr val="00B050"/>
+        </a:solidFill>
       </dgm:spPr>
     </dgm:pt>
     <dgm:pt modelId="{153B7127-5B8F-472B-9247-D3D097252336}" type="pres">
@@ -2598,17 +2579,9 @@
             <a:gd name="adj" fmla="val 10000"/>
           </a:avLst>
         </a:prstGeom>
-        <a:gradFill rotWithShape="0">
-          <a:gsLst>
-            <a:gs pos="0">
-              <a:srgbClr val="00B050"/>
-            </a:gs>
-            <a:gs pos="100000">
-              <a:srgbClr val="FF0000"/>
-            </a:gs>
-          </a:gsLst>
-          <a:lin ang="5400000" scaled="1"/>
-        </a:gradFill>
+        <a:solidFill>
+          <a:srgbClr val="00B050"/>
+        </a:solidFill>
         <a:ln w="15875" cap="rnd" cmpd="sng" algn="ctr">
           <a:solidFill>
             <a:schemeClr val="lt1">
@@ -2662,17 +2635,9 @@
           </a:schemeClr>
         </a:solidFill>
         <a:ln w="15875" cap="rnd" cmpd="sng" algn="ctr">
-          <a:gradFill>
-            <a:gsLst>
-              <a:gs pos="0">
-                <a:srgbClr val="00B050"/>
-              </a:gs>
-              <a:gs pos="100000">
-                <a:srgbClr val="FF0000"/>
-              </a:gs>
-            </a:gsLst>
-            <a:lin ang="5400000" scaled="1"/>
-          </a:gradFill>
+          <a:solidFill>
+            <a:srgbClr val="00B050"/>
+          </a:solidFill>
           <a:prstDash val="solid"/>
         </a:ln>
         <a:effectLst/>
@@ -3074,16 +3039,12 @@
             <a:buNone/>
           </a:pPr>
           <a:r>
-            <a:rPr lang="en-US" sz="1400" kern="1200">
+            <a:rPr lang="en-US" sz="1400" kern="1200" dirty="0">
               <a:latin typeface="Times New Roman" panose="02020603050405020304" pitchFamily="18" charset="0"/>
               <a:cs typeface="Times New Roman" panose="02020603050405020304" pitchFamily="18" charset="0"/>
             </a:rPr>
             <a:t>Goal</a:t>
           </a:r>
-          <a:endParaRPr lang="en-US" sz="1400" kern="1200" dirty="0">
-            <a:latin typeface="Times New Roman" panose="02020603050405020304" pitchFamily="18" charset="0"/>
-            <a:cs typeface="Times New Roman" panose="02020603050405020304" pitchFamily="18" charset="0"/>
-          </a:endParaRPr>
         </a:p>
       </dsp:txBody>
       <dsp:txXfrm>
@@ -11969,6 +11930,258 @@
                 <a:latin typeface="Times New Roman" panose="02020603050405020304" pitchFamily="18" charset="0"/>
                 <a:cs typeface="Times New Roman" panose="02020603050405020304" pitchFamily="18" charset="0"/>
               </a:rPr>
+              <a:t>Objectives</a:t>
+            </a:r>
+          </a:p>
+        </p:txBody>
+      </p:sp>
+      <p:sp>
+        <p:nvSpPr>
+          <p:cNvPr id="5" name="Content Placeholder 4">
+            <a:extLst>
+              <a:ext uri="{FF2B5EF4-FFF2-40B4-BE49-F238E27FC236}">
+                <a16:creationId xmlns:a16="http://schemas.microsoft.com/office/drawing/2014/main" id="{F2D0C8FE-5D0A-4EF5-B953-9434B0E10AE4}"/>
+              </a:ext>
+            </a:extLst>
+          </p:cNvPr>
+          <p:cNvSpPr>
+            <a:spLocks noGrp="1"/>
+          </p:cNvSpPr>
+          <p:nvPr>
+            <p:ph idx="1"/>
+          </p:nvPr>
+        </p:nvSpPr>
+        <p:spPr>
+          <a:xfrm>
+            <a:off x="1484310" y="1639019"/>
+            <a:ext cx="10018713" cy="4347713"/>
+          </a:xfrm>
+        </p:spPr>
+        <p:txBody>
+          <a:bodyPr>
+            <a:normAutofit/>
+          </a:bodyPr>
+          <a:lstStyle/>
+          <a:p>
+            <a:pPr algn="just">
+              <a:lnSpc>
+                <a:spcPct val="115000"/>
+              </a:lnSpc>
+              <a:spcBef>
+                <a:spcPts val="0"/>
+              </a:spcBef>
+              <a:spcAft>
+                <a:spcPts val="1000"/>
+              </a:spcAft>
+              <a:buSzPct val="100000"/>
+            </a:pPr>
+            <a:r>
+              <a:rPr lang="en-US" sz="2600" dirty="0">
+                <a:effectLst/>
+                <a:latin typeface="Times New Roman" panose="02020603050405020304" pitchFamily="18" charset="0"/>
+                <a:ea typeface="Times New Roman" panose="02020603050405020304" pitchFamily="18" charset="0"/>
+                <a:cs typeface="Times New Roman" panose="02020603050405020304" pitchFamily="18" charset="0"/>
+              </a:rPr>
+              <a:t>Offering a gamified and enjoyable way for kids to learn about cyber security threats and attacks. </a:t>
+            </a:r>
+          </a:p>
+          <a:p>
+            <a:pPr algn="just">
+              <a:lnSpc>
+                <a:spcPct val="115000"/>
+              </a:lnSpc>
+              <a:spcBef>
+                <a:spcPts val="0"/>
+              </a:spcBef>
+              <a:spcAft>
+                <a:spcPts val="1000"/>
+              </a:spcAft>
+              <a:buSzPct val="100000"/>
+            </a:pPr>
+            <a:r>
+              <a:rPr lang="en-US" sz="2600" dirty="0">
+                <a:effectLst/>
+                <a:latin typeface="Times New Roman" panose="02020603050405020304" pitchFamily="18" charset="0"/>
+                <a:ea typeface="Times New Roman" panose="02020603050405020304" pitchFamily="18" charset="0"/>
+                <a:cs typeface="Times New Roman" panose="02020603050405020304" pitchFamily="18" charset="0"/>
+              </a:rPr>
+              <a:t>Provide a simple yet effective means of reporting security attacks.</a:t>
+            </a:r>
+          </a:p>
+          <a:p>
+            <a:pPr algn="just">
+              <a:lnSpc>
+                <a:spcPct val="115000"/>
+              </a:lnSpc>
+              <a:spcBef>
+                <a:spcPts val="0"/>
+              </a:spcBef>
+              <a:spcAft>
+                <a:spcPts val="1000"/>
+              </a:spcAft>
+              <a:buSzPct val="100000"/>
+            </a:pPr>
+            <a:r>
+              <a:rPr lang="en-US" sz="2600" dirty="0">
+                <a:effectLst/>
+                <a:latin typeface="Times New Roman" panose="02020603050405020304" pitchFamily="18" charset="0"/>
+                <a:ea typeface="Times New Roman" panose="02020603050405020304" pitchFamily="18" charset="0"/>
+                <a:cs typeface="Times New Roman" panose="02020603050405020304" pitchFamily="18" charset="0"/>
+              </a:rPr>
+              <a:t>Implementing practical hands-on experience.</a:t>
+            </a:r>
+            <a:endParaRPr lang="en-US" sz="2600" dirty="0">
+              <a:effectLst/>
+              <a:latin typeface="Times New Roman" panose="02020603050405020304" pitchFamily="18" charset="0"/>
+              <a:ea typeface="Calibri" panose="020F0502020204030204" pitchFamily="34" charset="0"/>
+              <a:cs typeface="Times New Roman" panose="02020603050405020304" pitchFamily="18" charset="0"/>
+            </a:endParaRPr>
+          </a:p>
+        </p:txBody>
+      </p:sp>
+      <p:pic>
+        <p:nvPicPr>
+          <p:cNvPr id="8196" name="Picture 4">
+            <a:extLst>
+              <a:ext uri="{FF2B5EF4-FFF2-40B4-BE49-F238E27FC236}">
+                <a16:creationId xmlns:a16="http://schemas.microsoft.com/office/drawing/2014/main" id="{BC9EF16D-A816-4F13-9B89-7F98CE8411BE}"/>
+              </a:ext>
+            </a:extLst>
+          </p:cNvPr>
+          <p:cNvPicPr>
+            <a:picLocks noChangeAspect="1" noChangeArrowheads="1"/>
+          </p:cNvPicPr>
+          <p:nvPr/>
+        </p:nvPicPr>
+        <p:blipFill>
+          <a:blip r:embed="rId2">
+            <a:extLst>
+              <a:ext uri="{28A0092B-C50C-407E-A947-70E740481C1C}">
+                <a14:useLocalDpi xmlns:a14="http://schemas.microsoft.com/office/drawing/2010/main" val="0"/>
+              </a:ext>
+            </a:extLst>
+          </a:blip>
+          <a:srcRect/>
+          <a:stretch>
+            <a:fillRect/>
+          </a:stretch>
+        </p:blipFill>
+        <p:spPr bwMode="auto">
+          <a:xfrm>
+            <a:off x="8440646" y="643957"/>
+            <a:ext cx="3062377" cy="1800343"/>
+          </a:xfrm>
+          <a:prstGeom prst="rect">
+            <a:avLst/>
+          </a:prstGeom>
+          <a:noFill/>
+          <a:extLst>
+            <a:ext uri="{909E8E84-426E-40DD-AFC4-6F175D3DCCD1}">
+              <a14:hiddenFill xmlns:a14="http://schemas.microsoft.com/office/drawing/2010/main">
+                <a:solidFill>
+                  <a:srgbClr val="FFFFFF"/>
+                </a:solidFill>
+              </a14:hiddenFill>
+            </a:ext>
+          </a:extLst>
+        </p:spPr>
+      </p:pic>
+      <p:sp>
+        <p:nvSpPr>
+          <p:cNvPr id="2" name="Slide Number Placeholder 1">
+            <a:extLst>
+              <a:ext uri="{FF2B5EF4-FFF2-40B4-BE49-F238E27FC236}">
+                <a16:creationId xmlns:a16="http://schemas.microsoft.com/office/drawing/2014/main" id="{EF69167D-CB89-4C05-A6AA-05C9B76A2AFB}"/>
+              </a:ext>
+            </a:extLst>
+          </p:cNvPr>
+          <p:cNvSpPr>
+            <a:spLocks noGrp="1"/>
+          </p:cNvSpPr>
+          <p:nvPr>
+            <p:ph type="sldNum" sz="quarter" idx="12"/>
+          </p:nvPr>
+        </p:nvSpPr>
+        <p:spPr>
+          <a:xfrm>
+            <a:off x="10951856" y="5867131"/>
+            <a:ext cx="551167" cy="365125"/>
+          </a:xfrm>
+        </p:spPr>
+        <p:txBody>
+          <a:bodyPr/>
+          <a:lstStyle/>
+          <a:p>
+            <a:fld id="{AB265669-9768-4162-B261-757C55BCE5B3}" type="slidenum">
+              <a:rPr lang="en-US" smtClean="0"/>
+              <a:t>9</a:t>
+            </a:fld>
+            <a:endParaRPr lang="en-US" dirty="0"/>
+          </a:p>
+        </p:txBody>
+      </p:sp>
+    </p:spTree>
+    <p:extLst>
+      <p:ext uri="{BB962C8B-B14F-4D97-AF65-F5344CB8AC3E}">
+        <p14:creationId xmlns:p14="http://schemas.microsoft.com/office/powerpoint/2010/main" val="2919576866"/>
+      </p:ext>
+    </p:extLst>
+  </p:cSld>
+  <p:clrMapOvr>
+    <a:masterClrMapping/>
+  </p:clrMapOvr>
+</p:sld>
+</file>
+
+<file path=ppt/slides/slide11.xml><?xml version="1.0" encoding="utf-8"?>
+<p:sld xmlns:a="http://schemas.openxmlformats.org/drawingml/2006/main" xmlns:r="http://schemas.openxmlformats.org/officeDocument/2006/relationships" xmlns:p="http://schemas.openxmlformats.org/presentationml/2006/main">
+  <p:cSld>
+    <p:spTree>
+      <p:nvGrpSpPr>
+        <p:cNvPr id="1" name=""/>
+        <p:cNvGrpSpPr/>
+        <p:nvPr/>
+      </p:nvGrpSpPr>
+      <p:grpSpPr>
+        <a:xfrm>
+          <a:off x="0" y="0"/>
+          <a:ext cx="0" cy="0"/>
+          <a:chOff x="0" y="0"/>
+          <a:chExt cx="0" cy="0"/>
+        </a:xfrm>
+      </p:grpSpPr>
+      <p:sp>
+        <p:nvSpPr>
+          <p:cNvPr id="4" name="Title 3">
+            <a:extLst>
+              <a:ext uri="{FF2B5EF4-FFF2-40B4-BE49-F238E27FC236}">
+                <a16:creationId xmlns:a16="http://schemas.microsoft.com/office/drawing/2014/main" id="{D8711200-5F3E-46DD-8D4E-6F6911FD6A0D}"/>
+              </a:ext>
+            </a:extLst>
+          </p:cNvPr>
+          <p:cNvSpPr>
+            <a:spLocks noGrp="1"/>
+          </p:cNvSpPr>
+          <p:nvPr>
+            <p:ph type="title"/>
+          </p:nvPr>
+        </p:nvSpPr>
+        <p:spPr>
+          <a:xfrm>
+            <a:off x="1484311" y="685801"/>
+            <a:ext cx="10018713" cy="858328"/>
+          </a:xfrm>
+        </p:spPr>
+        <p:txBody>
+          <a:bodyPr/>
+          <a:lstStyle/>
+          <a:p>
+            <a:pPr algn="l"/>
+            <a:r>
+              <a:rPr lang="en-US" b="1" dirty="0">
+                <a:latin typeface="Times New Roman" panose="02020603050405020304" pitchFamily="18" charset="0"/>
+                <a:cs typeface="Times New Roman" panose="02020603050405020304" pitchFamily="18" charset="0"/>
+              </a:rPr>
               <a:t>Main Functions</a:t>
             </a:r>
           </a:p>
@@ -12002,7 +12215,7 @@
           <a:p>
             <a:fld id="{AB265669-9768-4162-B261-757C55BCE5B3}" type="slidenum">
               <a:rPr lang="en-US" smtClean="0"/>
-              <a:t>9</a:t>
+              <a:t>10</a:t>
             </a:fld>
             <a:endParaRPr lang="en-US" dirty="0"/>
           </a:p>
@@ -12086,7 +12299,7 @@
                 <a:latin typeface="Times New Roman" panose="02020603050405020304" pitchFamily="18" charset="0"/>
                 <a:cs typeface="Times New Roman" panose="02020603050405020304" pitchFamily="18" charset="0"/>
               </a:rPr>
-              <a:t>According to NIST Security Threat Model</a:t>
+              <a:t>According to NIST</a:t>
             </a:r>
           </a:p>
           <a:p>
@@ -12141,19 +12354,8 @@
                 <a:latin typeface="Times New Roman" panose="02020603050405020304" pitchFamily="18" charset="0"/>
                 <a:cs typeface="Times New Roman" panose="02020603050405020304" pitchFamily="18" charset="0"/>
               </a:rPr>
-              <a:t>Restrict commonly used passwords (e.g. p@ssw0rd, </a:t>
-            </a:r>
-            <a:r>
-              <a:rPr lang="en-US" sz="1700">
-                <a:latin typeface="Times New Roman" panose="02020603050405020304" pitchFamily="18" charset="0"/>
-                <a:cs typeface="Times New Roman" panose="02020603050405020304" pitchFamily="18" charset="0"/>
-              </a:rPr>
-              <a:t>etc.).</a:t>
-            </a:r>
-            <a:endParaRPr lang="en-US" sz="1700" dirty="0">
-              <a:latin typeface="Times New Roman" panose="02020603050405020304" pitchFamily="18" charset="0"/>
-              <a:cs typeface="Times New Roman" panose="02020603050405020304" pitchFamily="18" charset="0"/>
-            </a:endParaRPr>
+              <a:t>Restrict commonly used passwords (e.g. p@ssw0rd, etc.).</a:t>
+            </a:r>
           </a:p>
         </p:txBody>
       </p:sp>
@@ -12170,7 +12372,7 @@
 </p:sld>
 </file>
 
-<file path=ppt/slides/slide11.xml><?xml version="1.0" encoding="utf-8"?>
+<file path=ppt/slides/slide12.xml><?xml version="1.0" encoding="utf-8"?>
 <p:sld xmlns:a="http://schemas.openxmlformats.org/drawingml/2006/main" xmlns:r="http://schemas.openxmlformats.org/officeDocument/2006/relationships" xmlns:p="http://schemas.openxmlformats.org/presentationml/2006/main">
   <p:cSld>
     <p:spTree>
@@ -12252,7 +12454,7 @@
           <a:p>
             <a:fld id="{AB265669-9768-4162-B261-757C55BCE5B3}" type="slidenum">
               <a:rPr lang="en-US" smtClean="0"/>
-              <a:t>10</a:t>
+              <a:t>11</a:t>
             </a:fld>
             <a:endParaRPr lang="en-US" dirty="0"/>
           </a:p>
@@ -12336,7 +12538,7 @@
                 <a:latin typeface="Times New Roman" panose="02020603050405020304" pitchFamily="18" charset="0"/>
                 <a:cs typeface="Times New Roman" panose="02020603050405020304" pitchFamily="18" charset="0"/>
               </a:rPr>
-              <a:t>According to NIST Security Threat Model</a:t>
+              <a:t>According to NIST</a:t>
             </a:r>
           </a:p>
           <a:p>
@@ -12375,7 +12577,7 @@
 </p:sld>
 </file>
 
-<file path=ppt/slides/slide12.xml><?xml version="1.0" encoding="utf-8"?>
+<file path=ppt/slides/slide13.xml><?xml version="1.0" encoding="utf-8"?>
 <p:sld xmlns:a="http://schemas.openxmlformats.org/drawingml/2006/main" xmlns:r="http://schemas.openxmlformats.org/officeDocument/2006/relationships" xmlns:p="http://schemas.openxmlformats.org/presentationml/2006/main">
   <p:cSld>
     <p:spTree>
@@ -12457,7 +12659,7 @@
           <a:p>
             <a:fld id="{AB265669-9768-4162-B261-757C55BCE5B3}" type="slidenum">
               <a:rPr lang="en-US" smtClean="0"/>
-              <a:t>11</a:t>
+              <a:t>12</a:t>
             </a:fld>
             <a:endParaRPr lang="en-US" dirty="0"/>
           </a:p>
@@ -12541,7 +12743,7 @@
                 <a:latin typeface="Times New Roman" panose="02020603050405020304" pitchFamily="18" charset="0"/>
                 <a:cs typeface="Times New Roman" panose="02020603050405020304" pitchFamily="18" charset="0"/>
               </a:rPr>
-              <a:t>According to NIST Security Threat Model</a:t>
+              <a:t>According to NIST</a:t>
             </a:r>
           </a:p>
           <a:p>
@@ -12628,7 +12830,7 @@
 </p:sld>
 </file>
 
-<file path=ppt/slides/slide13.xml><?xml version="1.0" encoding="utf-8"?>
+<file path=ppt/slides/slide14.xml><?xml version="1.0" encoding="utf-8"?>
 <p:sld xmlns:a="http://schemas.openxmlformats.org/drawingml/2006/main" xmlns:r="http://schemas.openxmlformats.org/officeDocument/2006/relationships" xmlns:p="http://schemas.openxmlformats.org/presentationml/2006/main">
   <p:cSld>
     <p:spTree>
@@ -12738,7 +12940,7 @@
           <a:p>
             <a:fld id="{AB265669-9768-4162-B261-757C55BCE5B3}" type="slidenum">
               <a:rPr lang="en-US" smtClean="0"/>
-              <a:t>12</a:t>
+              <a:t>13</a:t>
             </a:fld>
             <a:endParaRPr lang="en-US" dirty="0"/>
           </a:p>
@@ -12832,7 +13034,7 @@
 </p:sld>
 </file>
 
-<file path=ppt/slides/slide14.xml><?xml version="1.0" encoding="utf-8"?>
+<file path=ppt/slides/slide15.xml><?xml version="1.0" encoding="utf-8"?>
 <p:sld xmlns:a="http://schemas.openxmlformats.org/drawingml/2006/main" xmlns:r="http://schemas.openxmlformats.org/officeDocument/2006/relationships" xmlns:p="http://schemas.openxmlformats.org/presentationml/2006/main">
   <p:cSld>
     <p:spTree>
@@ -12924,7 +13126,7 @@
                 <a:latin typeface="Times New Roman" panose="02020603050405020304" pitchFamily="18" charset="0"/>
                 <a:cs typeface="Times New Roman" panose="02020603050405020304" pitchFamily="18" charset="0"/>
               </a:rPr>
-              <a:t>Making scenario that can be related to children.</a:t>
+              <a:t>Making scenarios that children can relate to.</a:t>
             </a:r>
           </a:p>
           <a:p>
@@ -13018,7 +13220,7 @@
           <a:p>
             <a:fld id="{AB265669-9768-4162-B261-757C55BCE5B3}" type="slidenum">
               <a:rPr lang="en-US" smtClean="0"/>
-              <a:t>13</a:t>
+              <a:t>14</a:t>
             </a:fld>
             <a:endParaRPr lang="en-US" dirty="0"/>
           </a:p>
@@ -13037,7 +13239,7 @@
 </p:sld>
 </file>
 
-<file path=ppt/slides/slide15.xml><?xml version="1.0" encoding="utf-8"?>
+<file path=ppt/slides/slide16.xml><?xml version="1.0" encoding="utf-8"?>
 <p:sld xmlns:a="http://schemas.openxmlformats.org/drawingml/2006/main" xmlns:r="http://schemas.openxmlformats.org/officeDocument/2006/relationships" xmlns:p="http://schemas.openxmlformats.org/presentationml/2006/main">
   <p:cSld>
     <p:spTree>
@@ -13115,7 +13317,7 @@
           <a:p>
             <a:fld id="{AB265669-9768-4162-B261-757C55BCE5B3}" type="slidenum">
               <a:rPr lang="en-US" smtClean="0"/>
-              <a:t>14</a:t>
+              <a:t>15</a:t>
             </a:fld>
             <a:endParaRPr lang="en-US" dirty="0"/>
           </a:p>
@@ -13134,7 +13336,7 @@
 </p:sld>
 </file>
 
-<file path=ppt/slides/slide16.xml><?xml version="1.0" encoding="utf-8"?>
+<file path=ppt/slides/slide17.xml><?xml version="1.0" encoding="utf-8"?>
 <p:sld xmlns:a="http://schemas.openxmlformats.org/drawingml/2006/main" xmlns:r="http://schemas.openxmlformats.org/officeDocument/2006/relationships" xmlns:p="http://schemas.openxmlformats.org/presentationml/2006/main">
   <p:cSld>
     <p:spTree>
@@ -13309,7 +13511,7 @@
           <a:p>
             <a:fld id="{AB265669-9768-4162-B261-757C55BCE5B3}" type="slidenum">
               <a:rPr lang="en-US" smtClean="0"/>
-              <a:t>15</a:t>
+              <a:t>16</a:t>
             </a:fld>
             <a:endParaRPr lang="en-US" dirty="0"/>
           </a:p>
@@ -13591,226 +13793,6 @@
 </p:sld>
 </file>
 
-<file path=ppt/slides/slide17.xml><?xml version="1.0" encoding="utf-8"?>
-<p:sld xmlns:a="http://schemas.openxmlformats.org/drawingml/2006/main" xmlns:r="http://schemas.openxmlformats.org/officeDocument/2006/relationships" xmlns:p="http://schemas.openxmlformats.org/presentationml/2006/main">
-  <p:cSld>
-    <p:spTree>
-      <p:nvGrpSpPr>
-        <p:cNvPr id="1" name=""/>
-        <p:cNvGrpSpPr/>
-        <p:nvPr/>
-      </p:nvGrpSpPr>
-      <p:grpSpPr>
-        <a:xfrm>
-          <a:off x="0" y="0"/>
-          <a:ext cx="0" cy="0"/>
-          <a:chOff x="0" y="0"/>
-          <a:chExt cx="0" cy="0"/>
-        </a:xfrm>
-      </p:grpSpPr>
-      <p:sp>
-        <p:nvSpPr>
-          <p:cNvPr id="4" name="Title 3">
-            <a:extLst>
-              <a:ext uri="{FF2B5EF4-FFF2-40B4-BE49-F238E27FC236}">
-                <a16:creationId xmlns:a16="http://schemas.microsoft.com/office/drawing/2014/main" id="{D8711200-5F3E-46DD-8D4E-6F6911FD6A0D}"/>
-              </a:ext>
-            </a:extLst>
-          </p:cNvPr>
-          <p:cNvSpPr>
-            <a:spLocks noGrp="1"/>
-          </p:cNvSpPr>
-          <p:nvPr>
-            <p:ph type="title"/>
-          </p:nvPr>
-        </p:nvSpPr>
-        <p:spPr>
-          <a:xfrm>
-            <a:off x="1484311" y="685801"/>
-            <a:ext cx="10018713" cy="858328"/>
-          </a:xfrm>
-        </p:spPr>
-        <p:txBody>
-          <a:bodyPr/>
-          <a:lstStyle/>
-          <a:p>
-            <a:pPr algn="l"/>
-            <a:r>
-              <a:rPr lang="en-US" b="1" dirty="0">
-                <a:latin typeface="Times New Roman" panose="02020603050405020304" pitchFamily="18" charset="0"/>
-                <a:cs typeface="Times New Roman" panose="02020603050405020304" pitchFamily="18" charset="0"/>
-              </a:rPr>
-              <a:t>Reference</a:t>
-            </a:r>
-          </a:p>
-        </p:txBody>
-      </p:sp>
-      <p:sp>
-        <p:nvSpPr>
-          <p:cNvPr id="5" name="Content Placeholder 4">
-            <a:extLst>
-              <a:ext uri="{FF2B5EF4-FFF2-40B4-BE49-F238E27FC236}">
-                <a16:creationId xmlns:a16="http://schemas.microsoft.com/office/drawing/2014/main" id="{F2D0C8FE-5D0A-4EF5-B953-9434B0E10AE4}"/>
-              </a:ext>
-            </a:extLst>
-          </p:cNvPr>
-          <p:cNvSpPr>
-            <a:spLocks noGrp="1"/>
-          </p:cNvSpPr>
-          <p:nvPr>
-            <p:ph idx="1"/>
-          </p:nvPr>
-        </p:nvSpPr>
-        <p:spPr>
-          <a:xfrm>
-            <a:off x="1484310" y="1544129"/>
-            <a:ext cx="10018713" cy="5072331"/>
-          </a:xfrm>
-        </p:spPr>
-        <p:txBody>
-          <a:bodyPr>
-            <a:noAutofit/>
-          </a:bodyPr>
-          <a:lstStyle/>
-          <a:p>
-            <a:r>
-              <a:rPr lang="en-US" sz="1400" dirty="0">
-                <a:latin typeface="Times New Roman" panose="02020603050405020304" pitchFamily="18" charset="0"/>
-                <a:cs typeface="Times New Roman" panose="02020603050405020304" pitchFamily="18" charset="0"/>
-              </a:rPr>
-              <a:t>[1]"Screen time 'may harm toddlers'", BBC News, 2019. [Online]. Available: https://www.bbc.com/news/health-47026834. [Accessed: 06- Dec- 2021].</a:t>
-            </a:r>
-          </a:p>
-          <a:p>
-            <a:r>
-              <a:rPr lang="en-US" sz="1400" dirty="0">
-                <a:latin typeface="Times New Roman" panose="02020603050405020304" pitchFamily="18" charset="0"/>
-                <a:cs typeface="Times New Roman" panose="02020603050405020304" pitchFamily="18" charset="0"/>
-              </a:rPr>
-              <a:t>[2]"Cybersecurity in Education: What Teachers, Parents and Students Should Know | Berkeley Boot Camps", Berkeley Boot Camps, 2021. [Online]. Available: https://bootcamp.berkeley.edu/blog/cybersecurity-in-education-what-teachers-parents-and-students-should-know/. [Accessed: 06- Dec- 2021].</a:t>
-            </a:r>
-          </a:p>
-          <a:p>
-            <a:r>
-              <a:rPr lang="fr-FR" sz="1400" dirty="0">
-                <a:latin typeface="Times New Roman" panose="02020603050405020304" pitchFamily="18" charset="0"/>
-                <a:cs typeface="Times New Roman" panose="02020603050405020304" pitchFamily="18" charset="0"/>
-              </a:rPr>
-              <a:t>[3]"Cybertalentskids » CyberTalents", CybertalentKids, 2021. [Online]. Available: https://cybertalentskids.com/. [Accessed: </a:t>
-            </a:r>
-            <a:r>
-              <a:rPr lang="en-US" sz="1400" dirty="0">
-                <a:latin typeface="Times New Roman" panose="02020603050405020304" pitchFamily="18" charset="0"/>
-                <a:cs typeface="Times New Roman" panose="02020603050405020304" pitchFamily="18" charset="0"/>
-              </a:rPr>
-              <a:t>06</a:t>
-            </a:r>
-            <a:r>
-              <a:rPr lang="fr-FR" sz="1400" dirty="0">
-                <a:latin typeface="Times New Roman" panose="02020603050405020304" pitchFamily="18" charset="0"/>
-                <a:cs typeface="Times New Roman" panose="02020603050405020304" pitchFamily="18" charset="0"/>
-              </a:rPr>
-              <a:t>- Dec- 2021].</a:t>
-            </a:r>
-            <a:endParaRPr lang="en-US" sz="1400" dirty="0">
-              <a:latin typeface="Times New Roman" panose="02020603050405020304" pitchFamily="18" charset="0"/>
-              <a:cs typeface="Times New Roman" panose="02020603050405020304" pitchFamily="18" charset="0"/>
-            </a:endParaRPr>
-          </a:p>
-          <a:p>
-            <a:r>
-              <a:rPr lang="en-US" sz="1400" dirty="0">
-                <a:latin typeface="Times New Roman" panose="02020603050405020304" pitchFamily="18" charset="0"/>
-                <a:cs typeface="Times New Roman" panose="02020603050405020304" pitchFamily="18" charset="0"/>
-              </a:rPr>
-              <a:t>[4]2021. [Online]. Available: https://www.esafety.gov.au/educators/classroom-resources/cybersmart-challenge. [Accessed: 06- Dec- 2021].</a:t>
-            </a:r>
-          </a:p>
-          <a:p>
-            <a:r>
-              <a:rPr lang="en-US" sz="1400" dirty="0">
-                <a:latin typeface="Times New Roman" panose="02020603050405020304" pitchFamily="18" charset="0"/>
-                <a:cs typeface="Times New Roman" panose="02020603050405020304" pitchFamily="18" charset="0"/>
-              </a:rPr>
-              <a:t>[5]H. M. Jawad and S. Tout, "IEEE Xplore," in Introducing a Mobile App to Increase Cybersecurity Awareness in MENA, Dubai, 2021. [Accessed: 06- Dec- 2021].</a:t>
-            </a:r>
-          </a:p>
-          <a:p>
-            <a:r>
-              <a:rPr lang="en-US" sz="1400" dirty="0">
-                <a:latin typeface="Times New Roman" panose="02020603050405020304" pitchFamily="18" charset="0"/>
-                <a:cs typeface="Times New Roman" panose="02020603050405020304" pitchFamily="18" charset="0"/>
-              </a:rPr>
-              <a:t>[6]"Hacking Training For The Best", Hack The Box, 2021. [Online]. Available: https://www.hackthebox.com/. [Accessed: 06- Dec- 2021].</a:t>
-            </a:r>
-          </a:p>
-          <a:p>
-            <a:r>
-              <a:rPr lang="en-US" sz="1400" dirty="0">
-                <a:latin typeface="Times New Roman" panose="02020603050405020304" pitchFamily="18" charset="0"/>
-                <a:cs typeface="Times New Roman" panose="02020603050405020304" pitchFamily="18" charset="0"/>
-              </a:rPr>
-              <a:t>[7]"OWASP Foundation | Open Source Foundation for Application Security", Owasp.org, 2021. [Online]. Available: https://owasp.org/. [Accessed: 06- Dec- 2021].</a:t>
-            </a:r>
-          </a:p>
-          <a:p>
-            <a:r>
-              <a:rPr lang="en-US" sz="1400" dirty="0">
-                <a:latin typeface="Times New Roman" panose="02020603050405020304" pitchFamily="18" charset="0"/>
-                <a:cs typeface="Times New Roman" panose="02020603050405020304" pitchFamily="18" charset="0"/>
-              </a:rPr>
-              <a:t>[8]M. Robb, "Common Sense Media," Common Sense Media, 29 October 2019. [Online]. Available: https://www.commonsensemedia.org/blog/tweens-teens-and-phones-what-our-2019-research-reveals#:~:text=A%20majority%20(53%25)%20of,2019%20from%2011%25%20in%202015.. [Accessed 08 November 2021].</a:t>
-            </a:r>
-          </a:p>
-        </p:txBody>
-      </p:sp>
-      <p:sp>
-        <p:nvSpPr>
-          <p:cNvPr id="2" name="Slide Number Placeholder 1">
-            <a:extLst>
-              <a:ext uri="{FF2B5EF4-FFF2-40B4-BE49-F238E27FC236}">
-                <a16:creationId xmlns:a16="http://schemas.microsoft.com/office/drawing/2014/main" id="{5C26B243-A9BC-47C7-AD94-14CAC59D52FC}"/>
-              </a:ext>
-            </a:extLst>
-          </p:cNvPr>
-          <p:cNvSpPr>
-            <a:spLocks noGrp="1"/>
-          </p:cNvSpPr>
-          <p:nvPr>
-            <p:ph type="sldNum" sz="quarter" idx="12"/>
-          </p:nvPr>
-        </p:nvSpPr>
-        <p:spPr>
-          <a:xfrm>
-            <a:off x="10951856" y="5867131"/>
-            <a:ext cx="551167" cy="365125"/>
-          </a:xfrm>
-        </p:spPr>
-        <p:txBody>
-          <a:bodyPr/>
-          <a:lstStyle/>
-          <a:p>
-            <a:fld id="{AB265669-9768-4162-B261-757C55BCE5B3}" type="slidenum">
-              <a:rPr lang="en-US" smtClean="0"/>
-              <a:t>16</a:t>
-            </a:fld>
-            <a:endParaRPr lang="en-US" dirty="0"/>
-          </a:p>
-        </p:txBody>
-      </p:sp>
-    </p:spTree>
-    <p:extLst>
-      <p:ext uri="{BB962C8B-B14F-4D97-AF65-F5344CB8AC3E}">
-        <p14:creationId xmlns:p14="http://schemas.microsoft.com/office/powerpoint/2010/main" val="1778830078"/>
-      </p:ext>
-    </p:extLst>
-  </p:cSld>
-  <p:clrMapOvr>
-    <a:masterClrMapping/>
-  </p:clrMapOvr>
-</p:sld>
-</file>
-
 <file path=ppt/slides/slide18.xml><?xml version="1.0" encoding="utf-8"?>
 <p:sld xmlns:a="http://schemas.openxmlformats.org/drawingml/2006/main" xmlns:r="http://schemas.openxmlformats.org/officeDocument/2006/relationships" xmlns:p="http://schemas.openxmlformats.org/presentationml/2006/main">
   <p:cSld>
@@ -13898,7 +13880,7 @@
                 <a:latin typeface="Times New Roman" panose="02020603050405020304" pitchFamily="18" charset="0"/>
                 <a:cs typeface="Times New Roman" panose="02020603050405020304" pitchFamily="18" charset="0"/>
               </a:rPr>
-              <a:t>[9]Kaspersky, "Kaspersky," Kaspersky, [Online]. Available: https://usa.kaspersky.com/resource-center/threats/top-seven-dangers-children-face-online. [Accessed 08 November 2021].</a:t>
+              <a:t>[1]"Screen time 'may harm toddlers'", BBC News, 2019. [Online]. Available: https://www.bbc.com/news/health-47026834. [Accessed: 06- Dec- 2021].</a:t>
             </a:r>
           </a:p>
           <a:p>
@@ -13907,17 +13889,35 @@
                 <a:latin typeface="Times New Roman" panose="02020603050405020304" pitchFamily="18" charset="0"/>
                 <a:cs typeface="Times New Roman" panose="02020603050405020304" pitchFamily="18" charset="0"/>
               </a:rPr>
-              <a:t>[10]DQ Institute, "DQ Institute," DQ Institute, [Online]. Available: https://www.dqinstitute.org/child-online-safety-index/. [Accessed 08 November 2021].</a:t>
-            </a:r>
-          </a:p>
-          <a:p>
+              <a:t>[2]"Cybersecurity in Education: What Teachers, Parents and Students Should Know | Berkeley Boot Camps", Berkeley Boot Camps, 2021. [Online]. Available: https://bootcamp.berkeley.edu/blog/cybersecurity-in-education-what-teachers-parents-and-students-should-know/. [Accessed: 06- Dec- 2021].</a:t>
+            </a:r>
+          </a:p>
+          <a:p>
+            <a:r>
+              <a:rPr lang="fr-FR" sz="1400" dirty="0">
+                <a:latin typeface="Times New Roman" panose="02020603050405020304" pitchFamily="18" charset="0"/>
+                <a:cs typeface="Times New Roman" panose="02020603050405020304" pitchFamily="18" charset="0"/>
+              </a:rPr>
+              <a:t>[3]"Cybertalentskids » CyberTalents", CybertalentKids, 2021. [Online]. Available: https://cybertalentskids.com/. [Accessed: </a:t>
+            </a:r>
             <a:r>
               <a:rPr lang="en-US" sz="1400" dirty="0">
                 <a:latin typeface="Times New Roman" panose="02020603050405020304" pitchFamily="18" charset="0"/>
                 <a:cs typeface="Times New Roman" panose="02020603050405020304" pitchFamily="18" charset="0"/>
               </a:rPr>
-              <a:t>[11]C. Li, "Weforum," World Economic Forum, 29 April 2020. [Online]. Available: https://www.weforum.org/agenda/2020/04/coronavirus-education-global-covid19-online-digital-learning/. [Accessed 08 November 2021].</a:t>
-            </a:r>
+              <a:t>06</a:t>
+            </a:r>
+            <a:r>
+              <a:rPr lang="fr-FR" sz="1400" dirty="0">
+                <a:latin typeface="Times New Roman" panose="02020603050405020304" pitchFamily="18" charset="0"/>
+                <a:cs typeface="Times New Roman" panose="02020603050405020304" pitchFamily="18" charset="0"/>
+              </a:rPr>
+              <a:t>- Dec- 2021].</a:t>
+            </a:r>
+            <a:endParaRPr lang="en-US" sz="1400" dirty="0">
+              <a:latin typeface="Times New Roman" panose="02020603050405020304" pitchFamily="18" charset="0"/>
+              <a:cs typeface="Times New Roman" panose="02020603050405020304" pitchFamily="18" charset="0"/>
+            </a:endParaRPr>
           </a:p>
           <a:p>
             <a:r>
@@ -13925,7 +13925,7 @@
                 <a:latin typeface="Times New Roman" panose="02020603050405020304" pitchFamily="18" charset="0"/>
                 <a:cs typeface="Times New Roman" panose="02020603050405020304" pitchFamily="18" charset="0"/>
               </a:rPr>
-              <a:t>[12]J. Johnson, "Statista," 06 May 2021. [Online]. Available: https://www.statista.com/statistics/1189204/us-teens-children-screen-time-daily-coronavirus-before-during/. [Accessed 08 November 2021].</a:t>
+              <a:t>[4]2021. [Online]. Available: https://www.esafety.gov.au/educators/classroom-resources/cybersmart-challenge. [Accessed: 06- Dec- 2021].</a:t>
             </a:r>
           </a:p>
           <a:p>
@@ -13934,160 +13934,25 @@
                 <a:latin typeface="Times New Roman" panose="02020603050405020304" pitchFamily="18" charset="0"/>
                 <a:cs typeface="Times New Roman" panose="02020603050405020304" pitchFamily="18" charset="0"/>
               </a:rPr>
-              <a:t>[13]</a:t>
-            </a:r>
-            <a:r>
-              <a:rPr lang="en-US" sz="1400" dirty="0" err="1">
-                <a:latin typeface="Times New Roman" panose="02020603050405020304" pitchFamily="18" charset="0"/>
-                <a:cs typeface="Times New Roman" panose="02020603050405020304" pitchFamily="18" charset="0"/>
-              </a:rPr>
-              <a:t>Unicef</a:t>
-            </a:r>
+              <a:t>[5] H. M. Jawad and S. Tout, "Introducing a Mobile App to Increase Cybersecurity Awareness in MENA," 2020 3rd International Conference on Signal Processing and Information Security (ICSPIS), 2020, pp. 1-4, doi: 10.1109/ICSPIS51252.2020.9340128. [Accessed: 06- Dec- 2021].[6]"Hacking Training For The Best", Hack The Box, 2021. [Online]. Available: https://www.hackthebox.com/. [Accessed: 06- Dec- 2021].</a:t>
+            </a:r>
+          </a:p>
+          <a:p>
             <a:r>
               <a:rPr lang="en-US" sz="1400" dirty="0">
                 <a:latin typeface="Times New Roman" panose="02020603050405020304" pitchFamily="18" charset="0"/>
                 <a:cs typeface="Times New Roman" panose="02020603050405020304" pitchFamily="18" charset="0"/>
               </a:rPr>
-              <a:t>, "</a:t>
-            </a:r>
-            <a:r>
-              <a:rPr lang="en-US" sz="1400" dirty="0" err="1">
-                <a:latin typeface="Times New Roman" panose="02020603050405020304" pitchFamily="18" charset="0"/>
-                <a:cs typeface="Times New Roman" panose="02020603050405020304" pitchFamily="18" charset="0"/>
-              </a:rPr>
-              <a:t>Unicef</a:t>
-            </a:r>
+              <a:t>[7]"OWASP Foundation | Open Source Foundation for Application Security", Owasp.org, 2021. [Online]. Available: https://owasp.org/. [Accessed: 06- Dec- 2021].</a:t>
+            </a:r>
+          </a:p>
+          <a:p>
             <a:r>
               <a:rPr lang="en-US" sz="1400" dirty="0">
                 <a:latin typeface="Times New Roman" panose="02020603050405020304" pitchFamily="18" charset="0"/>
                 <a:cs typeface="Times New Roman" panose="02020603050405020304" pitchFamily="18" charset="0"/>
               </a:rPr>
-              <a:t>," </a:t>
-            </a:r>
-            <a:r>
-              <a:rPr lang="en-US" sz="1400" dirty="0" err="1">
-                <a:latin typeface="Times New Roman" panose="02020603050405020304" pitchFamily="18" charset="0"/>
-                <a:cs typeface="Times New Roman" panose="02020603050405020304" pitchFamily="18" charset="0"/>
-              </a:rPr>
-              <a:t>Unicef</a:t>
-            </a:r>
-            <a:r>
-              <a:rPr lang="en-US" sz="1400" dirty="0">
-                <a:latin typeface="Times New Roman" panose="02020603050405020304" pitchFamily="18" charset="0"/>
-                <a:cs typeface="Times New Roman" panose="02020603050405020304" pitchFamily="18" charset="0"/>
-              </a:rPr>
-              <a:t>, 04 February 2021. [Online]. Available: https://www.unicef.org/coronavirus/keep-your-child-safe-online-at-home-covid-19. [Accessed 10 November 2021].</a:t>
-            </a:r>
-          </a:p>
-          <a:p>
-            <a:r>
-              <a:rPr lang="en-US" sz="1400" dirty="0">
-                <a:latin typeface="Times New Roman" panose="02020603050405020304" pitchFamily="18" charset="0"/>
-                <a:cs typeface="Times New Roman" panose="02020603050405020304" pitchFamily="18" charset="0"/>
-              </a:rPr>
-              <a:t>[14]H. M. Jawad and S. Tout, "IEEE Xplore," in Introducing a Mobile App to Increase Cybersecurity Awareness in MENA, Dubai, 2021. </a:t>
-            </a:r>
-          </a:p>
-          <a:p>
-            <a:r>
-              <a:rPr lang="en-US" sz="1400" dirty="0">
-                <a:latin typeface="Times New Roman" panose="02020603050405020304" pitchFamily="18" charset="0"/>
-                <a:cs typeface="Times New Roman" panose="02020603050405020304" pitchFamily="18" charset="0"/>
-              </a:rPr>
-              <a:t>[15]I. </a:t>
-            </a:r>
-            <a:r>
-              <a:rPr lang="en-US" sz="1400" dirty="0" err="1">
-                <a:latin typeface="Times New Roman" panose="02020603050405020304" pitchFamily="18" charset="0"/>
-                <a:cs typeface="Times New Roman" panose="02020603050405020304" pitchFamily="18" charset="0"/>
-              </a:rPr>
-              <a:t>M.Venter</a:t>
-            </a:r>
-            <a:r>
-              <a:rPr lang="en-US" sz="1400" dirty="0">
-                <a:latin typeface="Times New Roman" panose="02020603050405020304" pitchFamily="18" charset="0"/>
-                <a:cs typeface="Times New Roman" panose="02020603050405020304" pitchFamily="18" charset="0"/>
-              </a:rPr>
-              <a:t>, R. </a:t>
-            </a:r>
-            <a:r>
-              <a:rPr lang="en-US" sz="1400" dirty="0" err="1">
-                <a:latin typeface="Times New Roman" panose="02020603050405020304" pitchFamily="18" charset="0"/>
-                <a:cs typeface="Times New Roman" panose="02020603050405020304" pitchFamily="18" charset="0"/>
-              </a:rPr>
-              <a:t>J.Blignaut</a:t>
-            </a:r>
-            <a:r>
-              <a:rPr lang="en-US" sz="1400" dirty="0">
-                <a:latin typeface="Times New Roman" panose="02020603050405020304" pitchFamily="18" charset="0"/>
-                <a:cs typeface="Times New Roman" panose="02020603050405020304" pitchFamily="18" charset="0"/>
-              </a:rPr>
-              <a:t>, K. Renaud and M. A. Venter, "Cyber security education is as essential as “the three R's”," </a:t>
-            </a:r>
-            <a:r>
-              <a:rPr lang="en-US" sz="1400" dirty="0" err="1">
-                <a:latin typeface="Times New Roman" panose="02020603050405020304" pitchFamily="18" charset="0"/>
-                <a:cs typeface="Times New Roman" panose="02020603050405020304" pitchFamily="18" charset="0"/>
-              </a:rPr>
-              <a:t>Heliyon</a:t>
-            </a:r>
-            <a:r>
-              <a:rPr lang="en-US" sz="1400" dirty="0">
-                <a:latin typeface="Times New Roman" panose="02020603050405020304" pitchFamily="18" charset="0"/>
-                <a:cs typeface="Times New Roman" panose="02020603050405020304" pitchFamily="18" charset="0"/>
-              </a:rPr>
-              <a:t>, vol. 5, no. 12, 2019. </a:t>
-            </a:r>
-          </a:p>
-          <a:p>
-            <a:r>
-              <a:rPr lang="en-US" sz="1400" dirty="0">
-                <a:latin typeface="Times New Roman" panose="02020603050405020304" pitchFamily="18" charset="0"/>
-                <a:cs typeface="Times New Roman" panose="02020603050405020304" pitchFamily="18" charset="0"/>
-              </a:rPr>
-              <a:t>[16]F. </a:t>
-            </a:r>
-            <a:r>
-              <a:rPr lang="en-US" sz="1400" dirty="0" err="1">
-                <a:latin typeface="Times New Roman" panose="02020603050405020304" pitchFamily="18" charset="0"/>
-                <a:cs typeface="Times New Roman" panose="02020603050405020304" pitchFamily="18" charset="0"/>
-              </a:rPr>
-              <a:t>Quayyum</a:t>
-            </a:r>
-            <a:r>
-              <a:rPr lang="en-US" sz="1400" dirty="0">
-                <a:latin typeface="Times New Roman" panose="02020603050405020304" pitchFamily="18" charset="0"/>
-                <a:cs typeface="Times New Roman" panose="02020603050405020304" pitchFamily="18" charset="0"/>
-              </a:rPr>
-              <a:t>, D. </a:t>
-            </a:r>
-            <a:r>
-              <a:rPr lang="en-US" sz="1400" dirty="0" err="1">
-                <a:latin typeface="Times New Roman" panose="02020603050405020304" pitchFamily="18" charset="0"/>
-                <a:cs typeface="Times New Roman" panose="02020603050405020304" pitchFamily="18" charset="0"/>
-              </a:rPr>
-              <a:t>S.Cruzes</a:t>
-            </a:r>
-            <a:r>
-              <a:rPr lang="en-US" sz="1400" dirty="0">
-                <a:latin typeface="Times New Roman" panose="02020603050405020304" pitchFamily="18" charset="0"/>
-                <a:cs typeface="Times New Roman" panose="02020603050405020304" pitchFamily="18" charset="0"/>
-              </a:rPr>
-              <a:t> and L. </a:t>
-            </a:r>
-            <a:r>
-              <a:rPr lang="en-US" sz="1400" dirty="0" err="1">
-                <a:latin typeface="Times New Roman" panose="02020603050405020304" pitchFamily="18" charset="0"/>
-                <a:cs typeface="Times New Roman" panose="02020603050405020304" pitchFamily="18" charset="0"/>
-              </a:rPr>
-              <a:t>Jaccheri</a:t>
-            </a:r>
-            <a:r>
-              <a:rPr lang="en-US" sz="1400" dirty="0">
-                <a:latin typeface="Times New Roman" panose="02020603050405020304" pitchFamily="18" charset="0"/>
-                <a:cs typeface="Times New Roman" panose="02020603050405020304" pitchFamily="18" charset="0"/>
-              </a:rPr>
-              <a:t>, "Cybersecurity awareness for children: A systematic literature review," International Journal of Child-Computer Interaction, vol. 30, 2021.</a:t>
+              <a:t>[8]M. Robb, "Common Sense Media," Common Sense Media, 29 October 2019. [Online]. Available: https://www.commonsensemedia.org/blog/tweens-teens-and-phones-what-our-2019-research-reveals#:~:text=A%20majority%20(53%25)%20of,2019%20from%2011%25%20in%202015.. [Accessed 08 November 2021].</a:t>
             </a:r>
           </a:p>
         </p:txBody>
@@ -14129,7 +13994,7 @@
     </p:spTree>
     <p:extLst>
       <p:ext uri="{BB962C8B-B14F-4D97-AF65-F5344CB8AC3E}">
-        <p14:creationId xmlns:p14="http://schemas.microsoft.com/office/powerpoint/2010/main" val="2771367757"/>
+        <p14:creationId xmlns:p14="http://schemas.microsoft.com/office/powerpoint/2010/main" val="1778830078"/>
       </p:ext>
     </p:extLst>
   </p:cSld>
@@ -14158,10 +14023,10 @@
       </p:grpSpPr>
       <p:sp>
         <p:nvSpPr>
-          <p:cNvPr id="2" name="Title 1">
+          <p:cNvPr id="4" name="Title 3">
             <a:extLst>
               <a:ext uri="{FF2B5EF4-FFF2-40B4-BE49-F238E27FC236}">
-                <a16:creationId xmlns:a16="http://schemas.microsoft.com/office/drawing/2014/main" id="{9D136932-558C-4230-A3FA-3845F1BFF361}"/>
+                <a16:creationId xmlns:a16="http://schemas.microsoft.com/office/drawing/2014/main" id="{D8711200-5F3E-46DD-8D4E-6F6911FD6A0D}"/>
               </a:ext>
             </a:extLst>
           </p:cNvPr>
@@ -14174,27 +14039,132 @@
         </p:nvSpPr>
         <p:spPr>
           <a:xfrm>
-            <a:off x="1086643" y="2552700"/>
-            <a:ext cx="10018713" cy="1752599"/>
+            <a:off x="1484311" y="685801"/>
+            <a:ext cx="10018713" cy="858328"/>
           </a:xfrm>
         </p:spPr>
         <p:txBody>
           <a:bodyPr/>
           <a:lstStyle/>
           <a:p>
-            <a:r>
-              <a:rPr lang="en-US" dirty="0"/>
-              <a:t>Thank You</a:t>
+            <a:pPr algn="l"/>
+            <a:r>
+              <a:rPr lang="en-US" b="1" dirty="0">
+                <a:latin typeface="Times New Roman" panose="02020603050405020304" pitchFamily="18" charset="0"/>
+                <a:cs typeface="Times New Roman" panose="02020603050405020304" pitchFamily="18" charset="0"/>
+              </a:rPr>
+              <a:t>Reference</a:t>
             </a:r>
           </a:p>
         </p:txBody>
       </p:sp>
       <p:sp>
         <p:nvSpPr>
-          <p:cNvPr id="4" name="Slide Number Placeholder 3">
+          <p:cNvPr id="5" name="Content Placeholder 4">
             <a:extLst>
               <a:ext uri="{FF2B5EF4-FFF2-40B4-BE49-F238E27FC236}">
-                <a16:creationId xmlns:a16="http://schemas.microsoft.com/office/drawing/2014/main" id="{74534D26-702E-49FB-B00A-DDAB2E8BB0E2}"/>
+                <a16:creationId xmlns:a16="http://schemas.microsoft.com/office/drawing/2014/main" id="{F2D0C8FE-5D0A-4EF5-B953-9434B0E10AE4}"/>
+              </a:ext>
+            </a:extLst>
+          </p:cNvPr>
+          <p:cNvSpPr>
+            <a:spLocks noGrp="1"/>
+          </p:cNvSpPr>
+          <p:nvPr>
+            <p:ph idx="1"/>
+          </p:nvPr>
+        </p:nvSpPr>
+        <p:spPr>
+          <a:xfrm>
+            <a:off x="1484310" y="1544129"/>
+            <a:ext cx="10018713" cy="5072331"/>
+          </a:xfrm>
+        </p:spPr>
+        <p:txBody>
+          <a:bodyPr>
+            <a:noAutofit/>
+          </a:bodyPr>
+          <a:lstStyle/>
+          <a:p>
+            <a:r>
+              <a:rPr lang="en-US" sz="1400" dirty="0">
+                <a:latin typeface="Times New Roman" panose="02020603050405020304" pitchFamily="18" charset="0"/>
+                <a:cs typeface="Times New Roman" panose="02020603050405020304" pitchFamily="18" charset="0"/>
+              </a:rPr>
+              <a:t>[9]Kaspersky, "Kaspersky," Kaspersky, [Online]. Available: https://usa.kaspersky.com/resource-center/threats/top-seven-dangers-children-face-online. [Accessed 08 November 2021].</a:t>
+            </a:r>
+          </a:p>
+          <a:p>
+            <a:r>
+              <a:rPr lang="en-US" sz="1400" dirty="0">
+                <a:latin typeface="Times New Roman" panose="02020603050405020304" pitchFamily="18" charset="0"/>
+                <a:cs typeface="Times New Roman" panose="02020603050405020304" pitchFamily="18" charset="0"/>
+              </a:rPr>
+              <a:t>[10]DQ Institute, "DQ Institute," DQ Institute, [Online]. Available: https://www.dqinstitute.org/child-online-safety-index/. [Accessed 08 November 2021].</a:t>
+            </a:r>
+          </a:p>
+          <a:p>
+            <a:r>
+              <a:rPr lang="en-US" sz="1400" dirty="0">
+                <a:latin typeface="Times New Roman" panose="02020603050405020304" pitchFamily="18" charset="0"/>
+                <a:cs typeface="Times New Roman" panose="02020603050405020304" pitchFamily="18" charset="0"/>
+              </a:rPr>
+              <a:t>[11]C. Li, "Weforum," World Economic Forum, 29 April 2020. [Online]. Available: https://www.weforum.org/agenda/2020/04/coronavirus-education-global-covid19-online-digital-learning/. [Accessed 08 November 2021].</a:t>
+            </a:r>
+          </a:p>
+          <a:p>
+            <a:r>
+              <a:rPr lang="en-US" sz="1400" dirty="0">
+                <a:latin typeface="Times New Roman" panose="02020603050405020304" pitchFamily="18" charset="0"/>
+                <a:cs typeface="Times New Roman" panose="02020603050405020304" pitchFamily="18" charset="0"/>
+              </a:rPr>
+              <a:t>[12]J. Johnson, "Statista," 06 May 2021. [Online]. Available: https://www.statista.com/statistics/1189204/us-teens-children-screen-time-daily-coronavirus-before-during/. [Accessed 08 November 2021].</a:t>
+            </a:r>
+          </a:p>
+          <a:p>
+            <a:r>
+              <a:rPr lang="en-US" sz="1400" dirty="0">
+                <a:latin typeface="Times New Roman" panose="02020603050405020304" pitchFamily="18" charset="0"/>
+                <a:cs typeface="Times New Roman" panose="02020603050405020304" pitchFamily="18" charset="0"/>
+              </a:rPr>
+              <a:t>[13]Unicef, "Unicef," Unicef, 04 February 2021. [Online]. Available: https://www.unicef.org/coronavirus/keep-your-child-safe-online-at-home-covid-19. [Accessed 10 November 2021].</a:t>
+            </a:r>
+          </a:p>
+          <a:p>
+            <a:r>
+              <a:rPr lang="en-US" sz="1400" dirty="0">
+                <a:latin typeface="Times New Roman" panose="02020603050405020304" pitchFamily="18" charset="0"/>
+                <a:cs typeface="Times New Roman" panose="02020603050405020304" pitchFamily="18" charset="0"/>
+              </a:rPr>
+              <a:t>[14]H. M. Jawad and S. Tout, "IEEE Xplore," in Introducing a Mobile App to Increase Cybersecurity Awareness in MENA, Dubai, 2021. </a:t>
+            </a:r>
+          </a:p>
+          <a:p>
+            <a:r>
+              <a:rPr lang="en-US" sz="1400" dirty="0">
+                <a:latin typeface="Times New Roman" panose="02020603050405020304" pitchFamily="18" charset="0"/>
+                <a:cs typeface="Times New Roman" panose="02020603050405020304" pitchFamily="18" charset="0"/>
+              </a:rPr>
+              <a:t>[15]I. M.Venter, R. J.Blignaut, K. Renaud and M. A. Venter, "Cyber security education is as essential as “the three R's”," Heliyon, vol. 5, no. 12, 2019. </a:t>
+            </a:r>
+          </a:p>
+          <a:p>
+            <a:r>
+              <a:rPr lang="en-US" sz="1400" dirty="0">
+                <a:latin typeface="Times New Roman" panose="02020603050405020304" pitchFamily="18" charset="0"/>
+                <a:cs typeface="Times New Roman" panose="02020603050405020304" pitchFamily="18" charset="0"/>
+              </a:rPr>
+              <a:t>[16]F. Quayyum, D. S.Cruzes and L. Jaccheri, "Cybersecurity awareness for children: A systematic literature review," International Journal of Child-Computer Interaction, vol. 30, 2021.</a:t>
+            </a:r>
+          </a:p>
+        </p:txBody>
+      </p:sp>
+      <p:sp>
+        <p:nvSpPr>
+          <p:cNvPr id="2" name="Slide Number Placeholder 1">
+            <a:extLst>
+              <a:ext uri="{FF2B5EF4-FFF2-40B4-BE49-F238E27FC236}">
+                <a16:creationId xmlns:a16="http://schemas.microsoft.com/office/drawing/2014/main" id="{5C26B243-A9BC-47C7-AD94-14CAC59D52FC}"/>
               </a:ext>
             </a:extLst>
           </p:cNvPr>
@@ -14226,7 +14196,7 @@
     </p:spTree>
     <p:extLst>
       <p:ext uri="{BB962C8B-B14F-4D97-AF65-F5344CB8AC3E}">
-        <p14:creationId xmlns:p14="http://schemas.microsoft.com/office/powerpoint/2010/main" val="2196280238"/>
+        <p14:creationId xmlns:p14="http://schemas.microsoft.com/office/powerpoint/2010/main" val="2771367757"/>
       </p:ext>
     </p:extLst>
   </p:cSld>
@@ -14312,14 +14282,14 @@
             <p:ph idx="1"/>
             <p:extLst>
               <p:ext uri="{D42A27DB-BD31-4B8C-83A1-F6EECF244321}">
-                <p14:modId xmlns:p14="http://schemas.microsoft.com/office/powerpoint/2010/main" val="2407748563"/>
+                <p14:modId xmlns:p14="http://schemas.microsoft.com/office/powerpoint/2010/main" val="3765068564"/>
               </p:ext>
             </p:extLst>
           </p:nvPr>
         </p:nvGraphicFramePr>
         <p:xfrm>
           <a:off x="1484980" y="2411364"/>
-          <a:ext cx="9222037" cy="2035272"/>
+          <a:ext cx="9466876" cy="2035272"/>
         </p:xfrm>
         <a:graphic>
           <a:graphicData uri="http://schemas.openxmlformats.org/drawingml/2006/table">
@@ -14328,17 +14298,10 @@
                 <a:tableStyleId>{5C22544A-7EE6-4342-B048-85BDC9FD1C3A}</a:tableStyleId>
               </a:tblPr>
               <a:tblGrid>
-                <a:gridCol w="6472116">
+                <a:gridCol w="9466876">
                   <a:extLst>
                     <a:ext uri="{9D8B030D-6E8A-4147-A177-3AD203B41FA5}">
                       <a16:colId xmlns:a16="http://schemas.microsoft.com/office/drawing/2014/main" val="3220937366"/>
-                    </a:ext>
-                  </a:extLst>
-                </a:gridCol>
-                <a:gridCol w="2749921">
-                  <a:extLst>
-                    <a:ext uri="{9D8B030D-6E8A-4147-A177-3AD203B41FA5}">
-                      <a16:colId xmlns:a16="http://schemas.microsoft.com/office/drawing/2014/main" val="2563169168"/>
                     </a:ext>
                   </a:extLst>
                 </a:gridCol>
@@ -14367,77 +14330,6 @@
                           <a:cs typeface="Times New Roman" panose="02020603050405020304" pitchFamily="18" charset="0"/>
                         </a:rPr>
                         <a:t>Member name</a:t>
-                      </a:r>
-                      <a:endParaRPr lang="en-US" sz="2000" dirty="0">
-                        <a:effectLst/>
-                        <a:latin typeface="Times New Roman" panose="02020603050405020304" pitchFamily="18" charset="0"/>
-                        <a:ea typeface="Calibri" panose="020F0502020204030204" pitchFamily="34" charset="0"/>
-                        <a:cs typeface="Times New Roman" panose="02020603050405020304" pitchFamily="18" charset="0"/>
-                      </a:endParaRPr>
-                    </a:p>
-                  </a:txBody>
-                  <a:tcPr marL="68580" marR="68580" marT="0" marB="0">
-                    <a:lnL w="12700" cap="flat" cmpd="sng" algn="ctr">
-                      <a:solidFill>
-                        <a:schemeClr val="tx1"/>
-                      </a:solidFill>
-                      <a:prstDash val="solid"/>
-                      <a:round/>
-                      <a:headEnd type="none" w="med" len="med"/>
-                      <a:tailEnd type="none" w="med" len="med"/>
-                    </a:lnL>
-                    <a:lnR w="12700" cap="flat" cmpd="sng" algn="ctr">
-                      <a:solidFill>
-                        <a:schemeClr val="tx1"/>
-                      </a:solidFill>
-                      <a:prstDash val="solid"/>
-                      <a:round/>
-                      <a:headEnd type="none" w="med" len="med"/>
-                      <a:tailEnd type="none" w="med" len="med"/>
-                    </a:lnR>
-                    <a:lnT w="12700" cap="flat" cmpd="sng" algn="ctr">
-                      <a:solidFill>
-                        <a:schemeClr val="tx1"/>
-                      </a:solidFill>
-                      <a:prstDash val="solid"/>
-                      <a:round/>
-                      <a:headEnd type="none" w="med" len="med"/>
-                      <a:tailEnd type="none" w="med" len="med"/>
-                    </a:lnT>
-                    <a:lnB w="12700" cap="flat" cmpd="sng" algn="ctr">
-                      <a:solidFill>
-                        <a:schemeClr val="tx1"/>
-                      </a:solidFill>
-                      <a:prstDash val="solid"/>
-                      <a:round/>
-                      <a:headEnd type="none" w="med" len="med"/>
-                      <a:tailEnd type="none" w="med" len="med"/>
-                    </a:lnB>
-                  </a:tcPr>
-                </a:tc>
-                <a:tc>
-                  <a:txBody>
-                    <a:bodyPr/>
-                    <a:lstStyle/>
-                    <a:p>
-                      <a:pPr marL="0" marR="0" algn="ctr">
-                        <a:lnSpc>
-                          <a:spcPct val="107000"/>
-                        </a:lnSpc>
-                        <a:spcBef>
-                          <a:spcPts val="0"/>
-                        </a:spcBef>
-                        <a:spcAft>
-                          <a:spcPts val="0"/>
-                        </a:spcAft>
-                      </a:pPr>
-                      <a:r>
-                        <a:rPr lang="en-US" sz="2000" dirty="0">
-                          <a:effectLst/>
-                          <a:latin typeface="Times New Roman" panose="02020603050405020304" pitchFamily="18" charset="0"/>
-                          <a:cs typeface="Times New Roman" panose="02020603050405020304" pitchFamily="18" charset="0"/>
-                        </a:rPr>
-                        <a:t>Student’s ID</a:t>
                       </a:r>
                       <a:endParaRPr lang="en-US" sz="2000" dirty="0">
                         <a:effectLst/>
@@ -14566,77 +14458,6 @@
                     </a:lnB>
                   </a:tcPr>
                 </a:tc>
-                <a:tc>
-                  <a:txBody>
-                    <a:bodyPr/>
-                    <a:lstStyle/>
-                    <a:p>
-                      <a:pPr marL="0" marR="0" algn="ctr">
-                        <a:lnSpc>
-                          <a:spcPct val="107000"/>
-                        </a:lnSpc>
-                        <a:spcBef>
-                          <a:spcPts val="0"/>
-                        </a:spcBef>
-                        <a:spcAft>
-                          <a:spcPts val="0"/>
-                        </a:spcAft>
-                      </a:pPr>
-                      <a:r>
-                        <a:rPr lang="en-US" sz="2000" dirty="0">
-                          <a:effectLst/>
-                          <a:latin typeface="Times New Roman" panose="02020603050405020304" pitchFamily="18" charset="0"/>
-                          <a:cs typeface="Times New Roman" panose="02020603050405020304" pitchFamily="18" charset="0"/>
-                        </a:rPr>
-                        <a:t>2018170946</a:t>
-                      </a:r>
-                      <a:endParaRPr lang="en-US" sz="2000" dirty="0">
-                        <a:effectLst/>
-                        <a:latin typeface="Times New Roman" panose="02020603050405020304" pitchFamily="18" charset="0"/>
-                        <a:ea typeface="Calibri" panose="020F0502020204030204" pitchFamily="34" charset="0"/>
-                        <a:cs typeface="Times New Roman" panose="02020603050405020304" pitchFamily="18" charset="0"/>
-                      </a:endParaRPr>
-                    </a:p>
-                  </a:txBody>
-                  <a:tcPr marL="68580" marR="68580" marT="0" marB="0">
-                    <a:lnL w="12700" cap="flat" cmpd="sng" algn="ctr">
-                      <a:solidFill>
-                        <a:schemeClr val="tx1"/>
-                      </a:solidFill>
-                      <a:prstDash val="solid"/>
-                      <a:round/>
-                      <a:headEnd type="none" w="med" len="med"/>
-                      <a:tailEnd type="none" w="med" len="med"/>
-                    </a:lnL>
-                    <a:lnR w="12700" cap="flat" cmpd="sng" algn="ctr">
-                      <a:solidFill>
-                        <a:schemeClr val="tx1"/>
-                      </a:solidFill>
-                      <a:prstDash val="solid"/>
-                      <a:round/>
-                      <a:headEnd type="none" w="med" len="med"/>
-                      <a:tailEnd type="none" w="med" len="med"/>
-                    </a:lnR>
-                    <a:lnT w="12700" cap="flat" cmpd="sng" algn="ctr">
-                      <a:solidFill>
-                        <a:schemeClr val="tx1"/>
-                      </a:solidFill>
-                      <a:prstDash val="solid"/>
-                      <a:round/>
-                      <a:headEnd type="none" w="med" len="med"/>
-                      <a:tailEnd type="none" w="med" len="med"/>
-                    </a:lnT>
-                    <a:lnB w="12700" cap="flat" cmpd="sng" algn="ctr">
-                      <a:solidFill>
-                        <a:schemeClr val="tx1"/>
-                      </a:solidFill>
-                      <a:prstDash val="solid"/>
-                      <a:round/>
-                      <a:headEnd type="none" w="med" len="med"/>
-                      <a:tailEnd type="none" w="med" len="med"/>
-                    </a:lnB>
-                  </a:tcPr>
-                </a:tc>
                 <a:extLst>
                   <a:ext uri="{0D108BD9-81ED-4DB2-BD59-A6C34878D82A}">
                     <a16:rowId xmlns:a16="http://schemas.microsoft.com/office/drawing/2014/main" val="2106285123"/>
@@ -14671,77 +14492,6 @@
                         <a:t>Abdelrahman Mohamed Kamal</a:t>
                       </a:r>
                       <a:endParaRPr lang="en-US" sz="2000" b="0" dirty="0">
-                        <a:effectLst/>
-                        <a:latin typeface="Times New Roman" panose="02020603050405020304" pitchFamily="18" charset="0"/>
-                        <a:ea typeface="Calibri" panose="020F0502020204030204" pitchFamily="34" charset="0"/>
-                        <a:cs typeface="Times New Roman" panose="02020603050405020304" pitchFamily="18" charset="0"/>
-                      </a:endParaRPr>
-                    </a:p>
-                  </a:txBody>
-                  <a:tcPr marL="68580" marR="68580" marT="0" marB="0">
-                    <a:lnL w="12700" cap="flat" cmpd="sng" algn="ctr">
-                      <a:solidFill>
-                        <a:schemeClr val="tx1"/>
-                      </a:solidFill>
-                      <a:prstDash val="solid"/>
-                      <a:round/>
-                      <a:headEnd type="none" w="med" len="med"/>
-                      <a:tailEnd type="none" w="med" len="med"/>
-                    </a:lnL>
-                    <a:lnR w="12700" cap="flat" cmpd="sng" algn="ctr">
-                      <a:solidFill>
-                        <a:schemeClr val="tx1"/>
-                      </a:solidFill>
-                      <a:prstDash val="solid"/>
-                      <a:round/>
-                      <a:headEnd type="none" w="med" len="med"/>
-                      <a:tailEnd type="none" w="med" len="med"/>
-                    </a:lnR>
-                    <a:lnT w="12700" cap="flat" cmpd="sng" algn="ctr">
-                      <a:solidFill>
-                        <a:schemeClr val="tx1"/>
-                      </a:solidFill>
-                      <a:prstDash val="solid"/>
-                      <a:round/>
-                      <a:headEnd type="none" w="med" len="med"/>
-                      <a:tailEnd type="none" w="med" len="med"/>
-                    </a:lnT>
-                    <a:lnB w="12700" cap="flat" cmpd="sng" algn="ctr">
-                      <a:solidFill>
-                        <a:schemeClr val="tx1"/>
-                      </a:solidFill>
-                      <a:prstDash val="solid"/>
-                      <a:round/>
-                      <a:headEnd type="none" w="med" len="med"/>
-                      <a:tailEnd type="none" w="med" len="med"/>
-                    </a:lnB>
-                  </a:tcPr>
-                </a:tc>
-                <a:tc>
-                  <a:txBody>
-                    <a:bodyPr/>
-                    <a:lstStyle/>
-                    <a:p>
-                      <a:pPr marL="0" marR="0" algn="ctr">
-                        <a:lnSpc>
-                          <a:spcPct val="107000"/>
-                        </a:lnSpc>
-                        <a:spcBef>
-                          <a:spcPts val="0"/>
-                        </a:spcBef>
-                        <a:spcAft>
-                          <a:spcPts val="0"/>
-                        </a:spcAft>
-                      </a:pPr>
-                      <a:r>
-                        <a:rPr lang="en-US" sz="2000" dirty="0">
-                          <a:effectLst/>
-                          <a:latin typeface="Times New Roman" panose="02020603050405020304" pitchFamily="18" charset="0"/>
-                          <a:cs typeface="Times New Roman" panose="02020603050405020304" pitchFamily="18" charset="0"/>
-                        </a:rPr>
-                        <a:t>2018170944</a:t>
-                      </a:r>
-                      <a:endParaRPr lang="en-US" sz="2000" dirty="0">
                         <a:effectLst/>
                         <a:latin typeface="Times New Roman" panose="02020603050405020304" pitchFamily="18" charset="0"/>
                         <a:ea typeface="Calibri" panose="020F0502020204030204" pitchFamily="34" charset="0"/>
@@ -14868,77 +14618,6 @@
                     </a:lnB>
                   </a:tcPr>
                 </a:tc>
-                <a:tc>
-                  <a:txBody>
-                    <a:bodyPr/>
-                    <a:lstStyle/>
-                    <a:p>
-                      <a:pPr marL="0" marR="0" algn="ctr">
-                        <a:lnSpc>
-                          <a:spcPct val="107000"/>
-                        </a:lnSpc>
-                        <a:spcBef>
-                          <a:spcPts val="0"/>
-                        </a:spcBef>
-                        <a:spcAft>
-                          <a:spcPts val="0"/>
-                        </a:spcAft>
-                      </a:pPr>
-                      <a:r>
-                        <a:rPr lang="en-US" sz="2000" dirty="0">
-                          <a:effectLst/>
-                          <a:latin typeface="Times New Roman" panose="02020603050405020304" pitchFamily="18" charset="0"/>
-                          <a:cs typeface="Times New Roman" panose="02020603050405020304" pitchFamily="18" charset="0"/>
-                        </a:rPr>
-                        <a:t>2018170938</a:t>
-                      </a:r>
-                      <a:endParaRPr lang="en-US" sz="2000" dirty="0">
-                        <a:effectLst/>
-                        <a:latin typeface="Times New Roman" panose="02020603050405020304" pitchFamily="18" charset="0"/>
-                        <a:ea typeface="Calibri" panose="020F0502020204030204" pitchFamily="34" charset="0"/>
-                        <a:cs typeface="Times New Roman" panose="02020603050405020304" pitchFamily="18" charset="0"/>
-                      </a:endParaRPr>
-                    </a:p>
-                  </a:txBody>
-                  <a:tcPr marL="68580" marR="68580" marT="0" marB="0">
-                    <a:lnL w="12700" cap="flat" cmpd="sng" algn="ctr">
-                      <a:solidFill>
-                        <a:schemeClr val="tx1"/>
-                      </a:solidFill>
-                      <a:prstDash val="solid"/>
-                      <a:round/>
-                      <a:headEnd type="none" w="med" len="med"/>
-                      <a:tailEnd type="none" w="med" len="med"/>
-                    </a:lnL>
-                    <a:lnR w="12700" cap="flat" cmpd="sng" algn="ctr">
-                      <a:solidFill>
-                        <a:schemeClr val="tx1"/>
-                      </a:solidFill>
-                      <a:prstDash val="solid"/>
-                      <a:round/>
-                      <a:headEnd type="none" w="med" len="med"/>
-                      <a:tailEnd type="none" w="med" len="med"/>
-                    </a:lnR>
-                    <a:lnT w="12700" cap="flat" cmpd="sng" algn="ctr">
-                      <a:solidFill>
-                        <a:schemeClr val="tx1"/>
-                      </a:solidFill>
-                      <a:prstDash val="solid"/>
-                      <a:round/>
-                      <a:headEnd type="none" w="med" len="med"/>
-                      <a:tailEnd type="none" w="med" len="med"/>
-                    </a:lnT>
-                    <a:lnB w="12700" cap="flat" cmpd="sng" algn="ctr">
-                      <a:solidFill>
-                        <a:schemeClr val="tx1"/>
-                      </a:solidFill>
-                      <a:prstDash val="solid"/>
-                      <a:round/>
-                      <a:headEnd type="none" w="med" len="med"/>
-                      <a:tailEnd type="none" w="med" len="med"/>
-                    </a:lnB>
-                  </a:tcPr>
-                </a:tc>
                 <a:extLst>
                   <a:ext uri="{0D108BD9-81ED-4DB2-BD59-A6C34878D82A}">
                     <a16:rowId xmlns:a16="http://schemas.microsoft.com/office/drawing/2014/main" val="2793044024"/>
@@ -14973,77 +14652,6 @@
                         <a:t>David Moheb Anwar</a:t>
                       </a:r>
                       <a:endParaRPr lang="en-US" sz="2000" b="0" dirty="0">
-                        <a:effectLst/>
-                        <a:latin typeface="Times New Roman" panose="02020603050405020304" pitchFamily="18" charset="0"/>
-                        <a:ea typeface="Calibri" panose="020F0502020204030204" pitchFamily="34" charset="0"/>
-                        <a:cs typeface="Times New Roman" panose="02020603050405020304" pitchFamily="18" charset="0"/>
-                      </a:endParaRPr>
-                    </a:p>
-                  </a:txBody>
-                  <a:tcPr marL="68580" marR="68580" marT="0" marB="0">
-                    <a:lnL w="12700" cap="flat" cmpd="sng" algn="ctr">
-                      <a:solidFill>
-                        <a:schemeClr val="tx1"/>
-                      </a:solidFill>
-                      <a:prstDash val="solid"/>
-                      <a:round/>
-                      <a:headEnd type="none" w="med" len="med"/>
-                      <a:tailEnd type="none" w="med" len="med"/>
-                    </a:lnL>
-                    <a:lnR w="12700" cap="flat" cmpd="sng" algn="ctr">
-                      <a:solidFill>
-                        <a:schemeClr val="tx1"/>
-                      </a:solidFill>
-                      <a:prstDash val="solid"/>
-                      <a:round/>
-                      <a:headEnd type="none" w="med" len="med"/>
-                      <a:tailEnd type="none" w="med" len="med"/>
-                    </a:lnR>
-                    <a:lnT w="12700" cap="flat" cmpd="sng" algn="ctr">
-                      <a:solidFill>
-                        <a:schemeClr val="tx1"/>
-                      </a:solidFill>
-                      <a:prstDash val="solid"/>
-                      <a:round/>
-                      <a:headEnd type="none" w="med" len="med"/>
-                      <a:tailEnd type="none" w="med" len="med"/>
-                    </a:lnT>
-                    <a:lnB w="12700" cap="flat" cmpd="sng" algn="ctr">
-                      <a:solidFill>
-                        <a:schemeClr val="tx1"/>
-                      </a:solidFill>
-                      <a:prstDash val="solid"/>
-                      <a:round/>
-                      <a:headEnd type="none" w="med" len="med"/>
-                      <a:tailEnd type="none" w="med" len="med"/>
-                    </a:lnB>
-                  </a:tcPr>
-                </a:tc>
-                <a:tc>
-                  <a:txBody>
-                    <a:bodyPr/>
-                    <a:lstStyle/>
-                    <a:p>
-                      <a:pPr marL="0" marR="0" algn="ctr">
-                        <a:lnSpc>
-                          <a:spcPct val="107000"/>
-                        </a:lnSpc>
-                        <a:spcBef>
-                          <a:spcPts val="0"/>
-                        </a:spcBef>
-                        <a:spcAft>
-                          <a:spcPts val="0"/>
-                        </a:spcAft>
-                      </a:pPr>
-                      <a:r>
-                        <a:rPr lang="en-US" sz="2000" dirty="0">
-                          <a:effectLst/>
-                          <a:latin typeface="Times New Roman" panose="02020603050405020304" pitchFamily="18" charset="0"/>
-                          <a:cs typeface="Times New Roman" panose="02020603050405020304" pitchFamily="18" charset="0"/>
-                        </a:rPr>
-                        <a:t>2018170940</a:t>
-                      </a:r>
-                      <a:endParaRPr lang="en-US" sz="2000" dirty="0">
                         <a:effectLst/>
                         <a:latin typeface="Times New Roman" panose="02020603050405020304" pitchFamily="18" charset="0"/>
                         <a:ea typeface="Calibri" panose="020F0502020204030204" pitchFamily="34" charset="0"/>
@@ -15170,77 +14778,6 @@
                     </a:lnB>
                   </a:tcPr>
                 </a:tc>
-                <a:tc>
-                  <a:txBody>
-                    <a:bodyPr/>
-                    <a:lstStyle/>
-                    <a:p>
-                      <a:pPr marL="0" marR="0" algn="ctr">
-                        <a:lnSpc>
-                          <a:spcPct val="107000"/>
-                        </a:lnSpc>
-                        <a:spcBef>
-                          <a:spcPts val="0"/>
-                        </a:spcBef>
-                        <a:spcAft>
-                          <a:spcPts val="0"/>
-                        </a:spcAft>
-                      </a:pPr>
-                      <a:r>
-                        <a:rPr lang="en-US" sz="2000" dirty="0">
-                          <a:effectLst/>
-                          <a:latin typeface="Times New Roman" panose="02020603050405020304" pitchFamily="18" charset="0"/>
-                          <a:cs typeface="Times New Roman" panose="02020603050405020304" pitchFamily="18" charset="0"/>
-                        </a:rPr>
-                        <a:t>2018170948</a:t>
-                      </a:r>
-                      <a:endParaRPr lang="en-US" sz="2000" dirty="0">
-                        <a:effectLst/>
-                        <a:latin typeface="Times New Roman" panose="02020603050405020304" pitchFamily="18" charset="0"/>
-                        <a:ea typeface="Calibri" panose="020F0502020204030204" pitchFamily="34" charset="0"/>
-                        <a:cs typeface="Times New Roman" panose="02020603050405020304" pitchFamily="18" charset="0"/>
-                      </a:endParaRPr>
-                    </a:p>
-                  </a:txBody>
-                  <a:tcPr marL="68580" marR="68580" marT="0" marB="0">
-                    <a:lnL w="12700" cap="flat" cmpd="sng" algn="ctr">
-                      <a:solidFill>
-                        <a:schemeClr val="tx1"/>
-                      </a:solidFill>
-                      <a:prstDash val="solid"/>
-                      <a:round/>
-                      <a:headEnd type="none" w="med" len="med"/>
-                      <a:tailEnd type="none" w="med" len="med"/>
-                    </a:lnL>
-                    <a:lnR w="12700" cap="flat" cmpd="sng" algn="ctr">
-                      <a:solidFill>
-                        <a:schemeClr val="tx1"/>
-                      </a:solidFill>
-                      <a:prstDash val="solid"/>
-                      <a:round/>
-                      <a:headEnd type="none" w="med" len="med"/>
-                      <a:tailEnd type="none" w="med" len="med"/>
-                    </a:lnR>
-                    <a:lnT w="12700" cap="flat" cmpd="sng" algn="ctr">
-                      <a:solidFill>
-                        <a:schemeClr val="tx1"/>
-                      </a:solidFill>
-                      <a:prstDash val="solid"/>
-                      <a:round/>
-                      <a:headEnd type="none" w="med" len="med"/>
-                      <a:tailEnd type="none" w="med" len="med"/>
-                    </a:lnT>
-                    <a:lnB w="12700" cap="flat" cmpd="sng" algn="ctr">
-                      <a:solidFill>
-                        <a:schemeClr val="tx1"/>
-                      </a:solidFill>
-                      <a:prstDash val="solid"/>
-                      <a:round/>
-                      <a:headEnd type="none" w="med" len="med"/>
-                      <a:tailEnd type="none" w="med" len="med"/>
-                    </a:lnB>
-                  </a:tcPr>
-                </a:tc>
                 <a:extLst>
                   <a:ext uri="{0D108BD9-81ED-4DB2-BD59-A6C34878D82A}">
                     <a16:rowId xmlns:a16="http://schemas.microsoft.com/office/drawing/2014/main" val="4215673223"/>
@@ -15472,7 +15009,7 @@
           <a:p>
             <a:r>
               <a:rPr lang="en-US" dirty="0"/>
-              <a:t>Questions ?</a:t>
+              <a:t>Thank You</a:t>
             </a:r>
           </a:p>
         </p:txBody>
@@ -15506,6 +15043,103 @@
             <a:fld id="{AB265669-9768-4162-B261-757C55BCE5B3}" type="slidenum">
               <a:rPr lang="en-US" smtClean="0"/>
               <a:t>19</a:t>
+            </a:fld>
+            <a:endParaRPr lang="en-US" dirty="0"/>
+          </a:p>
+        </p:txBody>
+      </p:sp>
+    </p:spTree>
+    <p:extLst>
+      <p:ext uri="{BB962C8B-B14F-4D97-AF65-F5344CB8AC3E}">
+        <p14:creationId xmlns:p14="http://schemas.microsoft.com/office/powerpoint/2010/main" val="2196280238"/>
+      </p:ext>
+    </p:extLst>
+  </p:cSld>
+  <p:clrMapOvr>
+    <a:masterClrMapping/>
+  </p:clrMapOvr>
+</p:sld>
+</file>
+
+<file path=ppt/slides/slide21.xml><?xml version="1.0" encoding="utf-8"?>
+<p:sld xmlns:a="http://schemas.openxmlformats.org/drawingml/2006/main" xmlns:r="http://schemas.openxmlformats.org/officeDocument/2006/relationships" xmlns:p="http://schemas.openxmlformats.org/presentationml/2006/main">
+  <p:cSld>
+    <p:spTree>
+      <p:nvGrpSpPr>
+        <p:cNvPr id="1" name=""/>
+        <p:cNvGrpSpPr/>
+        <p:nvPr/>
+      </p:nvGrpSpPr>
+      <p:grpSpPr>
+        <a:xfrm>
+          <a:off x="0" y="0"/>
+          <a:ext cx="0" cy="0"/>
+          <a:chOff x="0" y="0"/>
+          <a:chExt cx="0" cy="0"/>
+        </a:xfrm>
+      </p:grpSpPr>
+      <p:sp>
+        <p:nvSpPr>
+          <p:cNvPr id="2" name="Title 1">
+            <a:extLst>
+              <a:ext uri="{FF2B5EF4-FFF2-40B4-BE49-F238E27FC236}">
+                <a16:creationId xmlns:a16="http://schemas.microsoft.com/office/drawing/2014/main" id="{9D136932-558C-4230-A3FA-3845F1BFF361}"/>
+              </a:ext>
+            </a:extLst>
+          </p:cNvPr>
+          <p:cNvSpPr>
+            <a:spLocks noGrp="1"/>
+          </p:cNvSpPr>
+          <p:nvPr>
+            <p:ph type="title"/>
+          </p:nvPr>
+        </p:nvSpPr>
+        <p:spPr>
+          <a:xfrm>
+            <a:off x="1086643" y="2552700"/>
+            <a:ext cx="10018713" cy="1752599"/>
+          </a:xfrm>
+        </p:spPr>
+        <p:txBody>
+          <a:bodyPr/>
+          <a:lstStyle/>
+          <a:p>
+            <a:r>
+              <a:rPr lang="en-US" dirty="0"/>
+              <a:t>Questions ?</a:t>
+            </a:r>
+          </a:p>
+        </p:txBody>
+      </p:sp>
+      <p:sp>
+        <p:nvSpPr>
+          <p:cNvPr id="4" name="Slide Number Placeholder 3">
+            <a:extLst>
+              <a:ext uri="{FF2B5EF4-FFF2-40B4-BE49-F238E27FC236}">
+                <a16:creationId xmlns:a16="http://schemas.microsoft.com/office/drawing/2014/main" id="{74534D26-702E-49FB-B00A-DDAB2E8BB0E2}"/>
+              </a:ext>
+            </a:extLst>
+          </p:cNvPr>
+          <p:cNvSpPr>
+            <a:spLocks noGrp="1"/>
+          </p:cNvSpPr>
+          <p:nvPr>
+            <p:ph type="sldNum" sz="quarter" idx="12"/>
+          </p:nvPr>
+        </p:nvSpPr>
+        <p:spPr>
+          <a:xfrm>
+            <a:off x="10951856" y="5867131"/>
+            <a:ext cx="551167" cy="365125"/>
+          </a:xfrm>
+        </p:spPr>
+        <p:txBody>
+          <a:bodyPr/>
+          <a:lstStyle/>
+          <a:p>
+            <a:fld id="{AB265669-9768-4162-B261-757C55BCE5B3}" type="slidenum">
+              <a:rPr lang="en-US" smtClean="0"/>
+              <a:t>20</a:t>
             </a:fld>
             <a:endParaRPr lang="en-US" dirty="0"/>
           </a:p>
@@ -16176,7 +15810,7 @@
         <p:spPr>
           <a:xfrm>
             <a:off x="5077130" y="5951020"/>
-            <a:ext cx="2037737" cy="369332"/>
+            <a:ext cx="2191626" cy="369332"/>
           </a:xfrm>
           <a:prstGeom prst="rect">
             <a:avLst/>
@@ -16194,15 +15828,12 @@
                 <a:latin typeface="Times New Roman" panose="02020603050405020304" pitchFamily="18" charset="0"/>
                 <a:cs typeface="Times New Roman" panose="02020603050405020304" pitchFamily="18" charset="0"/>
               </a:rPr>
-              <a:t>[1] </a:t>
-            </a:r>
-            <a:r>
-              <a:rPr lang="en-US" dirty="0">
-                <a:latin typeface="Times New Roman" panose="02020603050405020304" pitchFamily="18" charset="0"/>
-                <a:cs typeface="Times New Roman" panose="02020603050405020304" pitchFamily="18" charset="0"/>
-              </a:rPr>
-              <a:t>28 January 2019</a:t>
-            </a:r>
+              <a:t>BBC News, 2019 [1]</a:t>
+            </a:r>
+            <a:endParaRPr lang="en-US" dirty="0">
+              <a:latin typeface="Times New Roman" panose="02020603050405020304" pitchFamily="18" charset="0"/>
+              <a:cs typeface="Times New Roman" panose="02020603050405020304" pitchFamily="18" charset="0"/>
+            </a:endParaRPr>
           </a:p>
         </p:txBody>
       </p:sp>
@@ -16297,8 +15928,8 @@
         </p:blipFill>
         <p:spPr>
           <a:xfrm>
-            <a:off x="3957429" y="1783527"/>
-            <a:ext cx="4277142" cy="4388673"/>
+            <a:off x="3764381" y="1400708"/>
+            <a:ext cx="4663235" cy="4784834"/>
           </a:xfrm>
         </p:spPr>
       </p:pic>
@@ -16350,8 +15981,8 @@
         </p:nvSpPr>
         <p:spPr>
           <a:xfrm>
-            <a:off x="5224575" y="6172199"/>
-            <a:ext cx="1742849" cy="369332"/>
+            <a:off x="4560964" y="6185542"/>
+            <a:ext cx="3070071" cy="369332"/>
           </a:xfrm>
           <a:prstGeom prst="rect">
             <a:avLst/>
@@ -16375,8 +16006,15 @@
           </a:lstStyle>
           <a:p>
             <a:r>
+              <a:rPr lang="en-US" sz="1800" dirty="0">
+                <a:latin typeface="Times New Roman" panose="02020603050405020304" pitchFamily="18" charset="0"/>
+                <a:cs typeface="Times New Roman" panose="02020603050405020304" pitchFamily="18" charset="0"/>
+              </a:rPr>
+              <a:t>Berkeley Boot Camps, 2021</a:t>
+            </a:r>
+            <a:r>
               <a:rPr lang="en-US" dirty="0"/>
-              <a:t>[2] August 2020</a:t>
+              <a:t>[2]</a:t>
             </a:r>
           </a:p>
         </p:txBody>
@@ -16465,7 +16103,7 @@
             <p:ph idx="1"/>
             <p:extLst>
               <p:ext uri="{D42A27DB-BD31-4B8C-83A1-F6EECF244321}">
-                <p14:modId xmlns:p14="http://schemas.microsoft.com/office/powerpoint/2010/main" val="1198063928"/>
+                <p14:modId xmlns:p14="http://schemas.microsoft.com/office/powerpoint/2010/main" val="3323669901"/>
               </p:ext>
             </p:extLst>
           </p:nvPr>
@@ -16561,67 +16199,6 @@
           </a:extLst>
         </p:spPr>
       </p:pic>
-      <p:sp>
-        <p:nvSpPr>
-          <p:cNvPr id="9" name="TextBox 8">
-            <a:extLst>
-              <a:ext uri="{FF2B5EF4-FFF2-40B4-BE49-F238E27FC236}">
-                <a16:creationId xmlns:a16="http://schemas.microsoft.com/office/drawing/2014/main" id="{BCDCA837-39D7-4161-8A6C-A2C3CEA94665}"/>
-              </a:ext>
-            </a:extLst>
-          </p:cNvPr>
-          <p:cNvSpPr txBox="1"/>
-          <p:nvPr/>
-        </p:nvSpPr>
-        <p:spPr>
-          <a:xfrm>
-            <a:off x="1484311" y="5403362"/>
-            <a:ext cx="1771650" cy="646331"/>
-          </a:xfrm>
-          <a:prstGeom prst="rect">
-            <a:avLst/>
-          </a:prstGeom>
-          <a:noFill/>
-        </p:spPr>
-        <p:txBody>
-          <a:bodyPr wrap="square" rtlCol="0">
-            <a:spAutoFit/>
-          </a:bodyPr>
-          <a:lstStyle/>
-          <a:p>
-            <a:pPr marL="285750" indent="-285750">
-              <a:buFont typeface="Wingdings" panose="05000000000000000000" pitchFamily="2" charset="2"/>
-              <a:buChar char="q"/>
-            </a:pPr>
-            <a:r>
-              <a:rPr lang="en-GB" dirty="0">
-                <a:solidFill>
-                  <a:srgbClr val="00B050"/>
-                </a:solidFill>
-                <a:latin typeface="Times New Roman" panose="02020603050405020304" pitchFamily="18" charset="0"/>
-                <a:cs typeface="Times New Roman" panose="02020603050405020304" pitchFamily="18" charset="0"/>
-              </a:rPr>
-              <a:t>Done</a:t>
-            </a:r>
-          </a:p>
-          <a:p>
-            <a:pPr marL="285750" indent="-285750">
-              <a:buFont typeface="Wingdings" panose="05000000000000000000" pitchFamily="2" charset="2"/>
-              <a:buChar char="q"/>
-            </a:pPr>
-            <a:r>
-              <a:rPr lang="en-GB" dirty="0">
-                <a:solidFill>
-                  <a:srgbClr val="FF0000"/>
-                </a:solidFill>
-                <a:latin typeface="Times New Roman" panose="02020603050405020304" pitchFamily="18" charset="0"/>
-                <a:cs typeface="Times New Roman" panose="02020603050405020304" pitchFamily="18" charset="0"/>
-              </a:rPr>
-              <a:t>Not Done</a:t>
-            </a:r>
-          </a:p>
-        </p:txBody>
-      </p:sp>
     </p:spTree>
     <p:extLst>
       <p:ext uri="{BB962C8B-B14F-4D97-AF65-F5344CB8AC3E}">
@@ -16684,7 +16261,7 @@
                 <a:latin typeface="Times New Roman" panose="02020603050405020304" pitchFamily="18" charset="0"/>
                 <a:cs typeface="Times New Roman" panose="02020603050405020304" pitchFamily="18" charset="0"/>
               </a:rPr>
-              <a:t>Objectives</a:t>
+              <a:t>Software &amp; Techniques Used</a:t>
             </a:r>
           </a:p>
         </p:txBody>
@@ -16707,98 +16284,138 @@
         </p:nvSpPr>
         <p:spPr>
           <a:xfrm>
-            <a:off x="1484310" y="1639019"/>
-            <a:ext cx="10018713" cy="4347713"/>
+            <a:off x="1484310" y="1699404"/>
+            <a:ext cx="10018713" cy="4287328"/>
           </a:xfrm>
         </p:spPr>
         <p:txBody>
           <a:bodyPr>
-            <a:normAutofit/>
+            <a:normAutofit fontScale="92500" lnSpcReduction="20000"/>
           </a:bodyPr>
           <a:lstStyle/>
           <a:p>
-            <a:pPr algn="just">
-              <a:lnSpc>
-                <a:spcPct val="115000"/>
-              </a:lnSpc>
-              <a:spcBef>
-                <a:spcPts val="0"/>
-              </a:spcBef>
-              <a:spcAft>
-                <a:spcPts val="1000"/>
-              </a:spcAft>
-              <a:buSzPct val="100000"/>
-            </a:pPr>
             <a:r>
               <a:rPr lang="en-US" sz="2600" dirty="0">
-                <a:effectLst/>
                 <a:latin typeface="Times New Roman" panose="02020603050405020304" pitchFamily="18" charset="0"/>
-                <a:ea typeface="Times New Roman" panose="02020603050405020304" pitchFamily="18" charset="0"/>
                 <a:cs typeface="Times New Roman" panose="02020603050405020304" pitchFamily="18" charset="0"/>
               </a:rPr>
-              <a:t>Offering a gamified and enjoyable way for kids to learn about cyber security threats and attacks. </a:t>
-            </a:r>
-          </a:p>
-          <a:p>
-            <a:pPr algn="just">
-              <a:lnSpc>
-                <a:spcPct val="115000"/>
-              </a:lnSpc>
-              <a:spcBef>
-                <a:spcPts val="0"/>
-              </a:spcBef>
-              <a:spcAft>
-                <a:spcPts val="1000"/>
-              </a:spcAft>
+              <a:t>ChatBot</a:t>
+            </a:r>
+          </a:p>
+          <a:p>
+            <a:pPr lvl="1">
               <a:buSzPct val="100000"/>
+              <a:buFont typeface="Wingdings" panose="05000000000000000000" pitchFamily="2" charset="2"/>
+              <a:buChar char="Ø"/>
             </a:pPr>
             <a:r>
-              <a:rPr lang="en-US" sz="2600" dirty="0">
-                <a:effectLst/>
+              <a:rPr lang="en-US" sz="2400" dirty="0">
                 <a:latin typeface="Times New Roman" panose="02020603050405020304" pitchFamily="18" charset="0"/>
-                <a:ea typeface="Times New Roman" panose="02020603050405020304" pitchFamily="18" charset="0"/>
                 <a:cs typeface="Times New Roman" panose="02020603050405020304" pitchFamily="18" charset="0"/>
               </a:rPr>
-              <a:t>Provide a simple yet effective means of reporting security attacks.</a:t>
-            </a:r>
-          </a:p>
-          <a:p>
-            <a:pPr algn="just">
-              <a:lnSpc>
-                <a:spcPct val="115000"/>
-              </a:lnSpc>
-              <a:spcBef>
-                <a:spcPts val="0"/>
-              </a:spcBef>
-              <a:spcAft>
-                <a:spcPts val="1000"/>
-              </a:spcAft>
-              <a:buSzPct val="100000"/>
-            </a:pPr>
+              <a:t>Syn.Bot (OSCOVA)</a:t>
+            </a:r>
+          </a:p>
+          <a:p>
             <a:r>
               <a:rPr lang="en-US" sz="2600" dirty="0">
-                <a:effectLst/>
                 <a:latin typeface="Times New Roman" panose="02020603050405020304" pitchFamily="18" charset="0"/>
-                <a:ea typeface="Times New Roman" panose="02020603050405020304" pitchFamily="18" charset="0"/>
                 <a:cs typeface="Times New Roman" panose="02020603050405020304" pitchFamily="18" charset="0"/>
               </a:rPr>
-              <a:t>Implementing practical hands-on experience.</a:t>
-            </a:r>
-            <a:endParaRPr lang="en-US" sz="2600" dirty="0">
-              <a:effectLst/>
-              <a:latin typeface="Times New Roman" panose="02020603050405020304" pitchFamily="18" charset="0"/>
-              <a:ea typeface="Calibri" panose="020F0502020204030204" pitchFamily="34" charset="0"/>
-              <a:cs typeface="Times New Roman" panose="02020603050405020304" pitchFamily="18" charset="0"/>
-            </a:endParaRPr>
+              <a:t>Game Engine</a:t>
+            </a:r>
+          </a:p>
+          <a:p>
+            <a:pPr lvl="1">
+              <a:buSzPct val="100000"/>
+              <a:buFont typeface="Wingdings" panose="05000000000000000000" pitchFamily="2" charset="2"/>
+              <a:buChar char="Ø"/>
+            </a:pPr>
+            <a:r>
+              <a:rPr lang="en-US" sz="2400" dirty="0">
+                <a:latin typeface="Times New Roman" panose="02020603050405020304" pitchFamily="18" charset="0"/>
+                <a:cs typeface="Times New Roman" panose="02020603050405020304" pitchFamily="18" charset="0"/>
+              </a:rPr>
+              <a:t>Unity</a:t>
+            </a:r>
+          </a:p>
+          <a:p>
+            <a:r>
+              <a:rPr lang="en-US" sz="2600" dirty="0">
+                <a:latin typeface="Times New Roman" panose="02020603050405020304" pitchFamily="18" charset="0"/>
+                <a:cs typeface="Times New Roman" panose="02020603050405020304" pitchFamily="18" charset="0"/>
+              </a:rPr>
+              <a:t>Programming Language</a:t>
+            </a:r>
+          </a:p>
+          <a:p>
+            <a:pPr lvl="1">
+              <a:buSzPct val="100000"/>
+              <a:buFont typeface="Wingdings" panose="05000000000000000000" pitchFamily="2" charset="2"/>
+              <a:buChar char="Ø"/>
+            </a:pPr>
+            <a:r>
+              <a:rPr lang="en-US" sz="2400" dirty="0">
+                <a:latin typeface="Times New Roman" panose="02020603050405020304" pitchFamily="18" charset="0"/>
+                <a:cs typeface="Times New Roman" panose="02020603050405020304" pitchFamily="18" charset="0"/>
+              </a:rPr>
+              <a:t>C#</a:t>
+            </a:r>
+          </a:p>
+          <a:p>
+            <a:r>
+              <a:rPr lang="en-US" sz="2600" dirty="0">
+                <a:latin typeface="Times New Roman" panose="02020603050405020304" pitchFamily="18" charset="0"/>
+                <a:cs typeface="Times New Roman" panose="02020603050405020304" pitchFamily="18" charset="0"/>
+              </a:rPr>
+              <a:t>Code IDE</a:t>
+            </a:r>
+          </a:p>
+          <a:p>
+            <a:pPr lvl="1">
+              <a:buSzPct val="100000"/>
+              <a:buFont typeface="Wingdings" panose="05000000000000000000" pitchFamily="2" charset="2"/>
+              <a:buChar char="Ø"/>
+            </a:pPr>
+            <a:r>
+              <a:rPr lang="en-US" sz="2400" dirty="0">
+                <a:latin typeface="Times New Roman" panose="02020603050405020304" pitchFamily="18" charset="0"/>
+                <a:cs typeface="Times New Roman" panose="02020603050405020304" pitchFamily="18" charset="0"/>
+              </a:rPr>
+              <a:t>Visual Studio</a:t>
+            </a:r>
+          </a:p>
+          <a:p>
+            <a:r>
+              <a:rPr lang="en-US" sz="2600" dirty="0">
+                <a:latin typeface="Times New Roman" panose="02020603050405020304" pitchFamily="18" charset="0"/>
+                <a:cs typeface="Times New Roman" panose="02020603050405020304" pitchFamily="18" charset="0"/>
+              </a:rPr>
+              <a:t>Graphics Tool</a:t>
+            </a:r>
+          </a:p>
+          <a:p>
+            <a:pPr lvl="1">
+              <a:buSzPct val="100000"/>
+              <a:buFont typeface="Wingdings" panose="05000000000000000000" pitchFamily="2" charset="2"/>
+              <a:buChar char="Ø"/>
+            </a:pPr>
+            <a:r>
+              <a:rPr lang="en-US" sz="2400" dirty="0">
+                <a:latin typeface="Times New Roman" panose="02020603050405020304" pitchFamily="18" charset="0"/>
+                <a:cs typeface="Times New Roman" panose="02020603050405020304" pitchFamily="18" charset="0"/>
+              </a:rPr>
+              <a:t>Photoshop</a:t>
+            </a:r>
           </a:p>
         </p:txBody>
       </p:sp>
       <p:pic>
         <p:nvPicPr>
-          <p:cNvPr id="8196" name="Picture 4">
+          <p:cNvPr id="6148" name="Picture 4" descr="Visual Studio 2019 Online Learning Path | Pluralsight">
             <a:extLst>
               <a:ext uri="{FF2B5EF4-FFF2-40B4-BE49-F238E27FC236}">
-                <a16:creationId xmlns:a16="http://schemas.microsoft.com/office/drawing/2014/main" id="{BC9EF16D-A816-4F13-9B89-7F98CE8411BE}"/>
+                <a16:creationId xmlns:a16="http://schemas.microsoft.com/office/drawing/2014/main" id="{DCF8EF2C-BEEA-44B4-BD5A-441E8781CFAA}"/>
               </a:ext>
             </a:extLst>
           </p:cNvPr>
@@ -16807,7 +16424,7 @@
           </p:cNvPicPr>
           <p:nvPr/>
         </p:nvPicPr>
-        <p:blipFill>
+        <p:blipFill rotWithShape="1">
           <a:blip r:embed="rId2">
             <a:extLst>
               <a:ext uri="{28A0092B-C50C-407E-A947-70E740481C1C}">
@@ -16815,15 +16432,13 @@
               </a:ext>
             </a:extLst>
           </a:blip>
-          <a:srcRect/>
-          <a:stretch>
-            <a:fillRect/>
-          </a:stretch>
+          <a:srcRect l="17506" t="16018" r="15866" b="18334"/>
+          <a:stretch/>
         </p:blipFill>
         <p:spPr bwMode="auto">
           <a:xfrm>
-            <a:off x="8440646" y="643957"/>
-            <a:ext cx="3062377" cy="1800343"/>
+            <a:off x="7477075" y="2522221"/>
+            <a:ext cx="1891209" cy="1863419"/>
           </a:xfrm>
           <a:prstGeom prst="rect">
             <a:avLst/>
@@ -16840,12 +16455,118 @@
           </a:extLst>
         </p:spPr>
       </p:pic>
+      <p:pic>
+        <p:nvPicPr>
+          <p:cNvPr id="7" name="Picture 6">
+            <a:extLst>
+              <a:ext uri="{FF2B5EF4-FFF2-40B4-BE49-F238E27FC236}">
+                <a16:creationId xmlns:a16="http://schemas.microsoft.com/office/drawing/2014/main" id="{38406565-8930-4D85-95F2-4327C36BA384}"/>
+              </a:ext>
+            </a:extLst>
+          </p:cNvPr>
+          <p:cNvPicPr>
+            <a:picLocks noChangeAspect="1"/>
+          </p:cNvPicPr>
+          <p:nvPr/>
+        </p:nvPicPr>
+        <p:blipFill>
+          <a:blip r:embed="rId3">
+            <a:extLst>
+              <a:ext uri="{28A0092B-C50C-407E-A947-70E740481C1C}">
+                <a14:useLocalDpi xmlns:a14="http://schemas.microsoft.com/office/drawing/2010/main" val="0"/>
+              </a:ext>
+            </a:extLst>
+          </a:blip>
+          <a:stretch>
+            <a:fillRect/>
+          </a:stretch>
+        </p:blipFill>
+        <p:spPr>
+          <a:xfrm>
+            <a:off x="10099867" y="3585094"/>
+            <a:ext cx="1601091" cy="1601091"/>
+          </a:xfrm>
+          <a:prstGeom prst="rect">
+            <a:avLst/>
+          </a:prstGeom>
+        </p:spPr>
+      </p:pic>
+      <p:pic>
+        <p:nvPicPr>
+          <p:cNvPr id="9" name="Picture 8">
+            <a:extLst>
+              <a:ext uri="{FF2B5EF4-FFF2-40B4-BE49-F238E27FC236}">
+                <a16:creationId xmlns:a16="http://schemas.microsoft.com/office/drawing/2014/main" id="{FDBE8ABD-2842-42E4-AFED-EA13F9809F74}"/>
+              </a:ext>
+            </a:extLst>
+          </p:cNvPr>
+          <p:cNvPicPr>
+            <a:picLocks noChangeAspect="1"/>
+          </p:cNvPicPr>
+          <p:nvPr/>
+        </p:nvPicPr>
+        <p:blipFill rotWithShape="1">
+          <a:blip r:embed="rId4">
+            <a:extLst>
+              <a:ext uri="{28A0092B-C50C-407E-A947-70E740481C1C}">
+                <a14:useLocalDpi xmlns:a14="http://schemas.microsoft.com/office/drawing/2010/main" val="0"/>
+              </a:ext>
+            </a:extLst>
+          </a:blip>
+          <a:srcRect r="67600"/>
+          <a:stretch/>
+        </p:blipFill>
+        <p:spPr>
+          <a:xfrm>
+            <a:off x="10195624" y="1535501"/>
+            <a:ext cx="1409578" cy="1358658"/>
+          </a:xfrm>
+          <a:prstGeom prst="rect">
+            <a:avLst/>
+          </a:prstGeom>
+        </p:spPr>
+      </p:pic>
+      <p:pic>
+        <p:nvPicPr>
+          <p:cNvPr id="11" name="Picture 10">
+            <a:extLst>
+              <a:ext uri="{FF2B5EF4-FFF2-40B4-BE49-F238E27FC236}">
+                <a16:creationId xmlns:a16="http://schemas.microsoft.com/office/drawing/2014/main" id="{E2303D7B-7316-4531-B420-E6123FE79058}"/>
+              </a:ext>
+            </a:extLst>
+          </p:cNvPr>
+          <p:cNvPicPr>
+            <a:picLocks noChangeAspect="1"/>
+          </p:cNvPicPr>
+          <p:nvPr/>
+        </p:nvPicPr>
+        <p:blipFill rotWithShape="1">
+          <a:blip r:embed="rId5">
+            <a:extLst>
+              <a:ext uri="{28A0092B-C50C-407E-A947-70E740481C1C}">
+                <a14:useLocalDpi xmlns:a14="http://schemas.microsoft.com/office/drawing/2010/main" val="0"/>
+              </a:ext>
+            </a:extLst>
+          </a:blip>
+          <a:srcRect l="18299" t="3711" r="17739"/>
+          <a:stretch/>
+        </p:blipFill>
+        <p:spPr>
+          <a:xfrm>
+            <a:off x="7506843" y="4824768"/>
+            <a:ext cx="1831675" cy="1601092"/>
+          </a:xfrm>
+          <a:prstGeom prst="rect">
+            <a:avLst/>
+          </a:prstGeom>
+        </p:spPr>
+      </p:pic>
       <p:sp>
         <p:nvSpPr>
           <p:cNvPr id="2" name="Slide Number Placeholder 1">
             <a:extLst>
               <a:ext uri="{FF2B5EF4-FFF2-40B4-BE49-F238E27FC236}">
-                <a16:creationId xmlns:a16="http://schemas.microsoft.com/office/drawing/2014/main" id="{EF69167D-CB89-4C05-A6AA-05C9B76A2AFB}"/>
+                <a16:creationId xmlns:a16="http://schemas.microsoft.com/office/drawing/2014/main" id="{10D896F7-A11D-402D-8EBE-1D6B91B76972}"/>
               </a:ext>
             </a:extLst>
           </p:cNvPr>
@@ -16856,12 +16577,7 @@
             <p:ph type="sldNum" sz="quarter" idx="12"/>
           </p:nvPr>
         </p:nvSpPr>
-        <p:spPr>
-          <a:xfrm>
-            <a:off x="10951856" y="5867131"/>
-            <a:ext cx="551167" cy="365125"/>
-          </a:xfrm>
-        </p:spPr>
+        <p:spPr/>
         <p:txBody>
           <a:bodyPr/>
           <a:lstStyle/>
@@ -16877,7 +16593,7 @@
     </p:spTree>
     <p:extLst>
       <p:ext uri="{BB962C8B-B14F-4D97-AF65-F5344CB8AC3E}">
-        <p14:creationId xmlns:p14="http://schemas.microsoft.com/office/powerpoint/2010/main" val="2919576866"/>
+        <p14:creationId xmlns:p14="http://schemas.microsoft.com/office/powerpoint/2010/main" val="4196966936"/>
       </p:ext>
     </p:extLst>
   </p:cSld>

--- a/Graduation_Project_Presentation_FinalSeminar.pptx
+++ b/Graduation_Project_Presentation_FinalSeminar.pptx
@@ -16526,41 +16526,6 @@
           </a:prstGeom>
         </p:spPr>
       </p:pic>
-      <p:pic>
-        <p:nvPicPr>
-          <p:cNvPr id="11" name="Picture 10">
-            <a:extLst>
-              <a:ext uri="{FF2B5EF4-FFF2-40B4-BE49-F238E27FC236}">
-                <a16:creationId xmlns:a16="http://schemas.microsoft.com/office/drawing/2014/main" id="{E2303D7B-7316-4531-B420-E6123FE79058}"/>
-              </a:ext>
-            </a:extLst>
-          </p:cNvPr>
-          <p:cNvPicPr>
-            <a:picLocks noChangeAspect="1"/>
-          </p:cNvPicPr>
-          <p:nvPr/>
-        </p:nvPicPr>
-        <p:blipFill rotWithShape="1">
-          <a:blip r:embed="rId5">
-            <a:extLst>
-              <a:ext uri="{28A0092B-C50C-407E-A947-70E740481C1C}">
-                <a14:useLocalDpi xmlns:a14="http://schemas.microsoft.com/office/drawing/2010/main" val="0"/>
-              </a:ext>
-            </a:extLst>
-          </a:blip>
-          <a:srcRect l="18299" t="3711" r="17739"/>
-          <a:stretch/>
-        </p:blipFill>
-        <p:spPr>
-          <a:xfrm>
-            <a:off x="7506843" y="4824768"/>
-            <a:ext cx="1831675" cy="1601092"/>
-          </a:xfrm>
-          <a:prstGeom prst="rect">
-            <a:avLst/>
-          </a:prstGeom>
-        </p:spPr>
-      </p:pic>
       <p:sp>
         <p:nvSpPr>
           <p:cNvPr id="2" name="Slide Number Placeholder 1">
@@ -16590,6 +16555,53 @@
           </a:p>
         </p:txBody>
       </p:sp>
+      <p:pic>
+        <p:nvPicPr>
+          <p:cNvPr id="1026" name="Picture 2">
+            <a:extLst>
+              <a:ext uri="{FF2B5EF4-FFF2-40B4-BE49-F238E27FC236}">
+                <a16:creationId xmlns:a16="http://schemas.microsoft.com/office/drawing/2014/main" id="{03749A96-B6C1-29C5-E4F3-DB943EABBC94}"/>
+              </a:ext>
+            </a:extLst>
+          </p:cNvPr>
+          <p:cNvPicPr>
+            <a:picLocks noChangeAspect="1" noChangeArrowheads="1"/>
+          </p:cNvPicPr>
+          <p:nvPr/>
+        </p:nvPicPr>
+        <p:blipFill>
+          <a:blip r:embed="rId5">
+            <a:extLst>
+              <a:ext uri="{28A0092B-C50C-407E-A947-70E740481C1C}">
+                <a14:useLocalDpi xmlns:a14="http://schemas.microsoft.com/office/drawing/2010/main" val="0"/>
+              </a:ext>
+            </a:extLst>
+          </a:blip>
+          <a:srcRect/>
+          <a:stretch>
+            <a:fillRect/>
+          </a:stretch>
+        </p:blipFill>
+        <p:spPr bwMode="auto">
+          <a:xfrm>
+            <a:off x="7717890" y="4824768"/>
+            <a:ext cx="1409578" cy="1378530"/>
+          </a:xfrm>
+          <a:prstGeom prst="rect">
+            <a:avLst/>
+          </a:prstGeom>
+          <a:noFill/>
+          <a:extLst>
+            <a:ext uri="{909E8E84-426E-40DD-AFC4-6F175D3DCCD1}">
+              <a14:hiddenFill xmlns:a14="http://schemas.microsoft.com/office/drawing/2010/main">
+                <a:solidFill>
+                  <a:srgbClr val="FFFFFF"/>
+                </a:solidFill>
+              </a14:hiddenFill>
+            </a:ext>
+          </a:extLst>
+        </p:spPr>
+      </p:pic>
     </p:spTree>
     <p:extLst>
       <p:ext uri="{BB962C8B-B14F-4D97-AF65-F5344CB8AC3E}">
